--- a/UI_flow.pptx
+++ b/UI_flow.pptx
@@ -6,6 +6,7 @@
   </p:sldMasterIdLst>
   <p:sldIdLst>
     <p:sldId id="257" r:id="rId2"/>
+    <p:sldId id="258" r:id="rId3"/>
   </p:sldIdLst>
   <p:sldSz cx="12192000" cy="6858000"/>
   <p:notesSz cx="6858000" cy="9144000"/>
@@ -104,6 +105,11 @@
       </a:defRPr>
     </a:lvl9pPr>
   </p:defaultTextStyle>
+  <p:extLst>
+    <p:ext uri="{EFAFB233-063F-42B5-8137-9DF3F51BA10A}">
+      <p15:sldGuideLst xmlns:p15="http://schemas.microsoft.com/office/powerpoint/2012/main"/>
+    </p:ext>
+  </p:extLst>
 </p:presentation>
 </file>
 
@@ -254,7 +260,7 @@
           <a:p>
             <a:fld id="{4D19C019-5B1A-6048-8365-758FE9161DE6}" type="datetimeFigureOut">
               <a:rPr lang="en-US" smtClean="0"/>
-              <a:t>11/1/18</a:t>
+              <a:t>11/1/2018</a:t>
             </a:fld>
             <a:endParaRPr lang="en-US"/>
           </a:p>
@@ -452,7 +458,7 @@
           <a:p>
             <a:fld id="{4D19C019-5B1A-6048-8365-758FE9161DE6}" type="datetimeFigureOut">
               <a:rPr lang="en-US" smtClean="0"/>
-              <a:t>11/1/18</a:t>
+              <a:t>11/1/2018</a:t>
             </a:fld>
             <a:endParaRPr lang="en-US"/>
           </a:p>
@@ -660,7 +666,7 @@
           <a:p>
             <a:fld id="{4D19C019-5B1A-6048-8365-758FE9161DE6}" type="datetimeFigureOut">
               <a:rPr lang="en-US" smtClean="0"/>
-              <a:t>11/1/18</a:t>
+              <a:t>11/1/2018</a:t>
             </a:fld>
             <a:endParaRPr lang="en-US"/>
           </a:p>
@@ -858,7 +864,7 @@
           <a:p>
             <a:fld id="{4D19C019-5B1A-6048-8365-758FE9161DE6}" type="datetimeFigureOut">
               <a:rPr lang="en-US" smtClean="0"/>
-              <a:t>11/1/18</a:t>
+              <a:t>11/1/2018</a:t>
             </a:fld>
             <a:endParaRPr lang="en-US"/>
           </a:p>
@@ -1133,7 +1139,7 @@
           <a:p>
             <a:fld id="{4D19C019-5B1A-6048-8365-758FE9161DE6}" type="datetimeFigureOut">
               <a:rPr lang="en-US" smtClean="0"/>
-              <a:t>11/1/18</a:t>
+              <a:t>11/1/2018</a:t>
             </a:fld>
             <a:endParaRPr lang="en-US"/>
           </a:p>
@@ -1398,7 +1404,7 @@
           <a:p>
             <a:fld id="{4D19C019-5B1A-6048-8365-758FE9161DE6}" type="datetimeFigureOut">
               <a:rPr lang="en-US" smtClean="0"/>
-              <a:t>11/1/18</a:t>
+              <a:t>11/1/2018</a:t>
             </a:fld>
             <a:endParaRPr lang="en-US"/>
           </a:p>
@@ -1810,7 +1816,7 @@
           <a:p>
             <a:fld id="{4D19C019-5B1A-6048-8365-758FE9161DE6}" type="datetimeFigureOut">
               <a:rPr lang="en-US" smtClean="0"/>
-              <a:t>11/1/18</a:t>
+              <a:t>11/1/2018</a:t>
             </a:fld>
             <a:endParaRPr lang="en-US"/>
           </a:p>
@@ -1951,7 +1957,7 @@
           <a:p>
             <a:fld id="{4D19C019-5B1A-6048-8365-758FE9161DE6}" type="datetimeFigureOut">
               <a:rPr lang="en-US" smtClean="0"/>
-              <a:t>11/1/18</a:t>
+              <a:t>11/1/2018</a:t>
             </a:fld>
             <a:endParaRPr lang="en-US"/>
           </a:p>
@@ -2064,7 +2070,7 @@
           <a:p>
             <a:fld id="{4D19C019-5B1A-6048-8365-758FE9161DE6}" type="datetimeFigureOut">
               <a:rPr lang="en-US" smtClean="0"/>
-              <a:t>11/1/18</a:t>
+              <a:t>11/1/2018</a:t>
             </a:fld>
             <a:endParaRPr lang="en-US"/>
           </a:p>
@@ -2375,7 +2381,7 @@
           <a:p>
             <a:fld id="{4D19C019-5B1A-6048-8365-758FE9161DE6}" type="datetimeFigureOut">
               <a:rPr lang="en-US" smtClean="0"/>
-              <a:t>11/1/18</a:t>
+              <a:t>11/1/2018</a:t>
             </a:fld>
             <a:endParaRPr lang="en-US"/>
           </a:p>
@@ -2663,7 +2669,7 @@
           <a:p>
             <a:fld id="{4D19C019-5B1A-6048-8365-758FE9161DE6}" type="datetimeFigureOut">
               <a:rPr lang="en-US" smtClean="0"/>
-              <a:t>11/1/18</a:t>
+              <a:t>11/1/2018</a:t>
             </a:fld>
             <a:endParaRPr lang="en-US"/>
           </a:p>
@@ -2904,7 +2910,7 @@
           <a:p>
             <a:fld id="{4D19C019-5B1A-6048-8365-758FE9161DE6}" type="datetimeFigureOut">
               <a:rPr lang="en-US" smtClean="0"/>
-              <a:t>11/1/18</a:t>
+              <a:t>11/1/2018</a:t>
             </a:fld>
             <a:endParaRPr lang="en-US"/>
           </a:p>
@@ -3323,7 +3329,7 @@
       </p:grpSpPr>
       <p:pic>
         <p:nvPicPr>
-          <p:cNvPr id="3" name="Picture 2" descr="A screenshot of a cell phone&#13;&#10;&#13;&#10;Description automatically generated">
+          <p:cNvPr id="3" name="Picture 2" descr="A screenshot of a cell phone&#10;&#10;Description automatically generated">
             <a:extLst>
               <a:ext uri="{FF2B5EF4-FFF2-40B4-BE49-F238E27FC236}">
                 <a16:creationId xmlns:a16="http://schemas.microsoft.com/office/drawing/2014/main" id="{73A9F579-EE44-5F4A-A86F-5439192EFA73}"/>
@@ -3388,7 +3394,7 @@
       </p:sp>
       <p:pic>
         <p:nvPicPr>
-          <p:cNvPr id="6" name="Picture 5" descr="A screen shot of a computer&#13;&#10;&#13;&#10;Description automatically generated">
+          <p:cNvPr id="6" name="Picture 5" descr="A screen shot of a computer&#10;&#10;Description automatically generated">
             <a:extLst>
               <a:ext uri="{FF2B5EF4-FFF2-40B4-BE49-F238E27FC236}">
                 <a16:creationId xmlns:a16="http://schemas.microsoft.com/office/drawing/2014/main" id="{A09CD283-9FD5-FC4E-8EA0-CF36A2614A82}"/>
@@ -3495,7 +3501,7 @@
       </p:sp>
       <p:pic>
         <p:nvPicPr>
-          <p:cNvPr id="13" name="Picture 12" descr="A screen shot of a computer&#13;&#10;&#13;&#10;Description automatically generated">
+          <p:cNvPr id="13" name="Picture 12" descr="A screen shot of a computer&#10;&#10;Description automatically generated">
             <a:extLst>
               <a:ext uri="{FF2B5EF4-FFF2-40B4-BE49-F238E27FC236}">
                 <a16:creationId xmlns:a16="http://schemas.microsoft.com/office/drawing/2014/main" id="{C2355CC2-8C8D-0749-83C0-5BB977DD2CD9}"/>
@@ -3861,7 +3867,7 @@
       </p:sp>
       <p:pic>
         <p:nvPicPr>
-          <p:cNvPr id="41" name="Picture 40" descr="A screenshot of a cell phone&#13;&#10;&#13;&#10;Description automatically generated">
+          <p:cNvPr id="41" name="Picture 40" descr="A screenshot of a cell phone&#10;&#10;Description automatically generated">
             <a:extLst>
               <a:ext uri="{FF2B5EF4-FFF2-40B4-BE49-F238E27FC236}">
                 <a16:creationId xmlns:a16="http://schemas.microsoft.com/office/drawing/2014/main" id="{441FE40B-1A60-0348-B77F-7BB25ADB551D}"/>
@@ -4049,7 +4055,7 @@
       </p:cxnSp>
       <p:pic>
         <p:nvPicPr>
-          <p:cNvPr id="73" name="Picture 72" descr="A screenshot of a cell phone&#13;&#10;&#13;&#10;Description automatically generated">
+          <p:cNvPr id="73" name="Picture 72" descr="A screenshot of a cell phone&#10;&#10;Description automatically generated">
             <a:extLst>
               <a:ext uri="{FF2B5EF4-FFF2-40B4-BE49-F238E27FC236}">
                 <a16:creationId xmlns:a16="http://schemas.microsoft.com/office/drawing/2014/main" id="{D83E91FC-8565-6045-8096-72DF9DD85D3A}"/>
@@ -4079,7 +4085,7 @@
       </p:pic>
       <p:pic>
         <p:nvPicPr>
-          <p:cNvPr id="75" name="Picture 74" descr="A screenshot of a cell phone&#13;&#10;&#13;&#10;Description automatically generated">
+          <p:cNvPr id="75" name="Picture 74" descr="A screenshot of a cell phone&#10;&#10;Description automatically generated">
             <a:extLst>
               <a:ext uri="{FF2B5EF4-FFF2-40B4-BE49-F238E27FC236}">
                 <a16:creationId xmlns:a16="http://schemas.microsoft.com/office/drawing/2014/main" id="{8F5E72E0-C97E-3243-A9A2-ECDFE65BA5B3}"/>
@@ -4185,7 +4191,7 @@
       </p:sp>
       <p:pic>
         <p:nvPicPr>
-          <p:cNvPr id="83" name="Picture 82" descr="A screenshot of a cell phone&#13;&#10;&#13;&#10;Description automatically generated">
+          <p:cNvPr id="83" name="Picture 82" descr="A screenshot of a cell phone&#10;&#10;Description automatically generated">
             <a:extLst>
               <a:ext uri="{FF2B5EF4-FFF2-40B4-BE49-F238E27FC236}">
                 <a16:creationId xmlns:a16="http://schemas.microsoft.com/office/drawing/2014/main" id="{55E4E676-E17C-2748-836C-69936041931F}"/>
@@ -4369,7 +4375,7 @@
       </p:sp>
       <p:pic>
         <p:nvPicPr>
-          <p:cNvPr id="104" name="Picture 103" descr="A picture containing text&#13;&#10;&#13;&#10;Description automatically generated">
+          <p:cNvPr id="104" name="Picture 103" descr="A picture containing text&#10;&#10;Description automatically generated">
             <a:extLst>
               <a:ext uri="{FF2B5EF4-FFF2-40B4-BE49-F238E27FC236}">
                 <a16:creationId xmlns:a16="http://schemas.microsoft.com/office/drawing/2014/main" id="{24DAA6CF-57ED-594F-B00A-74A36D3ECE86}"/>
@@ -4476,7 +4482,7 @@
       </p:sp>
       <p:pic>
         <p:nvPicPr>
-          <p:cNvPr id="110" name="Picture 109" descr="A close up of a person&#13;&#10;&#13;&#10;Description automatically generated">
+          <p:cNvPr id="110" name="Picture 109" descr="A close up of a person&#10;&#10;Description automatically generated">
             <a:extLst>
               <a:ext uri="{FF2B5EF4-FFF2-40B4-BE49-F238E27FC236}">
                 <a16:creationId xmlns:a16="http://schemas.microsoft.com/office/drawing/2014/main" id="{782AD1D6-4C45-E64D-A09C-FA14EA935FF6}"/>
@@ -4676,7 +4682,7 @@
       </p:sp>
       <p:pic>
         <p:nvPicPr>
-          <p:cNvPr id="116" name="Picture 115" descr="A group of people standing in a train station&#13;&#10;&#13;&#10;Description automatically generated">
+          <p:cNvPr id="116" name="Picture 115" descr="A group of people standing in a train station&#10;&#10;Description automatically generated">
             <a:extLst>
               <a:ext uri="{FF2B5EF4-FFF2-40B4-BE49-F238E27FC236}">
                 <a16:creationId xmlns:a16="http://schemas.microsoft.com/office/drawing/2014/main" id="{ABFC3477-6E7C-434A-AA79-2B4635CC2B39}"/>
@@ -4782,7 +4788,7 @@
       </p:cxnSp>
       <p:pic>
         <p:nvPicPr>
-          <p:cNvPr id="122" name="Picture 121" descr="A screenshot of a cell phone&#13;&#10;&#13;&#10;Description automatically generated">
+          <p:cNvPr id="122" name="Picture 121" descr="A screenshot of a cell phone&#10;&#10;Description automatically generated">
             <a:extLst>
               <a:ext uri="{FF2B5EF4-FFF2-40B4-BE49-F238E27FC236}">
                 <a16:creationId xmlns:a16="http://schemas.microsoft.com/office/drawing/2014/main" id="{2562D17C-6F9C-AB47-B0CA-298778E5FB5F}"/>
@@ -4847,7 +4853,7 @@
       </p:sp>
       <p:pic>
         <p:nvPicPr>
-          <p:cNvPr id="125" name="Picture 124" descr="A screenshot of a cell phone&#13;&#10;&#13;&#10;Description automatically generated">
+          <p:cNvPr id="125" name="Picture 124" descr="A screenshot of a cell phone&#10;&#10;Description automatically generated">
             <a:extLst>
               <a:ext uri="{FF2B5EF4-FFF2-40B4-BE49-F238E27FC236}">
                 <a16:creationId xmlns:a16="http://schemas.microsoft.com/office/drawing/2014/main" id="{EE88D077-5C54-8A47-87F9-D099A7FEF47B}"/>
@@ -4990,7 +4996,7 @@
       </p:sp>
       <p:pic>
         <p:nvPicPr>
-          <p:cNvPr id="132" name="Picture 131" descr="A screenshot of a cell phone&#13;&#10;&#13;&#10;Description automatically generated">
+          <p:cNvPr id="132" name="Picture 131" descr="A screenshot of a cell phone&#10;&#10;Description automatically generated">
             <a:extLst>
               <a:ext uri="{FF2B5EF4-FFF2-40B4-BE49-F238E27FC236}">
                 <a16:creationId xmlns:a16="http://schemas.microsoft.com/office/drawing/2014/main" id="{98FEF18F-B028-DE4D-955F-3F0CAD537319}"/>
@@ -5094,7 +5100,7 @@
       </p:cxnSp>
       <p:pic>
         <p:nvPicPr>
-          <p:cNvPr id="138" name="Picture 137" descr="A screenshot of a cell phone&#13;&#10;&#13;&#10;Description automatically generated">
+          <p:cNvPr id="138" name="Picture 137" descr="A screenshot of a cell phone&#10;&#10;Description automatically generated">
             <a:extLst>
               <a:ext uri="{FF2B5EF4-FFF2-40B4-BE49-F238E27FC236}">
                 <a16:creationId xmlns:a16="http://schemas.microsoft.com/office/drawing/2014/main" id="{DF9AB4E6-D1C3-9947-B1BD-BD8FE00E744D}"/>
@@ -5276,7 +5282,7 @@
       </p:sp>
       <p:pic>
         <p:nvPicPr>
-          <p:cNvPr id="146" name="Picture 145" descr="A close up of a sign&#13;&#10;&#13;&#10;Description automatically generated">
+          <p:cNvPr id="146" name="Picture 145" descr="A close up of a sign&#10;&#10;Description automatically generated">
             <a:extLst>
               <a:ext uri="{FF2B5EF4-FFF2-40B4-BE49-F238E27FC236}">
                 <a16:creationId xmlns:a16="http://schemas.microsoft.com/office/drawing/2014/main" id="{FF4CF568-6BA8-004B-B796-1CFBB14844C4}"/>
@@ -5345,7 +5351,7 @@
       </p:cxnSp>
       <p:pic>
         <p:nvPicPr>
-          <p:cNvPr id="151" name="Picture 150" descr="A screenshot of a cell phone&#13;&#10;&#13;&#10;Description automatically generated">
+          <p:cNvPr id="151" name="Picture 150" descr="A screenshot of a cell phone&#10;&#10;Description automatically generated">
             <a:extLst>
               <a:ext uri="{FF2B5EF4-FFF2-40B4-BE49-F238E27FC236}">
                 <a16:creationId xmlns:a16="http://schemas.microsoft.com/office/drawing/2014/main" id="{46FE4E0A-94C6-1F49-9A0D-356BC911D1A1}"/>
@@ -5449,7 +5455,7 @@
       </p:cxnSp>
       <p:pic>
         <p:nvPicPr>
-          <p:cNvPr id="156" name="Picture 155" descr="A screenshot of a computer&#13;&#10;&#13;&#10;Description automatically generated">
+          <p:cNvPr id="156" name="Picture 155" descr="A screenshot of a computer&#10;&#10;Description automatically generated">
             <a:extLst>
               <a:ext uri="{FF2B5EF4-FFF2-40B4-BE49-F238E27FC236}">
                 <a16:creationId xmlns:a16="http://schemas.microsoft.com/office/drawing/2014/main" id="{7BA19C55-6E6F-9E47-AFC9-58A4C034AAC5}"/>
@@ -5618,7 +5624,7 @@
       </p:sp>
       <p:pic>
         <p:nvPicPr>
-          <p:cNvPr id="165" name="Picture 164" descr="A close up of a map&#13;&#10;&#13;&#10;Description automatically generated">
+          <p:cNvPr id="165" name="Picture 164" descr="A close up of a map&#10;&#10;Description automatically generated">
             <a:extLst>
               <a:ext uri="{FF2B5EF4-FFF2-40B4-BE49-F238E27FC236}">
                 <a16:creationId xmlns:a16="http://schemas.microsoft.com/office/drawing/2014/main" id="{78FE25CF-11FB-A143-B915-595148CB5534}"/>
@@ -5728,6 +5734,2016 @@
     <p:extLst>
       <p:ext uri="{BB962C8B-B14F-4D97-AF65-F5344CB8AC3E}">
         <p14:creationId xmlns:p14="http://schemas.microsoft.com/office/powerpoint/2010/main" val="558751015"/>
+      </p:ext>
+    </p:extLst>
+  </p:cSld>
+  <p:clrMapOvr>
+    <a:masterClrMapping/>
+  </p:clrMapOvr>
+</p:sld>
+</file>
+
+<file path=ppt/slides/slide2.xml><?xml version="1.0" encoding="utf-8"?>
+<p:sld xmlns:a="http://schemas.openxmlformats.org/drawingml/2006/main" xmlns:r="http://schemas.openxmlformats.org/officeDocument/2006/relationships" xmlns:p="http://schemas.openxmlformats.org/presentationml/2006/main">
+  <p:cSld>
+    <p:spTree>
+      <p:nvGrpSpPr>
+        <p:cNvPr id="1" name=""/>
+        <p:cNvGrpSpPr/>
+        <p:nvPr/>
+      </p:nvGrpSpPr>
+      <p:grpSpPr>
+        <a:xfrm>
+          <a:off x="0" y="0"/>
+          <a:ext cx="0" cy="0"/>
+          <a:chOff x="0" y="0"/>
+          <a:chExt cx="0" cy="0"/>
+        </a:xfrm>
+      </p:grpSpPr>
+      <p:pic>
+        <p:nvPicPr>
+          <p:cNvPr id="59" name="Picture 58">
+            <a:extLst>
+              <a:ext uri="{FF2B5EF4-FFF2-40B4-BE49-F238E27FC236}">
+                <a16:creationId xmlns:a16="http://schemas.microsoft.com/office/drawing/2014/main" id="{82B8EEF0-F148-453A-B354-9A056183B421}"/>
+              </a:ext>
+            </a:extLst>
+          </p:cNvPr>
+          <p:cNvPicPr>
+            <a:picLocks noChangeAspect="1"/>
+          </p:cNvPicPr>
+          <p:nvPr/>
+        </p:nvPicPr>
+        <p:blipFill>
+          <a:blip r:embed="rId2"/>
+          <a:stretch>
+            <a:fillRect/>
+          </a:stretch>
+        </p:blipFill>
+        <p:spPr>
+          <a:xfrm>
+            <a:off x="8949916" y="4959812"/>
+            <a:ext cx="734642" cy="1306030"/>
+          </a:xfrm>
+          <a:prstGeom prst="rect">
+            <a:avLst/>
+          </a:prstGeom>
+        </p:spPr>
+      </p:pic>
+      <p:pic>
+        <p:nvPicPr>
+          <p:cNvPr id="61" name="Picture 60">
+            <a:extLst>
+              <a:ext uri="{FF2B5EF4-FFF2-40B4-BE49-F238E27FC236}">
+                <a16:creationId xmlns:a16="http://schemas.microsoft.com/office/drawing/2014/main" id="{B2A603BF-DB0F-40F7-AB02-823C0606DAEC}"/>
+              </a:ext>
+            </a:extLst>
+          </p:cNvPr>
+          <p:cNvPicPr>
+            <a:picLocks noChangeAspect="1"/>
+          </p:cNvPicPr>
+          <p:nvPr/>
+        </p:nvPicPr>
+        <p:blipFill>
+          <a:blip r:embed="rId3"/>
+          <a:stretch>
+            <a:fillRect/>
+          </a:stretch>
+        </p:blipFill>
+        <p:spPr>
+          <a:xfrm>
+            <a:off x="2466351" y="824022"/>
+            <a:ext cx="52954" cy="158861"/>
+          </a:xfrm>
+          <a:prstGeom prst="rect">
+            <a:avLst/>
+          </a:prstGeom>
+        </p:spPr>
+      </p:pic>
+      <p:pic>
+        <p:nvPicPr>
+          <p:cNvPr id="63" name="Picture 62">
+            <a:extLst>
+              <a:ext uri="{FF2B5EF4-FFF2-40B4-BE49-F238E27FC236}">
+                <a16:creationId xmlns:a16="http://schemas.microsoft.com/office/drawing/2014/main" id="{CD04DB2B-B70A-47AC-996D-FB12D33523F1}"/>
+              </a:ext>
+            </a:extLst>
+          </p:cNvPr>
+          <p:cNvPicPr>
+            <a:picLocks noChangeAspect="1"/>
+          </p:cNvPicPr>
+          <p:nvPr/>
+        </p:nvPicPr>
+        <p:blipFill>
+          <a:blip r:embed="rId4"/>
+          <a:stretch>
+            <a:fillRect/>
+          </a:stretch>
+        </p:blipFill>
+        <p:spPr>
+          <a:xfrm>
+            <a:off x="8622211" y="2122232"/>
+            <a:ext cx="746634" cy="1327350"/>
+          </a:xfrm>
+          <a:prstGeom prst="rect">
+            <a:avLst/>
+          </a:prstGeom>
+        </p:spPr>
+      </p:pic>
+      <p:pic>
+        <p:nvPicPr>
+          <p:cNvPr id="65" name="Picture 64">
+            <a:extLst>
+              <a:ext uri="{FF2B5EF4-FFF2-40B4-BE49-F238E27FC236}">
+                <a16:creationId xmlns:a16="http://schemas.microsoft.com/office/drawing/2014/main" id="{12AC5385-A125-4274-A3E8-A2C7DF6C2625}"/>
+              </a:ext>
+            </a:extLst>
+          </p:cNvPr>
+          <p:cNvPicPr>
+            <a:picLocks noChangeAspect="1"/>
+          </p:cNvPicPr>
+          <p:nvPr/>
+        </p:nvPicPr>
+        <p:blipFill rotWithShape="1">
+          <a:blip r:embed="rId5"/>
+          <a:srcRect b="54065"/>
+          <a:stretch/>
+        </p:blipFill>
+        <p:spPr>
+          <a:xfrm>
+            <a:off x="5200551" y="4469708"/>
+            <a:ext cx="752175" cy="1327350"/>
+          </a:xfrm>
+          <a:prstGeom prst="rect">
+            <a:avLst/>
+          </a:prstGeom>
+        </p:spPr>
+      </p:pic>
+      <p:pic>
+        <p:nvPicPr>
+          <p:cNvPr id="67" name="Picture 66">
+            <a:extLst>
+              <a:ext uri="{FF2B5EF4-FFF2-40B4-BE49-F238E27FC236}">
+                <a16:creationId xmlns:a16="http://schemas.microsoft.com/office/drawing/2014/main" id="{A80E850B-7653-4AF4-8BAF-9F8FD5B8083D}"/>
+              </a:ext>
+            </a:extLst>
+          </p:cNvPr>
+          <p:cNvPicPr>
+            <a:picLocks noChangeAspect="1"/>
+          </p:cNvPicPr>
+          <p:nvPr/>
+        </p:nvPicPr>
+        <p:blipFill rotWithShape="1">
+          <a:blip r:embed="rId6"/>
+          <a:srcRect b="49225"/>
+          <a:stretch/>
+        </p:blipFill>
+        <p:spPr>
+          <a:xfrm>
+            <a:off x="7137723" y="3890255"/>
+            <a:ext cx="752175" cy="1329296"/>
+          </a:xfrm>
+          <a:prstGeom prst="rect">
+            <a:avLst/>
+          </a:prstGeom>
+        </p:spPr>
+      </p:pic>
+      <p:pic>
+        <p:nvPicPr>
+          <p:cNvPr id="69" name="Picture 68">
+            <a:extLst>
+              <a:ext uri="{FF2B5EF4-FFF2-40B4-BE49-F238E27FC236}">
+                <a16:creationId xmlns:a16="http://schemas.microsoft.com/office/drawing/2014/main" id="{D9562319-B932-4269-B2B1-5E902569C2B9}"/>
+              </a:ext>
+            </a:extLst>
+          </p:cNvPr>
+          <p:cNvPicPr>
+            <a:picLocks noChangeAspect="1"/>
+          </p:cNvPicPr>
+          <p:nvPr/>
+        </p:nvPicPr>
+        <p:blipFill rotWithShape="1">
+          <a:blip r:embed="rId7"/>
+          <a:srcRect b="21049"/>
+          <a:stretch/>
+        </p:blipFill>
+        <p:spPr>
+          <a:xfrm>
+            <a:off x="5147287" y="328004"/>
+            <a:ext cx="740811" cy="1327350"/>
+          </a:xfrm>
+          <a:prstGeom prst="rect">
+            <a:avLst/>
+          </a:prstGeom>
+        </p:spPr>
+      </p:pic>
+      <p:pic>
+        <p:nvPicPr>
+          <p:cNvPr id="71" name="Picture 70">
+            <a:extLst>
+              <a:ext uri="{FF2B5EF4-FFF2-40B4-BE49-F238E27FC236}">
+                <a16:creationId xmlns:a16="http://schemas.microsoft.com/office/drawing/2014/main" id="{FAB260CE-28AD-4EF3-B006-0BB59160AE52}"/>
+              </a:ext>
+            </a:extLst>
+          </p:cNvPr>
+          <p:cNvPicPr>
+            <a:picLocks noChangeAspect="1"/>
+          </p:cNvPicPr>
+          <p:nvPr/>
+        </p:nvPicPr>
+        <p:blipFill>
+          <a:blip r:embed="rId8"/>
+          <a:stretch>
+            <a:fillRect/>
+          </a:stretch>
+        </p:blipFill>
+        <p:spPr>
+          <a:xfrm>
+            <a:off x="558779" y="2432150"/>
+            <a:ext cx="746634" cy="1327350"/>
+          </a:xfrm>
+          <a:prstGeom prst="rect">
+            <a:avLst/>
+          </a:prstGeom>
+        </p:spPr>
+      </p:pic>
+      <p:pic>
+        <p:nvPicPr>
+          <p:cNvPr id="73" name="Picture 72">
+            <a:extLst>
+              <a:ext uri="{FF2B5EF4-FFF2-40B4-BE49-F238E27FC236}">
+                <a16:creationId xmlns:a16="http://schemas.microsoft.com/office/drawing/2014/main" id="{59557D65-EE81-4578-9341-2ECAC6285DAC}"/>
+              </a:ext>
+            </a:extLst>
+          </p:cNvPr>
+          <p:cNvPicPr>
+            <a:picLocks noChangeAspect="1"/>
+          </p:cNvPicPr>
+          <p:nvPr/>
+        </p:nvPicPr>
+        <p:blipFill>
+          <a:blip r:embed="rId9"/>
+          <a:stretch>
+            <a:fillRect/>
+          </a:stretch>
+        </p:blipFill>
+        <p:spPr>
+          <a:xfrm>
+            <a:off x="522714" y="4600319"/>
+            <a:ext cx="746634" cy="1327350"/>
+          </a:xfrm>
+          <a:prstGeom prst="rect">
+            <a:avLst/>
+          </a:prstGeom>
+        </p:spPr>
+      </p:pic>
+      <p:pic>
+        <p:nvPicPr>
+          <p:cNvPr id="77" name="Picture 76">
+            <a:extLst>
+              <a:ext uri="{FF2B5EF4-FFF2-40B4-BE49-F238E27FC236}">
+                <a16:creationId xmlns:a16="http://schemas.microsoft.com/office/drawing/2014/main" id="{7683ECC3-E795-42C7-9B53-2AE10521034C}"/>
+              </a:ext>
+            </a:extLst>
+          </p:cNvPr>
+          <p:cNvPicPr>
+            <a:picLocks noChangeAspect="1"/>
+          </p:cNvPicPr>
+          <p:nvPr/>
+        </p:nvPicPr>
+        <p:blipFill>
+          <a:blip r:embed="rId10"/>
+          <a:stretch>
+            <a:fillRect/>
+          </a:stretch>
+        </p:blipFill>
+        <p:spPr>
+          <a:xfrm>
+            <a:off x="566012" y="328004"/>
+            <a:ext cx="746634" cy="1327350"/>
+          </a:xfrm>
+          <a:prstGeom prst="rect">
+            <a:avLst/>
+          </a:prstGeom>
+        </p:spPr>
+      </p:pic>
+      <p:pic>
+        <p:nvPicPr>
+          <p:cNvPr id="83" name="Picture 82">
+            <a:extLst>
+              <a:ext uri="{FF2B5EF4-FFF2-40B4-BE49-F238E27FC236}">
+                <a16:creationId xmlns:a16="http://schemas.microsoft.com/office/drawing/2014/main" id="{40AF6CB8-4396-4A85-A020-D63619A88571}"/>
+              </a:ext>
+            </a:extLst>
+          </p:cNvPr>
+          <p:cNvPicPr>
+            <a:picLocks noChangeAspect="1"/>
+          </p:cNvPicPr>
+          <p:nvPr/>
+        </p:nvPicPr>
+        <p:blipFill>
+          <a:blip r:embed="rId11"/>
+          <a:stretch>
+            <a:fillRect/>
+          </a:stretch>
+        </p:blipFill>
+        <p:spPr>
+          <a:xfrm>
+            <a:off x="7677368" y="2123037"/>
+            <a:ext cx="746634" cy="1327350"/>
+          </a:xfrm>
+          <a:prstGeom prst="rect">
+            <a:avLst/>
+          </a:prstGeom>
+        </p:spPr>
+      </p:pic>
+      <p:pic>
+        <p:nvPicPr>
+          <p:cNvPr id="85" name="Picture 84">
+            <a:extLst>
+              <a:ext uri="{FF2B5EF4-FFF2-40B4-BE49-F238E27FC236}">
+                <a16:creationId xmlns:a16="http://schemas.microsoft.com/office/drawing/2014/main" id="{C5019A1E-65DF-493C-B9D5-62F7F70EE88C}"/>
+              </a:ext>
+            </a:extLst>
+          </p:cNvPr>
+          <p:cNvPicPr>
+            <a:picLocks noChangeAspect="1"/>
+          </p:cNvPicPr>
+          <p:nvPr/>
+        </p:nvPicPr>
+        <p:blipFill>
+          <a:blip r:embed="rId12"/>
+          <a:stretch>
+            <a:fillRect/>
+          </a:stretch>
+        </p:blipFill>
+        <p:spPr>
+          <a:xfrm>
+            <a:off x="6749941" y="2131882"/>
+            <a:ext cx="734643" cy="1306032"/>
+          </a:xfrm>
+          <a:prstGeom prst="rect">
+            <a:avLst/>
+          </a:prstGeom>
+        </p:spPr>
+      </p:pic>
+      <p:pic>
+        <p:nvPicPr>
+          <p:cNvPr id="87" name="Picture 86">
+            <a:extLst>
+              <a:ext uri="{FF2B5EF4-FFF2-40B4-BE49-F238E27FC236}">
+                <a16:creationId xmlns:a16="http://schemas.microsoft.com/office/drawing/2014/main" id="{3D9347BE-DB65-4FBC-B6D0-DDD7CE8649C3}"/>
+              </a:ext>
+            </a:extLst>
+          </p:cNvPr>
+          <p:cNvPicPr>
+            <a:picLocks noChangeAspect="1"/>
+          </p:cNvPicPr>
+          <p:nvPr/>
+        </p:nvPicPr>
+        <p:blipFill>
+          <a:blip r:embed="rId13"/>
+          <a:stretch>
+            <a:fillRect/>
+          </a:stretch>
+        </p:blipFill>
+        <p:spPr>
+          <a:xfrm>
+            <a:off x="3537500" y="3121447"/>
+            <a:ext cx="746634" cy="1327350"/>
+          </a:xfrm>
+          <a:prstGeom prst="rect">
+            <a:avLst/>
+          </a:prstGeom>
+        </p:spPr>
+      </p:pic>
+      <p:pic>
+        <p:nvPicPr>
+          <p:cNvPr id="89" name="Picture 88">
+            <a:extLst>
+              <a:ext uri="{FF2B5EF4-FFF2-40B4-BE49-F238E27FC236}">
+                <a16:creationId xmlns:a16="http://schemas.microsoft.com/office/drawing/2014/main" id="{BB6F9DC5-EC1B-428D-8F5E-19A39F94C45D}"/>
+              </a:ext>
+            </a:extLst>
+          </p:cNvPr>
+          <p:cNvPicPr>
+            <a:picLocks noChangeAspect="1"/>
+          </p:cNvPicPr>
+          <p:nvPr/>
+        </p:nvPicPr>
+        <p:blipFill>
+          <a:blip r:embed="rId14"/>
+          <a:stretch>
+            <a:fillRect/>
+          </a:stretch>
+        </p:blipFill>
+        <p:spPr>
+          <a:xfrm>
+            <a:off x="2406463" y="4770276"/>
+            <a:ext cx="746634" cy="1327350"/>
+          </a:xfrm>
+          <a:prstGeom prst="rect">
+            <a:avLst/>
+          </a:prstGeom>
+        </p:spPr>
+      </p:pic>
+      <p:pic>
+        <p:nvPicPr>
+          <p:cNvPr id="91" name="Picture 90">
+            <a:extLst>
+              <a:ext uri="{FF2B5EF4-FFF2-40B4-BE49-F238E27FC236}">
+                <a16:creationId xmlns:a16="http://schemas.microsoft.com/office/drawing/2014/main" id="{1B1F7CE4-463A-4467-99C6-BAC35342375E}"/>
+              </a:ext>
+            </a:extLst>
+          </p:cNvPr>
+          <p:cNvPicPr>
+            <a:picLocks noChangeAspect="1"/>
+          </p:cNvPicPr>
+          <p:nvPr/>
+        </p:nvPicPr>
+        <p:blipFill rotWithShape="1">
+          <a:blip r:embed="rId15"/>
+          <a:srcRect b="21664"/>
+          <a:stretch/>
+        </p:blipFill>
+        <p:spPr>
+          <a:xfrm>
+            <a:off x="2474571" y="1403926"/>
+            <a:ext cx="746633" cy="1327350"/>
+          </a:xfrm>
+          <a:prstGeom prst="rect">
+            <a:avLst/>
+          </a:prstGeom>
+        </p:spPr>
+      </p:pic>
+      <p:pic>
+        <p:nvPicPr>
+          <p:cNvPr id="93" name="Picture 92">
+            <a:extLst>
+              <a:ext uri="{FF2B5EF4-FFF2-40B4-BE49-F238E27FC236}">
+                <a16:creationId xmlns:a16="http://schemas.microsoft.com/office/drawing/2014/main" id="{F0700AB4-FDF7-491C-9AFF-E08D03C57388}"/>
+              </a:ext>
+            </a:extLst>
+          </p:cNvPr>
+          <p:cNvPicPr>
+            <a:picLocks noChangeAspect="1"/>
+          </p:cNvPicPr>
+          <p:nvPr/>
+        </p:nvPicPr>
+        <p:blipFill>
+          <a:blip r:embed="rId16"/>
+          <a:stretch>
+            <a:fillRect/>
+          </a:stretch>
+        </p:blipFill>
+        <p:spPr>
+          <a:xfrm>
+            <a:off x="10440074" y="2496838"/>
+            <a:ext cx="746634" cy="1327350"/>
+          </a:xfrm>
+          <a:prstGeom prst="rect">
+            <a:avLst/>
+          </a:prstGeom>
+        </p:spPr>
+      </p:pic>
+      <p:pic>
+        <p:nvPicPr>
+          <p:cNvPr id="95" name="Picture 94">
+            <a:extLst>
+              <a:ext uri="{FF2B5EF4-FFF2-40B4-BE49-F238E27FC236}">
+                <a16:creationId xmlns:a16="http://schemas.microsoft.com/office/drawing/2014/main" id="{7DFD9D82-BCB9-4CAE-80B4-C564A6DEDD5C}"/>
+              </a:ext>
+            </a:extLst>
+          </p:cNvPr>
+          <p:cNvPicPr>
+            <a:picLocks noChangeAspect="1"/>
+          </p:cNvPicPr>
+          <p:nvPr/>
+        </p:nvPicPr>
+        <p:blipFill>
+          <a:blip r:embed="rId17"/>
+          <a:stretch>
+            <a:fillRect/>
+          </a:stretch>
+        </p:blipFill>
+        <p:spPr>
+          <a:xfrm>
+            <a:off x="10440073" y="358464"/>
+            <a:ext cx="746634" cy="1327350"/>
+          </a:xfrm>
+          <a:prstGeom prst="rect">
+            <a:avLst/>
+          </a:prstGeom>
+        </p:spPr>
+      </p:pic>
+      <p:pic>
+        <p:nvPicPr>
+          <p:cNvPr id="97" name="Picture 96">
+            <a:extLst>
+              <a:ext uri="{FF2B5EF4-FFF2-40B4-BE49-F238E27FC236}">
+                <a16:creationId xmlns:a16="http://schemas.microsoft.com/office/drawing/2014/main" id="{D2CC4DC1-512C-46F5-AD71-FD607D24F00C}"/>
+              </a:ext>
+            </a:extLst>
+          </p:cNvPr>
+          <p:cNvPicPr>
+            <a:picLocks noChangeAspect="1"/>
+          </p:cNvPicPr>
+          <p:nvPr/>
+        </p:nvPicPr>
+        <p:blipFill rotWithShape="1">
+          <a:blip r:embed="rId18"/>
+          <a:srcRect b="34959"/>
+          <a:stretch/>
+        </p:blipFill>
+        <p:spPr>
+          <a:xfrm>
+            <a:off x="10440074" y="5046946"/>
+            <a:ext cx="746633" cy="1327350"/>
+          </a:xfrm>
+          <a:prstGeom prst="rect">
+            <a:avLst/>
+          </a:prstGeom>
+        </p:spPr>
+      </p:pic>
+      <p:sp>
+        <p:nvSpPr>
+          <p:cNvPr id="98" name="TextBox 97">
+            <a:extLst>
+              <a:ext uri="{FF2B5EF4-FFF2-40B4-BE49-F238E27FC236}">
+                <a16:creationId xmlns:a16="http://schemas.microsoft.com/office/drawing/2014/main" id="{E354E99A-527A-4509-AC6B-4A132A7CE3A7}"/>
+              </a:ext>
+            </a:extLst>
+          </p:cNvPr>
+          <p:cNvSpPr txBox="1"/>
+          <p:nvPr/>
+        </p:nvSpPr>
+        <p:spPr>
+          <a:xfrm>
+            <a:off x="1398295" y="122767"/>
+            <a:ext cx="1280833" cy="461665"/>
+          </a:xfrm>
+          <a:prstGeom prst="rect">
+            <a:avLst/>
+          </a:prstGeom>
+          <a:noFill/>
+        </p:spPr>
+        <p:txBody>
+          <a:bodyPr wrap="square" rtlCol="0">
+            <a:spAutoFit/>
+          </a:bodyPr>
+          <a:lstStyle/>
+          <a:p>
+            <a:r>
+              <a:rPr lang="en-CA" sz="1200" dirty="0"/>
+              <a:t>User encounters the log in screen.</a:t>
+            </a:r>
+          </a:p>
+        </p:txBody>
+      </p:sp>
+      <p:sp>
+        <p:nvSpPr>
+          <p:cNvPr id="99" name="TextBox 98">
+            <a:extLst>
+              <a:ext uri="{FF2B5EF4-FFF2-40B4-BE49-F238E27FC236}">
+                <a16:creationId xmlns:a16="http://schemas.microsoft.com/office/drawing/2014/main" id="{6534BD62-BF03-417F-9907-09C574CD0C4D}"/>
+              </a:ext>
+            </a:extLst>
+          </p:cNvPr>
+          <p:cNvSpPr txBox="1"/>
+          <p:nvPr/>
+        </p:nvSpPr>
+        <p:spPr>
+          <a:xfrm>
+            <a:off x="1054650" y="1705182"/>
+            <a:ext cx="700704" cy="646331"/>
+          </a:xfrm>
+          <a:prstGeom prst="rect">
+            <a:avLst/>
+          </a:prstGeom>
+          <a:noFill/>
+        </p:spPr>
+        <p:txBody>
+          <a:bodyPr wrap="square" rtlCol="0">
+            <a:spAutoFit/>
+          </a:bodyPr>
+          <a:lstStyle/>
+          <a:p>
+            <a:r>
+              <a:rPr lang="en-CA" sz="1200" dirty="0"/>
+              <a:t>User chooses sign up.</a:t>
+            </a:r>
+          </a:p>
+        </p:txBody>
+      </p:sp>
+      <p:cxnSp>
+        <p:nvCxnSpPr>
+          <p:cNvPr id="100" name="Straight Arrow Connector 99">
+            <a:extLst>
+              <a:ext uri="{FF2B5EF4-FFF2-40B4-BE49-F238E27FC236}">
+                <a16:creationId xmlns:a16="http://schemas.microsoft.com/office/drawing/2014/main" id="{4BBB3B0C-92B0-47D4-BCA3-58C47B78ADDA}"/>
+              </a:ext>
+            </a:extLst>
+          </p:cNvPr>
+          <p:cNvCxnSpPr>
+            <a:cxnSpLocks/>
+          </p:cNvCxnSpPr>
+          <p:nvPr/>
+        </p:nvCxnSpPr>
+        <p:spPr>
+          <a:xfrm>
+            <a:off x="932096" y="1685814"/>
+            <a:ext cx="0" cy="665699"/>
+          </a:xfrm>
+          <a:prstGeom prst="straightConnector1">
+            <a:avLst/>
+          </a:prstGeom>
+          <a:ln>
+            <a:tailEnd type="triangle"/>
+          </a:ln>
+        </p:spPr>
+        <p:style>
+          <a:lnRef idx="1">
+            <a:schemeClr val="accent1"/>
+          </a:lnRef>
+          <a:fillRef idx="0">
+            <a:schemeClr val="accent1"/>
+          </a:fillRef>
+          <a:effectRef idx="0">
+            <a:schemeClr val="accent1"/>
+          </a:effectRef>
+          <a:fontRef idx="minor">
+            <a:schemeClr val="tx1"/>
+          </a:fontRef>
+        </p:style>
+      </p:cxnSp>
+      <p:cxnSp>
+        <p:nvCxnSpPr>
+          <p:cNvPr id="103" name="Straight Arrow Connector 102">
+            <a:extLst>
+              <a:ext uri="{FF2B5EF4-FFF2-40B4-BE49-F238E27FC236}">
+                <a16:creationId xmlns:a16="http://schemas.microsoft.com/office/drawing/2014/main" id="{F548BC24-A2FB-4AF6-93C3-A49895752FF2}"/>
+              </a:ext>
+            </a:extLst>
+          </p:cNvPr>
+          <p:cNvCxnSpPr>
+            <a:cxnSpLocks/>
+          </p:cNvCxnSpPr>
+          <p:nvPr/>
+        </p:nvCxnSpPr>
+        <p:spPr>
+          <a:xfrm flipH="1">
+            <a:off x="933223" y="3784220"/>
+            <a:ext cx="1" cy="770683"/>
+          </a:xfrm>
+          <a:prstGeom prst="straightConnector1">
+            <a:avLst/>
+          </a:prstGeom>
+          <a:ln>
+            <a:tailEnd type="triangle"/>
+          </a:ln>
+        </p:spPr>
+        <p:style>
+          <a:lnRef idx="1">
+            <a:schemeClr val="accent1"/>
+          </a:lnRef>
+          <a:fillRef idx="0">
+            <a:schemeClr val="accent1"/>
+          </a:fillRef>
+          <a:effectRef idx="0">
+            <a:schemeClr val="accent1"/>
+          </a:effectRef>
+          <a:fontRef idx="minor">
+            <a:schemeClr val="tx1"/>
+          </a:fontRef>
+        </p:style>
+      </p:cxnSp>
+      <p:sp>
+        <p:nvSpPr>
+          <p:cNvPr id="104" name="TextBox 103">
+            <a:extLst>
+              <a:ext uri="{FF2B5EF4-FFF2-40B4-BE49-F238E27FC236}">
+                <a16:creationId xmlns:a16="http://schemas.microsoft.com/office/drawing/2014/main" id="{BAD406E8-55E2-4E95-B720-ACEB2A33D2DD}"/>
+              </a:ext>
+            </a:extLst>
+          </p:cNvPr>
+          <p:cNvSpPr txBox="1"/>
+          <p:nvPr/>
+        </p:nvSpPr>
+        <p:spPr>
+          <a:xfrm>
+            <a:off x="1017659" y="3846395"/>
+            <a:ext cx="836490" cy="646331"/>
+          </a:xfrm>
+          <a:prstGeom prst="rect">
+            <a:avLst/>
+          </a:prstGeom>
+          <a:noFill/>
+        </p:spPr>
+        <p:txBody>
+          <a:bodyPr wrap="square" rtlCol="0">
+            <a:spAutoFit/>
+          </a:bodyPr>
+          <a:lstStyle/>
+          <a:p>
+            <a:r>
+              <a:rPr lang="en-CA" sz="1200" dirty="0"/>
+              <a:t>User signs up as care provider.</a:t>
+            </a:r>
+          </a:p>
+        </p:txBody>
+      </p:sp>
+      <p:sp>
+        <p:nvSpPr>
+          <p:cNvPr id="105" name="TextBox 104">
+            <a:extLst>
+              <a:ext uri="{FF2B5EF4-FFF2-40B4-BE49-F238E27FC236}">
+                <a16:creationId xmlns:a16="http://schemas.microsoft.com/office/drawing/2014/main" id="{685931A9-CDA4-43A6-A123-BF2BF8485F97}"/>
+              </a:ext>
+            </a:extLst>
+          </p:cNvPr>
+          <p:cNvSpPr txBox="1"/>
+          <p:nvPr/>
+        </p:nvSpPr>
+        <p:spPr>
+          <a:xfrm>
+            <a:off x="378489" y="5901849"/>
+            <a:ext cx="1149384" cy="276999"/>
+          </a:xfrm>
+          <a:prstGeom prst="rect">
+            <a:avLst/>
+          </a:prstGeom>
+          <a:noFill/>
+        </p:spPr>
+        <p:txBody>
+          <a:bodyPr wrap="square" rtlCol="0">
+            <a:spAutoFit/>
+          </a:bodyPr>
+          <a:lstStyle/>
+          <a:p>
+            <a:r>
+              <a:rPr lang="en-CA" sz="1200" dirty="0"/>
+              <a:t>User Enters ID.</a:t>
+            </a:r>
+          </a:p>
+        </p:txBody>
+      </p:sp>
+      <p:cxnSp>
+        <p:nvCxnSpPr>
+          <p:cNvPr id="106" name="Straight Arrow Connector 105">
+            <a:extLst>
+              <a:ext uri="{FF2B5EF4-FFF2-40B4-BE49-F238E27FC236}">
+                <a16:creationId xmlns:a16="http://schemas.microsoft.com/office/drawing/2014/main" id="{BA81ABD4-10F3-4A1C-BF23-E8966F0ABD05}"/>
+              </a:ext>
+            </a:extLst>
+          </p:cNvPr>
+          <p:cNvCxnSpPr>
+            <a:cxnSpLocks/>
+          </p:cNvCxnSpPr>
+          <p:nvPr/>
+        </p:nvCxnSpPr>
+        <p:spPr>
+          <a:xfrm>
+            <a:off x="1398295" y="5401620"/>
+            <a:ext cx="850577" cy="0"/>
+          </a:xfrm>
+          <a:prstGeom prst="straightConnector1">
+            <a:avLst/>
+          </a:prstGeom>
+          <a:ln>
+            <a:tailEnd type="triangle"/>
+          </a:ln>
+        </p:spPr>
+        <p:style>
+          <a:lnRef idx="1">
+            <a:schemeClr val="accent1"/>
+          </a:lnRef>
+          <a:fillRef idx="0">
+            <a:schemeClr val="accent1"/>
+          </a:fillRef>
+          <a:effectRef idx="0">
+            <a:schemeClr val="accent1"/>
+          </a:effectRef>
+          <a:fontRef idx="minor">
+            <a:schemeClr val="tx1"/>
+          </a:fontRef>
+        </p:style>
+      </p:cxnSp>
+      <p:sp>
+        <p:nvSpPr>
+          <p:cNvPr id="110" name="TextBox 109">
+            <a:extLst>
+              <a:ext uri="{FF2B5EF4-FFF2-40B4-BE49-F238E27FC236}">
+                <a16:creationId xmlns:a16="http://schemas.microsoft.com/office/drawing/2014/main" id="{193B6D65-F3F2-4019-B900-8FC0C210378C}"/>
+              </a:ext>
+            </a:extLst>
+          </p:cNvPr>
+          <p:cNvSpPr txBox="1"/>
+          <p:nvPr/>
+        </p:nvSpPr>
+        <p:spPr>
+          <a:xfrm>
+            <a:off x="2248872" y="6093854"/>
+            <a:ext cx="1255586" cy="461665"/>
+          </a:xfrm>
+          <a:prstGeom prst="rect">
+            <a:avLst/>
+          </a:prstGeom>
+          <a:noFill/>
+        </p:spPr>
+        <p:txBody>
+          <a:bodyPr wrap="square" rtlCol="0">
+            <a:spAutoFit/>
+          </a:bodyPr>
+          <a:lstStyle/>
+          <a:p>
+            <a:r>
+              <a:rPr lang="en-CA" sz="1200" dirty="0"/>
+              <a:t>User sees empty list of problems.</a:t>
+            </a:r>
+          </a:p>
+        </p:txBody>
+      </p:sp>
+      <p:sp>
+        <p:nvSpPr>
+          <p:cNvPr id="114" name="TextBox 113">
+            <a:extLst>
+              <a:ext uri="{FF2B5EF4-FFF2-40B4-BE49-F238E27FC236}">
+                <a16:creationId xmlns:a16="http://schemas.microsoft.com/office/drawing/2014/main" id="{B27D8734-FC45-46AF-B4E4-429F4C82FD62}"/>
+              </a:ext>
+            </a:extLst>
+          </p:cNvPr>
+          <p:cNvSpPr txBox="1"/>
+          <p:nvPr/>
+        </p:nvSpPr>
+        <p:spPr>
+          <a:xfrm>
+            <a:off x="1615641" y="819242"/>
+            <a:ext cx="1030139" cy="276999"/>
+          </a:xfrm>
+          <a:prstGeom prst="rect">
+            <a:avLst/>
+          </a:prstGeom>
+          <a:noFill/>
+        </p:spPr>
+        <p:txBody>
+          <a:bodyPr wrap="square" rtlCol="0">
+            <a:spAutoFit/>
+          </a:bodyPr>
+          <a:lstStyle/>
+          <a:p>
+            <a:r>
+              <a:rPr lang="en-CA" sz="1200" dirty="0"/>
+              <a:t>User logs in.</a:t>
+            </a:r>
+          </a:p>
+        </p:txBody>
+      </p:sp>
+      <p:sp>
+        <p:nvSpPr>
+          <p:cNvPr id="115" name="TextBox 114">
+            <a:extLst>
+              <a:ext uri="{FF2B5EF4-FFF2-40B4-BE49-F238E27FC236}">
+                <a16:creationId xmlns:a16="http://schemas.microsoft.com/office/drawing/2014/main" id="{E8820B13-E79D-4FA7-B017-BC8FE329B029}"/>
+              </a:ext>
+            </a:extLst>
+          </p:cNvPr>
+          <p:cNvSpPr txBox="1"/>
+          <p:nvPr/>
+        </p:nvSpPr>
+        <p:spPr>
+          <a:xfrm>
+            <a:off x="3590654" y="4966061"/>
+            <a:ext cx="1030139" cy="830997"/>
+          </a:xfrm>
+          <a:prstGeom prst="rect">
+            <a:avLst/>
+          </a:prstGeom>
+          <a:noFill/>
+        </p:spPr>
+        <p:txBody>
+          <a:bodyPr wrap="square" rtlCol="0">
+            <a:spAutoFit/>
+          </a:bodyPr>
+          <a:lstStyle/>
+          <a:p>
+            <a:r>
+              <a:rPr lang="en-CA" sz="1200" dirty="0"/>
+              <a:t>User adds patient by clicking the plus.</a:t>
+            </a:r>
+          </a:p>
+        </p:txBody>
+      </p:sp>
+      <p:sp>
+        <p:nvSpPr>
+          <p:cNvPr id="116" name="TextBox 115">
+            <a:extLst>
+              <a:ext uri="{FF2B5EF4-FFF2-40B4-BE49-F238E27FC236}">
+                <a16:creationId xmlns:a16="http://schemas.microsoft.com/office/drawing/2014/main" id="{1071AC6C-8F10-4BA2-9060-6C75679C4B12}"/>
+              </a:ext>
+            </a:extLst>
+          </p:cNvPr>
+          <p:cNvSpPr txBox="1"/>
+          <p:nvPr/>
+        </p:nvSpPr>
+        <p:spPr>
+          <a:xfrm>
+            <a:off x="3676571" y="1806451"/>
+            <a:ext cx="1030139" cy="830997"/>
+          </a:xfrm>
+          <a:prstGeom prst="rect">
+            <a:avLst/>
+          </a:prstGeom>
+          <a:noFill/>
+        </p:spPr>
+        <p:txBody>
+          <a:bodyPr wrap="square" rtlCol="0">
+            <a:spAutoFit/>
+          </a:bodyPr>
+          <a:lstStyle/>
+          <a:p>
+            <a:r>
+              <a:rPr lang="en-CA" sz="1200" dirty="0"/>
+              <a:t>User adds patient by clicking the plus.</a:t>
+            </a:r>
+          </a:p>
+        </p:txBody>
+      </p:sp>
+      <p:cxnSp>
+        <p:nvCxnSpPr>
+          <p:cNvPr id="124" name="Connector: Elbow 123">
+            <a:extLst>
+              <a:ext uri="{FF2B5EF4-FFF2-40B4-BE49-F238E27FC236}">
+                <a16:creationId xmlns:a16="http://schemas.microsoft.com/office/drawing/2014/main" id="{49DBB975-A403-47FE-88EE-5A4B940C2EAA}"/>
+              </a:ext>
+            </a:extLst>
+          </p:cNvPr>
+          <p:cNvCxnSpPr>
+            <a:cxnSpLocks/>
+          </p:cNvCxnSpPr>
+          <p:nvPr/>
+        </p:nvCxnSpPr>
+        <p:spPr>
+          <a:xfrm rot="16200000" flipV="1">
+            <a:off x="2722094" y="2923075"/>
+            <a:ext cx="794664" cy="557981"/>
+          </a:xfrm>
+          <a:prstGeom prst="bentConnector3">
+            <a:avLst>
+              <a:gd name="adj1" fmla="val 685"/>
+            </a:avLst>
+          </a:prstGeom>
+          <a:ln>
+            <a:tailEnd type="triangle"/>
+          </a:ln>
+        </p:spPr>
+        <p:style>
+          <a:lnRef idx="1">
+            <a:schemeClr val="accent1"/>
+          </a:lnRef>
+          <a:fillRef idx="0">
+            <a:schemeClr val="accent1"/>
+          </a:fillRef>
+          <a:effectRef idx="0">
+            <a:schemeClr val="accent1"/>
+          </a:effectRef>
+          <a:fontRef idx="minor">
+            <a:schemeClr val="tx1"/>
+          </a:fontRef>
+        </p:style>
+      </p:cxnSp>
+      <p:sp>
+        <p:nvSpPr>
+          <p:cNvPr id="128" name="TextBox 127">
+            <a:extLst>
+              <a:ext uri="{FF2B5EF4-FFF2-40B4-BE49-F238E27FC236}">
+                <a16:creationId xmlns:a16="http://schemas.microsoft.com/office/drawing/2014/main" id="{80E5E407-7ECA-49C4-B102-01680696DEAE}"/>
+              </a:ext>
+            </a:extLst>
+          </p:cNvPr>
+          <p:cNvSpPr txBox="1"/>
+          <p:nvPr/>
+        </p:nvSpPr>
+        <p:spPr>
+          <a:xfrm>
+            <a:off x="1754820" y="2886401"/>
+            <a:ext cx="1189328" cy="830997"/>
+          </a:xfrm>
+          <a:prstGeom prst="rect">
+            <a:avLst/>
+          </a:prstGeom>
+          <a:noFill/>
+        </p:spPr>
+        <p:txBody>
+          <a:bodyPr wrap="square" rtlCol="0">
+            <a:spAutoFit/>
+          </a:bodyPr>
+          <a:lstStyle/>
+          <a:p>
+            <a:r>
+              <a:rPr lang="en-CA" sz="1200" dirty="0"/>
+              <a:t>User returns to list of patients with the new patient added.</a:t>
+            </a:r>
+          </a:p>
+        </p:txBody>
+      </p:sp>
+      <p:sp>
+        <p:nvSpPr>
+          <p:cNvPr id="133" name="TextBox 132">
+            <a:extLst>
+              <a:ext uri="{FF2B5EF4-FFF2-40B4-BE49-F238E27FC236}">
+                <a16:creationId xmlns:a16="http://schemas.microsoft.com/office/drawing/2014/main" id="{ACA466D9-77E3-4FA3-8BA7-9E708F987B52}"/>
+              </a:ext>
+            </a:extLst>
+          </p:cNvPr>
+          <p:cNvSpPr txBox="1"/>
+          <p:nvPr/>
+        </p:nvSpPr>
+        <p:spPr>
+          <a:xfrm>
+            <a:off x="3747184" y="521218"/>
+            <a:ext cx="1280833" cy="461665"/>
+          </a:xfrm>
+          <a:prstGeom prst="rect">
+            <a:avLst/>
+          </a:prstGeom>
+          <a:noFill/>
+        </p:spPr>
+        <p:txBody>
+          <a:bodyPr wrap="square" rtlCol="0">
+            <a:spAutoFit/>
+          </a:bodyPr>
+          <a:lstStyle/>
+          <a:p>
+            <a:r>
+              <a:rPr lang="en-CA" sz="1200" dirty="0"/>
+              <a:t>User clicks on a patient’s name.</a:t>
+            </a:r>
+          </a:p>
+        </p:txBody>
+      </p:sp>
+      <p:cxnSp>
+        <p:nvCxnSpPr>
+          <p:cNvPr id="137" name="Connector: Elbow 136">
+            <a:extLst>
+              <a:ext uri="{FF2B5EF4-FFF2-40B4-BE49-F238E27FC236}">
+                <a16:creationId xmlns:a16="http://schemas.microsoft.com/office/drawing/2014/main" id="{6AFB229E-D6AC-4337-82A1-F80F23F982EC}"/>
+              </a:ext>
+            </a:extLst>
+          </p:cNvPr>
+          <p:cNvCxnSpPr>
+            <a:cxnSpLocks/>
+          </p:cNvCxnSpPr>
+          <p:nvPr/>
+        </p:nvCxnSpPr>
+        <p:spPr>
+          <a:xfrm flipV="1">
+            <a:off x="2876665" y="1002985"/>
+            <a:ext cx="2138257" cy="319467"/>
+          </a:xfrm>
+          <a:prstGeom prst="bentConnector3">
+            <a:avLst>
+              <a:gd name="adj1" fmla="val -95"/>
+            </a:avLst>
+          </a:prstGeom>
+          <a:ln>
+            <a:tailEnd type="triangle"/>
+          </a:ln>
+        </p:spPr>
+        <p:style>
+          <a:lnRef idx="1">
+            <a:schemeClr val="accent1"/>
+          </a:lnRef>
+          <a:fillRef idx="0">
+            <a:schemeClr val="accent1"/>
+          </a:fillRef>
+          <a:effectRef idx="0">
+            <a:schemeClr val="accent1"/>
+          </a:effectRef>
+          <a:fontRef idx="minor">
+            <a:schemeClr val="tx1"/>
+          </a:fontRef>
+        </p:style>
+      </p:cxnSp>
+      <p:sp>
+        <p:nvSpPr>
+          <p:cNvPr id="143" name="TextBox 142">
+            <a:extLst>
+              <a:ext uri="{FF2B5EF4-FFF2-40B4-BE49-F238E27FC236}">
+                <a16:creationId xmlns:a16="http://schemas.microsoft.com/office/drawing/2014/main" id="{70C5F10E-96F8-4035-9466-D90FF3321F4B}"/>
+              </a:ext>
+            </a:extLst>
+          </p:cNvPr>
+          <p:cNvSpPr txBox="1"/>
+          <p:nvPr/>
+        </p:nvSpPr>
+        <p:spPr>
+          <a:xfrm>
+            <a:off x="4931954" y="1620825"/>
+            <a:ext cx="1280833" cy="276999"/>
+          </a:xfrm>
+          <a:prstGeom prst="rect">
+            <a:avLst/>
+          </a:prstGeom>
+          <a:noFill/>
+        </p:spPr>
+        <p:txBody>
+          <a:bodyPr wrap="square" rtlCol="0">
+            <a:spAutoFit/>
+          </a:bodyPr>
+          <a:lstStyle/>
+          <a:p>
+            <a:r>
+              <a:rPr lang="en-CA" sz="1200" dirty="0"/>
+              <a:t>List of problems.</a:t>
+            </a:r>
+          </a:p>
+        </p:txBody>
+      </p:sp>
+      <p:sp>
+        <p:nvSpPr>
+          <p:cNvPr id="144" name="TextBox 143">
+            <a:extLst>
+              <a:ext uri="{FF2B5EF4-FFF2-40B4-BE49-F238E27FC236}">
+                <a16:creationId xmlns:a16="http://schemas.microsoft.com/office/drawing/2014/main" id="{98CC1D33-B464-45B7-A543-E7557B4A9553}"/>
+              </a:ext>
+            </a:extLst>
+          </p:cNvPr>
+          <p:cNvSpPr txBox="1"/>
+          <p:nvPr/>
+        </p:nvSpPr>
+        <p:spPr>
+          <a:xfrm>
+            <a:off x="6305901" y="1037563"/>
+            <a:ext cx="878667" cy="461665"/>
+          </a:xfrm>
+          <a:prstGeom prst="rect">
+            <a:avLst/>
+          </a:prstGeom>
+          <a:noFill/>
+        </p:spPr>
+        <p:txBody>
+          <a:bodyPr wrap="square" rtlCol="0">
+            <a:spAutoFit/>
+          </a:bodyPr>
+          <a:lstStyle/>
+          <a:p>
+            <a:r>
+              <a:rPr lang="en-CA" sz="1200" dirty="0"/>
+              <a:t>User clicks on map.</a:t>
+            </a:r>
+          </a:p>
+        </p:txBody>
+      </p:sp>
+      <p:sp>
+        <p:nvSpPr>
+          <p:cNvPr id="145" name="TextBox 144">
+            <a:extLst>
+              <a:ext uri="{FF2B5EF4-FFF2-40B4-BE49-F238E27FC236}">
+                <a16:creationId xmlns:a16="http://schemas.microsoft.com/office/drawing/2014/main" id="{5C0B15FF-73B3-4C32-864D-9D0D975C954B}"/>
+              </a:ext>
+            </a:extLst>
+          </p:cNvPr>
+          <p:cNvSpPr txBox="1"/>
+          <p:nvPr/>
+        </p:nvSpPr>
+        <p:spPr>
+          <a:xfrm>
+            <a:off x="7337312" y="1039174"/>
+            <a:ext cx="958367" cy="461665"/>
+          </a:xfrm>
+          <a:prstGeom prst="rect">
+            <a:avLst/>
+          </a:prstGeom>
+          <a:noFill/>
+        </p:spPr>
+        <p:txBody>
+          <a:bodyPr wrap="square" rtlCol="0">
+            <a:spAutoFit/>
+          </a:bodyPr>
+          <a:lstStyle/>
+          <a:p>
+            <a:r>
+              <a:rPr lang="en-CA" sz="1200" dirty="0"/>
+              <a:t>User clicks on email.</a:t>
+            </a:r>
+          </a:p>
+        </p:txBody>
+      </p:sp>
+      <p:sp>
+        <p:nvSpPr>
+          <p:cNvPr id="146" name="TextBox 145">
+            <a:extLst>
+              <a:ext uri="{FF2B5EF4-FFF2-40B4-BE49-F238E27FC236}">
+                <a16:creationId xmlns:a16="http://schemas.microsoft.com/office/drawing/2014/main" id="{299BE07A-854B-46F7-A3F2-74A91239A912}"/>
+              </a:ext>
+            </a:extLst>
+          </p:cNvPr>
+          <p:cNvSpPr txBox="1"/>
+          <p:nvPr/>
+        </p:nvSpPr>
+        <p:spPr>
+          <a:xfrm>
+            <a:off x="8622211" y="1207849"/>
+            <a:ext cx="1280833" cy="461665"/>
+          </a:xfrm>
+          <a:prstGeom prst="rect">
+            <a:avLst/>
+          </a:prstGeom>
+          <a:noFill/>
+        </p:spPr>
+        <p:txBody>
+          <a:bodyPr wrap="square" rtlCol="0">
+            <a:spAutoFit/>
+          </a:bodyPr>
+          <a:lstStyle/>
+          <a:p>
+            <a:r>
+              <a:rPr lang="en-CA" sz="1200" dirty="0"/>
+              <a:t>User clicks on phone number.</a:t>
+            </a:r>
+          </a:p>
+        </p:txBody>
+      </p:sp>
+      <p:sp>
+        <p:nvSpPr>
+          <p:cNvPr id="147" name="TextBox 146">
+            <a:extLst>
+              <a:ext uri="{FF2B5EF4-FFF2-40B4-BE49-F238E27FC236}">
+                <a16:creationId xmlns:a16="http://schemas.microsoft.com/office/drawing/2014/main" id="{F5534F5B-623A-4F10-BF3D-669F7ABD319A}"/>
+              </a:ext>
+            </a:extLst>
+          </p:cNvPr>
+          <p:cNvSpPr txBox="1"/>
+          <p:nvPr/>
+        </p:nvSpPr>
+        <p:spPr>
+          <a:xfrm>
+            <a:off x="8949916" y="226540"/>
+            <a:ext cx="1707488" cy="646331"/>
+          </a:xfrm>
+          <a:prstGeom prst="rect">
+            <a:avLst/>
+          </a:prstGeom>
+          <a:noFill/>
+        </p:spPr>
+        <p:txBody>
+          <a:bodyPr wrap="square" rtlCol="0">
+            <a:spAutoFit/>
+          </a:bodyPr>
+          <a:lstStyle/>
+          <a:p>
+            <a:r>
+              <a:rPr lang="en-CA" sz="1200" dirty="0"/>
+              <a:t>User clicks on magnifying glass to search.</a:t>
+            </a:r>
+          </a:p>
+        </p:txBody>
+      </p:sp>
+      <p:sp>
+        <p:nvSpPr>
+          <p:cNvPr id="148" name="TextBox 147">
+            <a:extLst>
+              <a:ext uri="{FF2B5EF4-FFF2-40B4-BE49-F238E27FC236}">
+                <a16:creationId xmlns:a16="http://schemas.microsoft.com/office/drawing/2014/main" id="{ACED0A08-EF81-493A-AF05-DD4D1F7CAD55}"/>
+              </a:ext>
+            </a:extLst>
+          </p:cNvPr>
+          <p:cNvSpPr txBox="1"/>
+          <p:nvPr/>
+        </p:nvSpPr>
+        <p:spPr>
+          <a:xfrm>
+            <a:off x="10719253" y="1765875"/>
+            <a:ext cx="1435047" cy="646331"/>
+          </a:xfrm>
+          <a:prstGeom prst="rect">
+            <a:avLst/>
+          </a:prstGeom>
+          <a:noFill/>
+        </p:spPr>
+        <p:txBody>
+          <a:bodyPr wrap="square" rtlCol="0">
+            <a:spAutoFit/>
+          </a:bodyPr>
+          <a:lstStyle/>
+          <a:p>
+            <a:r>
+              <a:rPr lang="en-CA" sz="1200" dirty="0"/>
+              <a:t>Search by geolocation by switching the slider.</a:t>
+            </a:r>
+          </a:p>
+        </p:txBody>
+      </p:sp>
+      <p:sp>
+        <p:nvSpPr>
+          <p:cNvPr id="149" name="TextBox 148">
+            <a:extLst>
+              <a:ext uri="{FF2B5EF4-FFF2-40B4-BE49-F238E27FC236}">
+                <a16:creationId xmlns:a16="http://schemas.microsoft.com/office/drawing/2014/main" id="{E9615D36-439D-44C3-BA03-787CD419B9E5}"/>
+              </a:ext>
+            </a:extLst>
+          </p:cNvPr>
+          <p:cNvSpPr txBox="1"/>
+          <p:nvPr/>
+        </p:nvSpPr>
+        <p:spPr>
+          <a:xfrm>
+            <a:off x="10813390" y="4158798"/>
+            <a:ext cx="1011110" cy="461665"/>
+          </a:xfrm>
+          <a:prstGeom prst="rect">
+            <a:avLst/>
+          </a:prstGeom>
+          <a:noFill/>
+        </p:spPr>
+        <p:txBody>
+          <a:bodyPr wrap="square" rtlCol="0">
+            <a:spAutoFit/>
+          </a:bodyPr>
+          <a:lstStyle/>
+          <a:p>
+            <a:r>
+              <a:rPr lang="en-CA" sz="1200" dirty="0"/>
+              <a:t>Search Results.</a:t>
+            </a:r>
+          </a:p>
+        </p:txBody>
+      </p:sp>
+      <p:sp>
+        <p:nvSpPr>
+          <p:cNvPr id="150" name="TextBox 149">
+            <a:extLst>
+              <a:ext uri="{FF2B5EF4-FFF2-40B4-BE49-F238E27FC236}">
+                <a16:creationId xmlns:a16="http://schemas.microsoft.com/office/drawing/2014/main" id="{951B7FE8-2482-4CCF-ACB0-8065A0A1A4D9}"/>
+              </a:ext>
+            </a:extLst>
+          </p:cNvPr>
+          <p:cNvSpPr txBox="1"/>
+          <p:nvPr/>
+        </p:nvSpPr>
+        <p:spPr>
+          <a:xfrm>
+            <a:off x="5463972" y="3059219"/>
+            <a:ext cx="1092683" cy="461665"/>
+          </a:xfrm>
+          <a:prstGeom prst="rect">
+            <a:avLst/>
+          </a:prstGeom>
+          <a:noFill/>
+        </p:spPr>
+        <p:txBody>
+          <a:bodyPr wrap="square" rtlCol="0">
+            <a:spAutoFit/>
+          </a:bodyPr>
+          <a:lstStyle/>
+          <a:p>
+            <a:r>
+              <a:rPr lang="en-CA" sz="1200" dirty="0"/>
+              <a:t>User clicks on a problem.</a:t>
+            </a:r>
+          </a:p>
+        </p:txBody>
+      </p:sp>
+      <p:sp>
+        <p:nvSpPr>
+          <p:cNvPr id="151" name="TextBox 150">
+            <a:extLst>
+              <a:ext uri="{FF2B5EF4-FFF2-40B4-BE49-F238E27FC236}">
+                <a16:creationId xmlns:a16="http://schemas.microsoft.com/office/drawing/2014/main" id="{FC5AA474-0D82-45FD-B24B-36AFCE545F4D}"/>
+              </a:ext>
+            </a:extLst>
+          </p:cNvPr>
+          <p:cNvSpPr txBox="1"/>
+          <p:nvPr/>
+        </p:nvSpPr>
+        <p:spPr>
+          <a:xfrm>
+            <a:off x="5044195" y="5794631"/>
+            <a:ext cx="1116353" cy="276999"/>
+          </a:xfrm>
+          <a:prstGeom prst="rect">
+            <a:avLst/>
+          </a:prstGeom>
+          <a:noFill/>
+        </p:spPr>
+        <p:txBody>
+          <a:bodyPr wrap="square" rtlCol="0">
+            <a:spAutoFit/>
+          </a:bodyPr>
+          <a:lstStyle/>
+          <a:p>
+            <a:r>
+              <a:rPr lang="en-CA" sz="1200" dirty="0"/>
+              <a:t>List of records.</a:t>
+            </a:r>
+          </a:p>
+        </p:txBody>
+      </p:sp>
+      <p:sp>
+        <p:nvSpPr>
+          <p:cNvPr id="152" name="TextBox 151">
+            <a:extLst>
+              <a:ext uri="{FF2B5EF4-FFF2-40B4-BE49-F238E27FC236}">
+                <a16:creationId xmlns:a16="http://schemas.microsoft.com/office/drawing/2014/main" id="{73B010CD-8606-4945-A1FA-F6C654DE5AF9}"/>
+              </a:ext>
+            </a:extLst>
+          </p:cNvPr>
+          <p:cNvSpPr txBox="1"/>
+          <p:nvPr/>
+        </p:nvSpPr>
+        <p:spPr>
+          <a:xfrm>
+            <a:off x="5993604" y="4040053"/>
+            <a:ext cx="1185938" cy="646331"/>
+          </a:xfrm>
+          <a:prstGeom prst="rect">
+            <a:avLst/>
+          </a:prstGeom>
+          <a:noFill/>
+        </p:spPr>
+        <p:txBody>
+          <a:bodyPr wrap="square" rtlCol="0">
+            <a:spAutoFit/>
+          </a:bodyPr>
+          <a:lstStyle/>
+          <a:p>
+            <a:r>
+              <a:rPr lang="en-CA" sz="1200" dirty="0"/>
+              <a:t>Press comment icon to view comments.</a:t>
+            </a:r>
+          </a:p>
+        </p:txBody>
+      </p:sp>
+      <p:sp>
+        <p:nvSpPr>
+          <p:cNvPr id="153" name="TextBox 152">
+            <a:extLst>
+              <a:ext uri="{FF2B5EF4-FFF2-40B4-BE49-F238E27FC236}">
+                <a16:creationId xmlns:a16="http://schemas.microsoft.com/office/drawing/2014/main" id="{52DE7C38-0BDE-4243-965C-ADEC5E38A6B2}"/>
+              </a:ext>
+            </a:extLst>
+          </p:cNvPr>
+          <p:cNvSpPr txBox="1"/>
+          <p:nvPr/>
+        </p:nvSpPr>
+        <p:spPr>
+          <a:xfrm>
+            <a:off x="6898451" y="5635961"/>
+            <a:ext cx="889767" cy="830997"/>
+          </a:xfrm>
+          <a:prstGeom prst="rect">
+            <a:avLst/>
+          </a:prstGeom>
+          <a:noFill/>
+        </p:spPr>
+        <p:txBody>
+          <a:bodyPr wrap="square" rtlCol="0">
+            <a:spAutoFit/>
+          </a:bodyPr>
+          <a:lstStyle/>
+          <a:p>
+            <a:r>
+              <a:rPr lang="en-CA" sz="1200" dirty="0"/>
+              <a:t>Press plus to add a new comment.</a:t>
+            </a:r>
+          </a:p>
+        </p:txBody>
+      </p:sp>
+      <p:sp>
+        <p:nvSpPr>
+          <p:cNvPr id="154" name="TextBox 153">
+            <a:extLst>
+              <a:ext uri="{FF2B5EF4-FFF2-40B4-BE49-F238E27FC236}">
+                <a16:creationId xmlns:a16="http://schemas.microsoft.com/office/drawing/2014/main" id="{6630C6FF-F8BB-4FF4-BBD9-D65B1184ED41}"/>
+              </a:ext>
+            </a:extLst>
+          </p:cNvPr>
+          <p:cNvSpPr txBox="1"/>
+          <p:nvPr/>
+        </p:nvSpPr>
+        <p:spPr>
+          <a:xfrm>
+            <a:off x="6913984" y="5188287"/>
+            <a:ext cx="1408364" cy="276999"/>
+          </a:xfrm>
+          <a:prstGeom prst="rect">
+            <a:avLst/>
+          </a:prstGeom>
+          <a:noFill/>
+        </p:spPr>
+        <p:txBody>
+          <a:bodyPr wrap="square" rtlCol="0">
+            <a:spAutoFit/>
+          </a:bodyPr>
+          <a:lstStyle/>
+          <a:p>
+            <a:r>
+              <a:rPr lang="en-CA" sz="1200" dirty="0"/>
+              <a:t>List of comments.</a:t>
+            </a:r>
+          </a:p>
+        </p:txBody>
+      </p:sp>
+      <p:cxnSp>
+        <p:nvCxnSpPr>
+          <p:cNvPr id="156" name="Straight Arrow Connector 155">
+            <a:extLst>
+              <a:ext uri="{FF2B5EF4-FFF2-40B4-BE49-F238E27FC236}">
+                <a16:creationId xmlns:a16="http://schemas.microsoft.com/office/drawing/2014/main" id="{8C1BBE29-1F4E-498C-B722-AF6449E2B0E7}"/>
+              </a:ext>
+            </a:extLst>
+          </p:cNvPr>
+          <p:cNvCxnSpPr/>
+          <p:nvPr/>
+        </p:nvCxnSpPr>
+        <p:spPr>
+          <a:xfrm>
+            <a:off x="5463972" y="1883075"/>
+            <a:ext cx="0" cy="2501844"/>
+          </a:xfrm>
+          <a:prstGeom prst="straightConnector1">
+            <a:avLst/>
+          </a:prstGeom>
+          <a:ln>
+            <a:tailEnd type="triangle"/>
+          </a:ln>
+        </p:spPr>
+        <p:style>
+          <a:lnRef idx="1">
+            <a:schemeClr val="accent1"/>
+          </a:lnRef>
+          <a:fillRef idx="0">
+            <a:schemeClr val="accent1"/>
+          </a:fillRef>
+          <a:effectRef idx="0">
+            <a:schemeClr val="accent1"/>
+          </a:effectRef>
+          <a:fontRef idx="minor">
+            <a:schemeClr val="tx1"/>
+          </a:fontRef>
+        </p:style>
+      </p:cxnSp>
+      <p:cxnSp>
+        <p:nvCxnSpPr>
+          <p:cNvPr id="158" name="Connector: Elbow 157">
+            <a:extLst>
+              <a:ext uri="{FF2B5EF4-FFF2-40B4-BE49-F238E27FC236}">
+                <a16:creationId xmlns:a16="http://schemas.microsoft.com/office/drawing/2014/main" id="{52AD4682-A651-4BC7-BE6A-17899A606802}"/>
+              </a:ext>
+            </a:extLst>
+          </p:cNvPr>
+          <p:cNvCxnSpPr>
+            <a:cxnSpLocks/>
+          </p:cNvCxnSpPr>
+          <p:nvPr/>
+        </p:nvCxnSpPr>
+        <p:spPr>
+          <a:xfrm>
+            <a:off x="5939582" y="433306"/>
+            <a:ext cx="4404461" cy="481094"/>
+          </a:xfrm>
+          <a:prstGeom prst="bentConnector3">
+            <a:avLst>
+              <a:gd name="adj1" fmla="val 65620"/>
+            </a:avLst>
+          </a:prstGeom>
+          <a:ln>
+            <a:tailEnd type="triangle"/>
+          </a:ln>
+        </p:spPr>
+        <p:style>
+          <a:lnRef idx="1">
+            <a:schemeClr val="accent1"/>
+          </a:lnRef>
+          <a:fillRef idx="0">
+            <a:schemeClr val="accent1"/>
+          </a:fillRef>
+          <a:effectRef idx="0">
+            <a:schemeClr val="accent1"/>
+          </a:effectRef>
+          <a:fontRef idx="minor">
+            <a:schemeClr val="tx1"/>
+          </a:fontRef>
+        </p:style>
+      </p:cxnSp>
+      <p:cxnSp>
+        <p:nvCxnSpPr>
+          <p:cNvPr id="198" name="Straight Arrow Connector 197">
+            <a:extLst>
+              <a:ext uri="{FF2B5EF4-FFF2-40B4-BE49-F238E27FC236}">
+                <a16:creationId xmlns:a16="http://schemas.microsoft.com/office/drawing/2014/main" id="{2A21E3B8-AD01-4A58-95F9-95BC1FB1DFFF}"/>
+              </a:ext>
+            </a:extLst>
+          </p:cNvPr>
+          <p:cNvCxnSpPr>
+            <a:cxnSpLocks/>
+          </p:cNvCxnSpPr>
+          <p:nvPr/>
+        </p:nvCxnSpPr>
+        <p:spPr>
+          <a:xfrm>
+            <a:off x="6001995" y="4732901"/>
+            <a:ext cx="1019454" cy="0"/>
+          </a:xfrm>
+          <a:prstGeom prst="straightConnector1">
+            <a:avLst/>
+          </a:prstGeom>
+          <a:ln>
+            <a:tailEnd type="triangle"/>
+          </a:ln>
+        </p:spPr>
+        <p:style>
+          <a:lnRef idx="1">
+            <a:schemeClr val="accent1"/>
+          </a:lnRef>
+          <a:fillRef idx="0">
+            <a:schemeClr val="accent1"/>
+          </a:fillRef>
+          <a:effectRef idx="0">
+            <a:schemeClr val="accent1"/>
+          </a:effectRef>
+          <a:fontRef idx="minor">
+            <a:schemeClr val="tx1"/>
+          </a:fontRef>
+        </p:style>
+      </p:cxnSp>
+      <p:cxnSp>
+        <p:nvCxnSpPr>
+          <p:cNvPr id="201" name="Straight Arrow Connector 200">
+            <a:extLst>
+              <a:ext uri="{FF2B5EF4-FFF2-40B4-BE49-F238E27FC236}">
+                <a16:creationId xmlns:a16="http://schemas.microsoft.com/office/drawing/2014/main" id="{8AB2EF9C-EA13-4009-8D44-E67A374A8600}"/>
+              </a:ext>
+            </a:extLst>
+          </p:cNvPr>
+          <p:cNvCxnSpPr>
+            <a:cxnSpLocks/>
+          </p:cNvCxnSpPr>
+          <p:nvPr/>
+        </p:nvCxnSpPr>
+        <p:spPr>
+          <a:xfrm>
+            <a:off x="6001995" y="5612827"/>
+            <a:ext cx="2874059" cy="9027"/>
+          </a:xfrm>
+          <a:prstGeom prst="straightConnector1">
+            <a:avLst/>
+          </a:prstGeom>
+          <a:ln>
+            <a:tailEnd type="triangle"/>
+          </a:ln>
+        </p:spPr>
+        <p:style>
+          <a:lnRef idx="1">
+            <a:schemeClr val="accent1"/>
+          </a:lnRef>
+          <a:fillRef idx="0">
+            <a:schemeClr val="accent1"/>
+          </a:fillRef>
+          <a:effectRef idx="0">
+            <a:schemeClr val="accent1"/>
+          </a:effectRef>
+          <a:fontRef idx="minor">
+            <a:schemeClr val="tx1"/>
+          </a:fontRef>
+        </p:style>
+      </p:cxnSp>
+      <p:cxnSp>
+        <p:nvCxnSpPr>
+          <p:cNvPr id="203" name="Straight Arrow Connector 202">
+            <a:extLst>
+              <a:ext uri="{FF2B5EF4-FFF2-40B4-BE49-F238E27FC236}">
+                <a16:creationId xmlns:a16="http://schemas.microsoft.com/office/drawing/2014/main" id="{F943AF0C-A815-4370-A6E3-3AB4889CC53F}"/>
+              </a:ext>
+            </a:extLst>
+          </p:cNvPr>
+          <p:cNvCxnSpPr/>
+          <p:nvPr/>
+        </p:nvCxnSpPr>
+        <p:spPr>
+          <a:xfrm>
+            <a:off x="10728912" y="3905947"/>
+            <a:ext cx="0" cy="1029707"/>
+          </a:xfrm>
+          <a:prstGeom prst="straightConnector1">
+            <a:avLst/>
+          </a:prstGeom>
+          <a:ln>
+            <a:tailEnd type="triangle"/>
+          </a:ln>
+        </p:spPr>
+        <p:style>
+          <a:lnRef idx="1">
+            <a:schemeClr val="accent1"/>
+          </a:lnRef>
+          <a:fillRef idx="0">
+            <a:schemeClr val="accent1"/>
+          </a:fillRef>
+          <a:effectRef idx="0">
+            <a:schemeClr val="accent1"/>
+          </a:effectRef>
+          <a:fontRef idx="minor">
+            <a:schemeClr val="tx1"/>
+          </a:fontRef>
+        </p:style>
+      </p:cxnSp>
+      <p:cxnSp>
+        <p:nvCxnSpPr>
+          <p:cNvPr id="205" name="Straight Arrow Connector 204">
+            <a:extLst>
+              <a:ext uri="{FF2B5EF4-FFF2-40B4-BE49-F238E27FC236}">
+                <a16:creationId xmlns:a16="http://schemas.microsoft.com/office/drawing/2014/main" id="{04FCFC15-9A7F-4370-B55A-01910F9B9CA3}"/>
+              </a:ext>
+            </a:extLst>
+          </p:cNvPr>
+          <p:cNvCxnSpPr/>
+          <p:nvPr/>
+        </p:nvCxnSpPr>
+        <p:spPr>
+          <a:xfrm>
+            <a:off x="10629863" y="1759324"/>
+            <a:ext cx="0" cy="655755"/>
+          </a:xfrm>
+          <a:prstGeom prst="straightConnector1">
+            <a:avLst/>
+          </a:prstGeom>
+          <a:ln>
+            <a:tailEnd type="triangle"/>
+          </a:ln>
+        </p:spPr>
+        <p:style>
+          <a:lnRef idx="1">
+            <a:schemeClr val="accent1"/>
+          </a:lnRef>
+          <a:fillRef idx="0">
+            <a:schemeClr val="accent1"/>
+          </a:fillRef>
+          <a:effectRef idx="0">
+            <a:schemeClr val="accent1"/>
+          </a:effectRef>
+          <a:fontRef idx="minor">
+            <a:schemeClr val="tx1"/>
+          </a:fontRef>
+        </p:style>
+      </p:cxnSp>
+      <p:cxnSp>
+        <p:nvCxnSpPr>
+          <p:cNvPr id="208" name="Connector: Elbow 207">
+            <a:extLst>
+              <a:ext uri="{FF2B5EF4-FFF2-40B4-BE49-F238E27FC236}">
+                <a16:creationId xmlns:a16="http://schemas.microsoft.com/office/drawing/2014/main" id="{D61F785C-AD2E-4EE4-962B-3DC203ED29F8}"/>
+              </a:ext>
+            </a:extLst>
+          </p:cNvPr>
+          <p:cNvCxnSpPr>
+            <a:cxnSpLocks/>
+          </p:cNvCxnSpPr>
+          <p:nvPr/>
+        </p:nvCxnSpPr>
+        <p:spPr>
+          <a:xfrm>
+            <a:off x="5939582" y="477214"/>
+            <a:ext cx="2702438" cy="1538362"/>
+          </a:xfrm>
+          <a:prstGeom prst="bentConnector3">
+            <a:avLst>
+              <a:gd name="adj1" fmla="val 99949"/>
+            </a:avLst>
+          </a:prstGeom>
+          <a:ln>
+            <a:tailEnd type="triangle"/>
+          </a:ln>
+        </p:spPr>
+        <p:style>
+          <a:lnRef idx="1">
+            <a:schemeClr val="accent1"/>
+          </a:lnRef>
+          <a:fillRef idx="0">
+            <a:schemeClr val="accent1"/>
+          </a:fillRef>
+          <a:effectRef idx="0">
+            <a:schemeClr val="accent1"/>
+          </a:effectRef>
+          <a:fontRef idx="minor">
+            <a:schemeClr val="tx1"/>
+          </a:fontRef>
+        </p:style>
+      </p:cxnSp>
+      <p:cxnSp>
+        <p:nvCxnSpPr>
+          <p:cNvPr id="213" name="Connector: Elbow 212">
+            <a:extLst>
+              <a:ext uri="{FF2B5EF4-FFF2-40B4-BE49-F238E27FC236}">
+                <a16:creationId xmlns:a16="http://schemas.microsoft.com/office/drawing/2014/main" id="{B44D8F17-D642-4011-8A53-4E734D783DAB}"/>
+              </a:ext>
+            </a:extLst>
+          </p:cNvPr>
+          <p:cNvCxnSpPr>
+            <a:cxnSpLocks/>
+          </p:cNvCxnSpPr>
+          <p:nvPr/>
+        </p:nvCxnSpPr>
+        <p:spPr>
+          <a:xfrm>
+            <a:off x="5939582" y="521218"/>
+            <a:ext cx="2253994" cy="1494358"/>
+          </a:xfrm>
+          <a:prstGeom prst="bentConnector3">
+            <a:avLst>
+              <a:gd name="adj1" fmla="val 100227"/>
+            </a:avLst>
+          </a:prstGeom>
+          <a:ln>
+            <a:tailEnd type="triangle"/>
+          </a:ln>
+        </p:spPr>
+        <p:style>
+          <a:lnRef idx="1">
+            <a:schemeClr val="accent1"/>
+          </a:lnRef>
+          <a:fillRef idx="0">
+            <a:schemeClr val="accent1"/>
+          </a:fillRef>
+          <a:effectRef idx="0">
+            <a:schemeClr val="accent1"/>
+          </a:effectRef>
+          <a:fontRef idx="minor">
+            <a:schemeClr val="tx1"/>
+          </a:fontRef>
+        </p:style>
+      </p:cxnSp>
+      <p:cxnSp>
+        <p:nvCxnSpPr>
+          <p:cNvPr id="219" name="Connector: Elbow 218">
+            <a:extLst>
+              <a:ext uri="{FF2B5EF4-FFF2-40B4-BE49-F238E27FC236}">
+                <a16:creationId xmlns:a16="http://schemas.microsoft.com/office/drawing/2014/main" id="{381EEEE9-E4B1-4B86-9B8C-FC778EF2CF60}"/>
+              </a:ext>
+            </a:extLst>
+          </p:cNvPr>
+          <p:cNvCxnSpPr/>
+          <p:nvPr/>
+        </p:nvCxnSpPr>
+        <p:spPr>
+          <a:xfrm rot="16200000" flipH="1">
+            <a:off x="5819949" y="719031"/>
+            <a:ext cx="1425204" cy="1185938"/>
+          </a:xfrm>
+          <a:prstGeom prst="bentConnector3">
+            <a:avLst>
+              <a:gd name="adj1" fmla="val -105"/>
+            </a:avLst>
+          </a:prstGeom>
+          <a:ln>
+            <a:tailEnd type="triangle"/>
+          </a:ln>
+        </p:spPr>
+        <p:style>
+          <a:lnRef idx="1">
+            <a:schemeClr val="accent1"/>
+          </a:lnRef>
+          <a:fillRef idx="0">
+            <a:schemeClr val="accent1"/>
+          </a:fillRef>
+          <a:effectRef idx="0">
+            <a:schemeClr val="accent1"/>
+          </a:effectRef>
+          <a:fontRef idx="minor">
+            <a:schemeClr val="tx1"/>
+          </a:fontRef>
+        </p:style>
+      </p:cxnSp>
+      <p:cxnSp>
+        <p:nvCxnSpPr>
+          <p:cNvPr id="252" name="Connector: Elbow 251">
+            <a:extLst>
+              <a:ext uri="{FF2B5EF4-FFF2-40B4-BE49-F238E27FC236}">
+                <a16:creationId xmlns:a16="http://schemas.microsoft.com/office/drawing/2014/main" id="{93923943-0F35-4E12-8821-168B05B63A9E}"/>
+              </a:ext>
+            </a:extLst>
+          </p:cNvPr>
+          <p:cNvCxnSpPr>
+            <a:cxnSpLocks/>
+          </p:cNvCxnSpPr>
+          <p:nvPr/>
+        </p:nvCxnSpPr>
+        <p:spPr>
+          <a:xfrm rot="16200000" flipH="1">
+            <a:off x="2692271" y="2076471"/>
+            <a:ext cx="1558379" cy="407114"/>
+          </a:xfrm>
+          <a:prstGeom prst="bentConnector3">
+            <a:avLst>
+              <a:gd name="adj1" fmla="val 824"/>
+            </a:avLst>
+          </a:prstGeom>
+          <a:ln>
+            <a:tailEnd type="triangle"/>
+          </a:ln>
+        </p:spPr>
+        <p:style>
+          <a:lnRef idx="1">
+            <a:schemeClr val="accent1"/>
+          </a:lnRef>
+          <a:fillRef idx="0">
+            <a:schemeClr val="accent1"/>
+          </a:fillRef>
+          <a:effectRef idx="0">
+            <a:schemeClr val="accent1"/>
+          </a:effectRef>
+          <a:fontRef idx="minor">
+            <a:schemeClr val="tx1"/>
+          </a:fontRef>
+        </p:style>
+      </p:cxnSp>
+      <p:cxnSp>
+        <p:nvCxnSpPr>
+          <p:cNvPr id="257" name="Connector: Elbow 256">
+            <a:extLst>
+              <a:ext uri="{FF2B5EF4-FFF2-40B4-BE49-F238E27FC236}">
+                <a16:creationId xmlns:a16="http://schemas.microsoft.com/office/drawing/2014/main" id="{427CE05D-881A-403D-8216-9483C7914282}"/>
+              </a:ext>
+            </a:extLst>
+          </p:cNvPr>
+          <p:cNvCxnSpPr>
+            <a:cxnSpLocks/>
+          </p:cNvCxnSpPr>
+          <p:nvPr/>
+        </p:nvCxnSpPr>
+        <p:spPr>
+          <a:xfrm flipV="1">
+            <a:off x="3221204" y="4554903"/>
+            <a:ext cx="440981" cy="380752"/>
+          </a:xfrm>
+          <a:prstGeom prst="bentConnector3">
+            <a:avLst>
+              <a:gd name="adj1" fmla="val 101345"/>
+            </a:avLst>
+          </a:prstGeom>
+          <a:ln>
+            <a:tailEnd type="triangle"/>
+          </a:ln>
+        </p:spPr>
+        <p:style>
+          <a:lnRef idx="1">
+            <a:schemeClr val="accent1"/>
+          </a:lnRef>
+          <a:fillRef idx="0">
+            <a:schemeClr val="accent1"/>
+          </a:fillRef>
+          <a:effectRef idx="0">
+            <a:schemeClr val="accent1"/>
+          </a:effectRef>
+          <a:fontRef idx="minor">
+            <a:schemeClr val="tx1"/>
+          </a:fontRef>
+        </p:style>
+      </p:cxnSp>
+      <p:cxnSp>
+        <p:nvCxnSpPr>
+          <p:cNvPr id="262" name="Connector: Elbow 261">
+            <a:extLst>
+              <a:ext uri="{FF2B5EF4-FFF2-40B4-BE49-F238E27FC236}">
+                <a16:creationId xmlns:a16="http://schemas.microsoft.com/office/drawing/2014/main" id="{A6FC6E7B-7B4A-4307-9978-882ACDE5B169}"/>
+              </a:ext>
+            </a:extLst>
+          </p:cNvPr>
+          <p:cNvCxnSpPr/>
+          <p:nvPr/>
+        </p:nvCxnSpPr>
+        <p:spPr>
+          <a:xfrm>
+            <a:off x="1405002" y="824022"/>
+            <a:ext cx="1274126" cy="487978"/>
+          </a:xfrm>
+          <a:prstGeom prst="bentConnector3">
+            <a:avLst>
+              <a:gd name="adj1" fmla="val 99895"/>
+            </a:avLst>
+          </a:prstGeom>
+          <a:ln>
+            <a:tailEnd type="triangle"/>
+          </a:ln>
+        </p:spPr>
+        <p:style>
+          <a:lnRef idx="1">
+            <a:schemeClr val="accent1"/>
+          </a:lnRef>
+          <a:fillRef idx="0">
+            <a:schemeClr val="accent1"/>
+          </a:fillRef>
+          <a:effectRef idx="0">
+            <a:schemeClr val="accent1"/>
+          </a:effectRef>
+          <a:fontRef idx="minor">
+            <a:schemeClr val="tx1"/>
+          </a:fontRef>
+        </p:style>
+      </p:cxnSp>
+    </p:spTree>
+    <p:extLst>
+      <p:ext uri="{BB962C8B-B14F-4D97-AF65-F5344CB8AC3E}">
+        <p14:creationId xmlns:p14="http://schemas.microsoft.com/office/powerpoint/2010/main" val="3219323364"/>
       </p:ext>
     </p:extLst>
   </p:cSld>

--- a/UI_flow.pptx
+++ b/UI_flow.pptx
@@ -260,7 +260,7 @@
           <a:p>
             <a:fld id="{4D19C019-5B1A-6048-8365-758FE9161DE6}" type="datetimeFigureOut">
               <a:rPr lang="en-US" smtClean="0"/>
-              <a:t>11/1/2018</a:t>
+              <a:t>11/12/18</a:t>
             </a:fld>
             <a:endParaRPr lang="en-US"/>
           </a:p>
@@ -458,7 +458,7 @@
           <a:p>
             <a:fld id="{4D19C019-5B1A-6048-8365-758FE9161DE6}" type="datetimeFigureOut">
               <a:rPr lang="en-US" smtClean="0"/>
-              <a:t>11/1/2018</a:t>
+              <a:t>11/12/18</a:t>
             </a:fld>
             <a:endParaRPr lang="en-US"/>
           </a:p>
@@ -666,7 +666,7 @@
           <a:p>
             <a:fld id="{4D19C019-5B1A-6048-8365-758FE9161DE6}" type="datetimeFigureOut">
               <a:rPr lang="en-US" smtClean="0"/>
-              <a:t>11/1/2018</a:t>
+              <a:t>11/12/18</a:t>
             </a:fld>
             <a:endParaRPr lang="en-US"/>
           </a:p>
@@ -864,7 +864,7 @@
           <a:p>
             <a:fld id="{4D19C019-5B1A-6048-8365-758FE9161DE6}" type="datetimeFigureOut">
               <a:rPr lang="en-US" smtClean="0"/>
-              <a:t>11/1/2018</a:t>
+              <a:t>11/12/18</a:t>
             </a:fld>
             <a:endParaRPr lang="en-US"/>
           </a:p>
@@ -1139,7 +1139,7 @@
           <a:p>
             <a:fld id="{4D19C019-5B1A-6048-8365-758FE9161DE6}" type="datetimeFigureOut">
               <a:rPr lang="en-US" smtClean="0"/>
-              <a:t>11/1/2018</a:t>
+              <a:t>11/12/18</a:t>
             </a:fld>
             <a:endParaRPr lang="en-US"/>
           </a:p>
@@ -1404,7 +1404,7 @@
           <a:p>
             <a:fld id="{4D19C019-5B1A-6048-8365-758FE9161DE6}" type="datetimeFigureOut">
               <a:rPr lang="en-US" smtClean="0"/>
-              <a:t>11/1/2018</a:t>
+              <a:t>11/12/18</a:t>
             </a:fld>
             <a:endParaRPr lang="en-US"/>
           </a:p>
@@ -1816,7 +1816,7 @@
           <a:p>
             <a:fld id="{4D19C019-5B1A-6048-8365-758FE9161DE6}" type="datetimeFigureOut">
               <a:rPr lang="en-US" smtClean="0"/>
-              <a:t>11/1/2018</a:t>
+              <a:t>11/12/18</a:t>
             </a:fld>
             <a:endParaRPr lang="en-US"/>
           </a:p>
@@ -1957,7 +1957,7 @@
           <a:p>
             <a:fld id="{4D19C019-5B1A-6048-8365-758FE9161DE6}" type="datetimeFigureOut">
               <a:rPr lang="en-US" smtClean="0"/>
-              <a:t>11/1/2018</a:t>
+              <a:t>11/12/18</a:t>
             </a:fld>
             <a:endParaRPr lang="en-US"/>
           </a:p>
@@ -2070,7 +2070,7 @@
           <a:p>
             <a:fld id="{4D19C019-5B1A-6048-8365-758FE9161DE6}" type="datetimeFigureOut">
               <a:rPr lang="en-US" smtClean="0"/>
-              <a:t>11/1/2018</a:t>
+              <a:t>11/12/18</a:t>
             </a:fld>
             <a:endParaRPr lang="en-US"/>
           </a:p>
@@ -2381,7 +2381,7 @@
           <a:p>
             <a:fld id="{4D19C019-5B1A-6048-8365-758FE9161DE6}" type="datetimeFigureOut">
               <a:rPr lang="en-US" smtClean="0"/>
-              <a:t>11/1/2018</a:t>
+              <a:t>11/12/18</a:t>
             </a:fld>
             <a:endParaRPr lang="en-US"/>
           </a:p>
@@ -2669,7 +2669,7 @@
           <a:p>
             <a:fld id="{4D19C019-5B1A-6048-8365-758FE9161DE6}" type="datetimeFigureOut">
               <a:rPr lang="en-US" smtClean="0"/>
-              <a:t>11/1/2018</a:t>
+              <a:t>11/12/18</a:t>
             </a:fld>
             <a:endParaRPr lang="en-US"/>
           </a:p>
@@ -2910,7 +2910,7 @@
           <a:p>
             <a:fld id="{4D19C019-5B1A-6048-8365-758FE9161DE6}" type="datetimeFigureOut">
               <a:rPr lang="en-US" smtClean="0"/>
-              <a:t>11/1/2018</a:t>
+              <a:t>11/12/18</a:t>
             </a:fld>
             <a:endParaRPr lang="en-US"/>
           </a:p>
@@ -3327,12 +3327,131 @@
           <a:chExt cx="0" cy="0"/>
         </a:xfrm>
       </p:grpSpPr>
+      <p:cxnSp>
+        <p:nvCxnSpPr>
+          <p:cNvPr id="160" name="Straight Arrow Connector 159">
+            <a:extLst>
+              <a:ext uri="{FF2B5EF4-FFF2-40B4-BE49-F238E27FC236}">
+                <a16:creationId xmlns:a16="http://schemas.microsoft.com/office/drawing/2014/main" id="{AAB14F8C-B873-6641-82B5-7BFA600F10C5}"/>
+              </a:ext>
+            </a:extLst>
+          </p:cNvPr>
+          <p:cNvCxnSpPr>
+            <a:stCxn id="131" idx="1"/>
+          </p:cNvCxnSpPr>
+          <p:nvPr/>
+        </p:nvCxnSpPr>
+        <p:spPr>
+          <a:xfrm flipH="1">
+            <a:off x="10165780" y="3285361"/>
+            <a:ext cx="586775" cy="2185557"/>
+          </a:xfrm>
+          <a:prstGeom prst="straightConnector1">
+            <a:avLst/>
+          </a:prstGeom>
+          <a:ln>
+            <a:tailEnd type="triangle"/>
+          </a:ln>
+        </p:spPr>
+        <p:style>
+          <a:lnRef idx="1">
+            <a:schemeClr val="accent1"/>
+          </a:lnRef>
+          <a:fillRef idx="0">
+            <a:schemeClr val="accent1"/>
+          </a:fillRef>
+          <a:effectRef idx="0">
+            <a:schemeClr val="accent1"/>
+          </a:effectRef>
+          <a:fontRef idx="minor">
+            <a:schemeClr val="tx1"/>
+          </a:fontRef>
+        </p:style>
+      </p:cxnSp>
+      <p:cxnSp>
+        <p:nvCxnSpPr>
+          <p:cNvPr id="103" name="Straight Arrow Connector 102">
+            <a:extLst>
+              <a:ext uri="{FF2B5EF4-FFF2-40B4-BE49-F238E27FC236}">
+                <a16:creationId xmlns:a16="http://schemas.microsoft.com/office/drawing/2014/main" id="{6C4C23B7-692D-9441-A116-797BB9DF9666}"/>
+              </a:ext>
+            </a:extLst>
+          </p:cNvPr>
+          <p:cNvCxnSpPr>
+            <a:stCxn id="74" idx="0"/>
+            <a:endCxn id="142" idx="2"/>
+          </p:cNvCxnSpPr>
+          <p:nvPr/>
+        </p:nvCxnSpPr>
+        <p:spPr>
+          <a:xfrm flipH="1" flipV="1">
+            <a:off x="9719682" y="3939439"/>
+            <a:ext cx="278293" cy="1542140"/>
+          </a:xfrm>
+          <a:prstGeom prst="straightConnector1">
+            <a:avLst/>
+          </a:prstGeom>
+          <a:ln>
+            <a:headEnd type="triangle"/>
+            <a:tailEnd type="triangle"/>
+          </a:ln>
+        </p:spPr>
+        <p:style>
+          <a:lnRef idx="1">
+            <a:schemeClr val="accent1"/>
+          </a:lnRef>
+          <a:fillRef idx="0">
+            <a:schemeClr val="accent1"/>
+          </a:fillRef>
+          <a:effectRef idx="0">
+            <a:schemeClr val="accent1"/>
+          </a:effectRef>
+          <a:fontRef idx="minor">
+            <a:schemeClr val="tx1"/>
+          </a:fontRef>
+        </p:style>
+      </p:cxnSp>
+      <p:sp>
+        <p:nvSpPr>
+          <p:cNvPr id="4" name="TextBox 3">
+            <a:extLst>
+              <a:ext uri="{FF2B5EF4-FFF2-40B4-BE49-F238E27FC236}">
+                <a16:creationId xmlns:a16="http://schemas.microsoft.com/office/drawing/2014/main" id="{FB45A110-C99F-FF48-AAC2-FBC19B72B629}"/>
+              </a:ext>
+            </a:extLst>
+          </p:cNvPr>
+          <p:cNvSpPr txBox="1"/>
+          <p:nvPr/>
+        </p:nvSpPr>
+        <p:spPr>
+          <a:xfrm>
+            <a:off x="6301409" y="13662"/>
+            <a:ext cx="1577009" cy="646331"/>
+          </a:xfrm>
+          <a:prstGeom prst="rect">
+            <a:avLst/>
+          </a:prstGeom>
+          <a:noFill/>
+        </p:spPr>
+        <p:txBody>
+          <a:bodyPr wrap="square" rtlCol="0">
+            <a:spAutoFit/>
+          </a:bodyPr>
+          <a:lstStyle/>
+          <a:p>
+            <a:r>
+              <a:rPr lang="en-US" sz="1200" b="1" dirty="0"/>
+              <a:t>User opens the app and encounters the login screen</a:t>
+            </a:r>
+          </a:p>
+        </p:txBody>
+      </p:sp>
       <p:pic>
         <p:nvPicPr>
-          <p:cNvPr id="3" name="Picture 2" descr="A screenshot of a cell phone&#10;&#10;Description automatically generated">
-            <a:extLst>
-              <a:ext uri="{FF2B5EF4-FFF2-40B4-BE49-F238E27FC236}">
-                <a16:creationId xmlns:a16="http://schemas.microsoft.com/office/drawing/2014/main" id="{73A9F579-EE44-5F4A-A86F-5439192EFA73}"/>
+          <p:cNvPr id="6" name="Picture 5" descr="A screen shot of a computer&#10;&#10;Description automatically generated">
+            <a:extLst>
+              <a:ext uri="{FF2B5EF4-FFF2-40B4-BE49-F238E27FC236}">
+                <a16:creationId xmlns:a16="http://schemas.microsoft.com/office/drawing/2014/main" id="{A09CD283-9FD5-FC4E-8EA0-CF36A2614A82}"/>
               </a:ext>
             </a:extLst>
           </p:cNvPr>
@@ -3349,20 +3468,62 @@
         </p:blipFill>
         <p:spPr>
           <a:xfrm>
-            <a:off x="5608982" y="0"/>
-            <a:ext cx="692427" cy="1230981"/>
+            <a:off x="7776077" y="171135"/>
+            <a:ext cx="757238" cy="1346200"/>
           </a:xfrm>
           <a:prstGeom prst="rect">
             <a:avLst/>
           </a:prstGeom>
         </p:spPr>
       </p:pic>
-      <p:sp>
-        <p:nvSpPr>
-          <p:cNvPr id="4" name="TextBox 3">
-            <a:extLst>
-              <a:ext uri="{FF2B5EF4-FFF2-40B4-BE49-F238E27FC236}">
-                <a16:creationId xmlns:a16="http://schemas.microsoft.com/office/drawing/2014/main" id="{FB45A110-C99F-FF48-AAC2-FBC19B72B629}"/>
+      <p:cxnSp>
+        <p:nvCxnSpPr>
+          <p:cNvPr id="8" name="Straight Arrow Connector 7">
+            <a:extLst>
+              <a:ext uri="{FF2B5EF4-FFF2-40B4-BE49-F238E27FC236}">
+                <a16:creationId xmlns:a16="http://schemas.microsoft.com/office/drawing/2014/main" id="{A4F120AB-2141-7245-A94B-FE99FAD10117}"/>
+              </a:ext>
+            </a:extLst>
+          </p:cNvPr>
+          <p:cNvCxnSpPr>
+            <a:cxnSpLocks/>
+            <a:endCxn id="6" idx="1"/>
+          </p:cNvCxnSpPr>
+          <p:nvPr/>
+        </p:nvCxnSpPr>
+        <p:spPr>
+          <a:xfrm>
+            <a:off x="6358922" y="844235"/>
+            <a:ext cx="1417155" cy="0"/>
+          </a:xfrm>
+          <a:prstGeom prst="straightConnector1">
+            <a:avLst/>
+          </a:prstGeom>
+          <a:ln>
+            <a:tailEnd type="triangle"/>
+          </a:ln>
+        </p:spPr>
+        <p:style>
+          <a:lnRef idx="1">
+            <a:schemeClr val="accent1"/>
+          </a:lnRef>
+          <a:fillRef idx="0">
+            <a:schemeClr val="accent1"/>
+          </a:fillRef>
+          <a:effectRef idx="0">
+            <a:schemeClr val="accent1"/>
+          </a:effectRef>
+          <a:fontRef idx="minor">
+            <a:schemeClr val="tx1"/>
+          </a:fontRef>
+        </p:style>
+      </p:cxnSp>
+      <p:sp>
+        <p:nvSpPr>
+          <p:cNvPr id="11" name="TextBox 10">
+            <a:extLst>
+              <a:ext uri="{FF2B5EF4-FFF2-40B4-BE49-F238E27FC236}">
+                <a16:creationId xmlns:a16="http://schemas.microsoft.com/office/drawing/2014/main" id="{E39487BD-0FEC-D248-86B1-6BD8787D8BD3}"/>
               </a:ext>
             </a:extLst>
           </p:cNvPr>
@@ -3371,8 +3532,8 @@
         </p:nvSpPr>
         <p:spPr>
           <a:xfrm>
-            <a:off x="6301409" y="13662"/>
-            <a:ext cx="1577009" cy="646331"/>
+            <a:off x="6331772" y="817466"/>
+            <a:ext cx="1577009" cy="276999"/>
           </a:xfrm>
           <a:prstGeom prst="rect">
             <a:avLst/>
@@ -3387,17 +3548,124 @@
           <a:p>
             <a:r>
               <a:rPr lang="en-US" sz="1200" dirty="0"/>
-              <a:t>User opens the app and encounters the login screen</a:t>
+              <a:t>User selects sign up</a:t>
             </a:r>
           </a:p>
         </p:txBody>
       </p:sp>
       <p:pic>
         <p:nvPicPr>
-          <p:cNvPr id="6" name="Picture 5" descr="A screen shot of a computer&#10;&#10;Description automatically generated">
-            <a:extLst>
-              <a:ext uri="{FF2B5EF4-FFF2-40B4-BE49-F238E27FC236}">
-                <a16:creationId xmlns:a16="http://schemas.microsoft.com/office/drawing/2014/main" id="{A09CD283-9FD5-FC4E-8EA0-CF36A2614A82}"/>
+          <p:cNvPr id="13" name="Picture 12" descr="A screen shot of a computer&#10;&#10;Description automatically generated">
+            <a:extLst>
+              <a:ext uri="{FF2B5EF4-FFF2-40B4-BE49-F238E27FC236}">
+                <a16:creationId xmlns:a16="http://schemas.microsoft.com/office/drawing/2014/main" id="{C2355CC2-8C8D-0749-83C0-5BB977DD2CD9}"/>
+              </a:ext>
+            </a:extLst>
+          </p:cNvPr>
+          <p:cNvPicPr>
+            <a:picLocks noChangeAspect="1"/>
+          </p:cNvPicPr>
+          <p:nvPr/>
+        </p:nvPicPr>
+        <p:blipFill>
+          <a:blip r:embed="rId2"/>
+          <a:stretch>
+            <a:fillRect/>
+          </a:stretch>
+        </p:blipFill>
+        <p:spPr>
+          <a:xfrm flipH="1">
+            <a:off x="9474530" y="171320"/>
+            <a:ext cx="757238" cy="1346200"/>
+          </a:xfrm>
+          <a:prstGeom prst="rect">
+            <a:avLst/>
+          </a:prstGeom>
+        </p:spPr>
+      </p:pic>
+      <p:cxnSp>
+        <p:nvCxnSpPr>
+          <p:cNvPr id="15" name="Straight Arrow Connector 14">
+            <a:extLst>
+              <a:ext uri="{FF2B5EF4-FFF2-40B4-BE49-F238E27FC236}">
+                <a16:creationId xmlns:a16="http://schemas.microsoft.com/office/drawing/2014/main" id="{93DDC92E-97A3-7E42-8BE0-75441F85575C}"/>
+              </a:ext>
+            </a:extLst>
+          </p:cNvPr>
+          <p:cNvCxnSpPr>
+            <a:stCxn id="6" idx="3"/>
+            <a:endCxn id="13" idx="3"/>
+          </p:cNvCxnSpPr>
+          <p:nvPr/>
+        </p:nvCxnSpPr>
+        <p:spPr>
+          <a:xfrm>
+            <a:off x="8533315" y="844235"/>
+            <a:ext cx="941215" cy="185"/>
+          </a:xfrm>
+          <a:prstGeom prst="straightConnector1">
+            <a:avLst/>
+          </a:prstGeom>
+          <a:ln>
+            <a:tailEnd type="triangle"/>
+          </a:ln>
+        </p:spPr>
+        <p:style>
+          <a:lnRef idx="1">
+            <a:schemeClr val="accent1"/>
+          </a:lnRef>
+          <a:fillRef idx="0">
+            <a:schemeClr val="accent1"/>
+          </a:fillRef>
+          <a:effectRef idx="0">
+            <a:schemeClr val="accent1"/>
+          </a:effectRef>
+          <a:fontRef idx="minor">
+            <a:schemeClr val="tx1"/>
+          </a:fontRef>
+        </p:style>
+      </p:cxnSp>
+      <p:sp>
+        <p:nvSpPr>
+          <p:cNvPr id="16" name="TextBox 15">
+            <a:extLst>
+              <a:ext uri="{FF2B5EF4-FFF2-40B4-BE49-F238E27FC236}">
+                <a16:creationId xmlns:a16="http://schemas.microsoft.com/office/drawing/2014/main" id="{E60BD7C1-E993-A045-8497-7BCF14139F75}"/>
+              </a:ext>
+            </a:extLst>
+          </p:cNvPr>
+          <p:cNvSpPr txBox="1"/>
+          <p:nvPr/>
+        </p:nvSpPr>
+        <p:spPr>
+          <a:xfrm>
+            <a:off x="8576075" y="62577"/>
+            <a:ext cx="1234314" cy="830997"/>
+          </a:xfrm>
+          <a:prstGeom prst="rect">
+            <a:avLst/>
+          </a:prstGeom>
+          <a:noFill/>
+        </p:spPr>
+        <p:txBody>
+          <a:bodyPr wrap="square" rtlCol="0">
+            <a:spAutoFit/>
+          </a:bodyPr>
+          <a:lstStyle/>
+          <a:p>
+            <a:r>
+              <a:rPr lang="en-US" sz="1200" dirty="0"/>
+              <a:t>User selects if they are a caregiver or patient </a:t>
+            </a:r>
+          </a:p>
+        </p:txBody>
+      </p:sp>
+      <p:pic>
+        <p:nvPicPr>
+          <p:cNvPr id="22" name="Picture 21">
+            <a:extLst>
+              <a:ext uri="{FF2B5EF4-FFF2-40B4-BE49-F238E27FC236}">
+                <a16:creationId xmlns:a16="http://schemas.microsoft.com/office/drawing/2014/main" id="{AE88762F-D061-9445-B5E2-5ACBE8B001E0}"/>
               </a:ext>
             </a:extLst>
           </p:cNvPr>
@@ -3414,8 +3682,8 @@
         </p:blipFill>
         <p:spPr>
           <a:xfrm>
-            <a:off x="7776077" y="489186"/>
-            <a:ext cx="757238" cy="1346200"/>
+            <a:off x="11041339" y="171135"/>
+            <a:ext cx="757238" cy="1346201"/>
           </a:xfrm>
           <a:prstGeom prst="rect">
             <a:avLst/>
@@ -3424,23 +3692,23 @@
       </p:pic>
       <p:cxnSp>
         <p:nvCxnSpPr>
-          <p:cNvPr id="8" name="Straight Arrow Connector 7">
-            <a:extLst>
-              <a:ext uri="{FF2B5EF4-FFF2-40B4-BE49-F238E27FC236}">
-                <a16:creationId xmlns:a16="http://schemas.microsoft.com/office/drawing/2014/main" id="{A4F120AB-2141-7245-A94B-FE99FAD10117}"/>
+          <p:cNvPr id="25" name="Straight Arrow Connector 24">
+            <a:extLst>
+              <a:ext uri="{FF2B5EF4-FFF2-40B4-BE49-F238E27FC236}">
+                <a16:creationId xmlns:a16="http://schemas.microsoft.com/office/drawing/2014/main" id="{366441EC-8DD7-9142-9D95-62F6ED07EF1B}"/>
               </a:ext>
             </a:extLst>
           </p:cNvPr>
           <p:cNvCxnSpPr>
-            <a:cxnSpLocks/>
-            <a:endCxn id="6" idx="1"/>
+            <a:stCxn id="13" idx="1"/>
+            <a:endCxn id="22" idx="1"/>
           </p:cNvCxnSpPr>
           <p:nvPr/>
         </p:nvCxnSpPr>
         <p:spPr>
-          <a:xfrm>
-            <a:off x="6358922" y="885287"/>
-            <a:ext cx="1417155" cy="276999"/>
+          <a:xfrm flipV="1">
+            <a:off x="10231768" y="844236"/>
+            <a:ext cx="809571" cy="184"/>
           </a:xfrm>
           <a:prstGeom prst="straightConnector1">
             <a:avLst/>
@@ -3466,10 +3734,10 @@
       </p:cxnSp>
       <p:sp>
         <p:nvSpPr>
-          <p:cNvPr id="11" name="TextBox 10">
-            <a:extLst>
-              <a:ext uri="{FF2B5EF4-FFF2-40B4-BE49-F238E27FC236}">
-                <a16:creationId xmlns:a16="http://schemas.microsoft.com/office/drawing/2014/main" id="{E39487BD-0FEC-D248-86B1-6BD8787D8BD3}"/>
+          <p:cNvPr id="26" name="TextBox 25">
+            <a:extLst>
+              <a:ext uri="{FF2B5EF4-FFF2-40B4-BE49-F238E27FC236}">
+                <a16:creationId xmlns:a16="http://schemas.microsoft.com/office/drawing/2014/main" id="{2BBFF466-35CB-4449-BBCF-527FDB7CB063}"/>
               </a:ext>
             </a:extLst>
           </p:cNvPr>
@@ -3478,8 +3746,8 @@
         </p:nvSpPr>
         <p:spPr>
           <a:xfrm>
-            <a:off x="6358922" y="1162286"/>
-            <a:ext cx="1577009" cy="276999"/>
+            <a:off x="10326861" y="394423"/>
+            <a:ext cx="757238" cy="461665"/>
           </a:xfrm>
           <a:prstGeom prst="rect">
             <a:avLst/>
@@ -3494,60 +3762,29 @@
           <a:p>
             <a:r>
               <a:rPr lang="en-US" sz="1200" dirty="0"/>
-              <a:t>User selects sign up</a:t>
-            </a:r>
-          </a:p>
-        </p:txBody>
-      </p:sp>
-      <p:pic>
-        <p:nvPicPr>
-          <p:cNvPr id="13" name="Picture 12" descr="A screen shot of a computer&#10;&#10;Description automatically generated">
-            <a:extLst>
-              <a:ext uri="{FF2B5EF4-FFF2-40B4-BE49-F238E27FC236}">
-                <a16:creationId xmlns:a16="http://schemas.microsoft.com/office/drawing/2014/main" id="{C2355CC2-8C8D-0749-83C0-5BB977DD2CD9}"/>
-              </a:ext>
-            </a:extLst>
-          </p:cNvPr>
-          <p:cNvPicPr>
-            <a:picLocks noChangeAspect="1"/>
-          </p:cNvPicPr>
-          <p:nvPr/>
-        </p:nvPicPr>
-        <p:blipFill>
-          <a:blip r:embed="rId3"/>
-          <a:stretch>
-            <a:fillRect/>
-          </a:stretch>
-        </p:blipFill>
-        <p:spPr>
-          <a:xfrm flipH="1">
-            <a:off x="9526863" y="576248"/>
-            <a:ext cx="757238" cy="1346200"/>
-          </a:xfrm>
-          <a:prstGeom prst="rect">
-            <a:avLst/>
-          </a:prstGeom>
-        </p:spPr>
-      </p:pic>
+              <a:t>Enters user ID</a:t>
+            </a:r>
+          </a:p>
+        </p:txBody>
+      </p:sp>
       <p:cxnSp>
         <p:nvCxnSpPr>
-          <p:cNvPr id="15" name="Straight Arrow Connector 14">
-            <a:extLst>
-              <a:ext uri="{FF2B5EF4-FFF2-40B4-BE49-F238E27FC236}">
-                <a16:creationId xmlns:a16="http://schemas.microsoft.com/office/drawing/2014/main" id="{93DDC92E-97A3-7E42-8BE0-75441F85575C}"/>
+          <p:cNvPr id="28" name="Straight Arrow Connector 27">
+            <a:extLst>
+              <a:ext uri="{FF2B5EF4-FFF2-40B4-BE49-F238E27FC236}">
+                <a16:creationId xmlns:a16="http://schemas.microsoft.com/office/drawing/2014/main" id="{DA8FB69E-592E-774A-B677-D586FA065425}"/>
               </a:ext>
             </a:extLst>
           </p:cNvPr>
           <p:cNvCxnSpPr>
-            <a:stCxn id="6" idx="3"/>
-            <a:endCxn id="13" idx="3"/>
+            <a:cxnSpLocks/>
           </p:cNvCxnSpPr>
           <p:nvPr/>
         </p:nvCxnSpPr>
         <p:spPr>
           <a:xfrm>
-            <a:off x="8533315" y="1162286"/>
-            <a:ext cx="993548" cy="87062"/>
+            <a:off x="5923722" y="1288591"/>
+            <a:ext cx="0" cy="546795"/>
           </a:xfrm>
           <a:prstGeom prst="straightConnector1">
             <a:avLst/>
@@ -3573,10 +3810,10 @@
       </p:cxnSp>
       <p:sp>
         <p:nvSpPr>
-          <p:cNvPr id="16" name="TextBox 15">
-            <a:extLst>
-              <a:ext uri="{FF2B5EF4-FFF2-40B4-BE49-F238E27FC236}">
-                <a16:creationId xmlns:a16="http://schemas.microsoft.com/office/drawing/2014/main" id="{E60BD7C1-E993-A045-8497-7BCF14139F75}"/>
+          <p:cNvPr id="32" name="TextBox 31">
+            <a:extLst>
+              <a:ext uri="{FF2B5EF4-FFF2-40B4-BE49-F238E27FC236}">
+                <a16:creationId xmlns:a16="http://schemas.microsoft.com/office/drawing/2014/main" id="{3E504255-22F1-1245-BC1D-B8D3E150BDC1}"/>
               </a:ext>
             </a:extLst>
           </p:cNvPr>
@@ -3585,8 +3822,8 @@
         </p:nvSpPr>
         <p:spPr>
           <a:xfrm>
-            <a:off x="8576075" y="372335"/>
-            <a:ext cx="1234314" cy="830997"/>
+            <a:off x="5923722" y="1446977"/>
+            <a:ext cx="1577009" cy="646331"/>
           </a:xfrm>
           <a:prstGeom prst="rect">
             <a:avLst/>
@@ -3601,17 +3838,93 @@
           <a:p>
             <a:r>
               <a:rPr lang="en-US" sz="1200" dirty="0"/>
-              <a:t>User selects if they are a caregiver or patient </a:t>
+              <a:t>User is a patient and now logged in and sees problems </a:t>
+            </a:r>
+          </a:p>
+        </p:txBody>
+      </p:sp>
+      <p:cxnSp>
+        <p:nvCxnSpPr>
+          <p:cNvPr id="38" name="Straight Arrow Connector 37">
+            <a:extLst>
+              <a:ext uri="{FF2B5EF4-FFF2-40B4-BE49-F238E27FC236}">
+                <a16:creationId xmlns:a16="http://schemas.microsoft.com/office/drawing/2014/main" id="{D63EE598-3ED9-8B4C-918F-8DAC9249B13C}"/>
+              </a:ext>
+            </a:extLst>
+          </p:cNvPr>
+          <p:cNvCxnSpPr>
+            <a:cxnSpLocks/>
+          </p:cNvCxnSpPr>
+          <p:nvPr/>
+        </p:nvCxnSpPr>
+        <p:spPr>
+          <a:xfrm>
+            <a:off x="6329287" y="2784385"/>
+            <a:ext cx="1078679" cy="0"/>
+          </a:xfrm>
+          <a:prstGeom prst="straightConnector1">
+            <a:avLst/>
+          </a:prstGeom>
+          <a:ln>
+            <a:tailEnd type="triangle"/>
+          </a:ln>
+        </p:spPr>
+        <p:style>
+          <a:lnRef idx="1">
+            <a:schemeClr val="accent1"/>
+          </a:lnRef>
+          <a:fillRef idx="0">
+            <a:schemeClr val="accent1"/>
+          </a:fillRef>
+          <a:effectRef idx="0">
+            <a:schemeClr val="accent1"/>
+          </a:effectRef>
+          <a:fontRef idx="minor">
+            <a:schemeClr val="tx1"/>
+          </a:fontRef>
+        </p:style>
+      </p:cxnSp>
+      <p:sp>
+        <p:nvSpPr>
+          <p:cNvPr id="39" name="TextBox 38">
+            <a:extLst>
+              <a:ext uri="{FF2B5EF4-FFF2-40B4-BE49-F238E27FC236}">
+                <a16:creationId xmlns:a16="http://schemas.microsoft.com/office/drawing/2014/main" id="{E43401FB-374A-7A40-8DE9-53E18505EFF0}"/>
+              </a:ext>
+            </a:extLst>
+          </p:cNvPr>
+          <p:cNvSpPr txBox="1"/>
+          <p:nvPr/>
+        </p:nvSpPr>
+        <p:spPr>
+          <a:xfrm>
+            <a:off x="6254846" y="2807181"/>
+            <a:ext cx="1245886" cy="646331"/>
+          </a:xfrm>
+          <a:prstGeom prst="rect">
+            <a:avLst/>
+          </a:prstGeom>
+          <a:noFill/>
+        </p:spPr>
+        <p:txBody>
+          <a:bodyPr wrap="square" rtlCol="0">
+            <a:spAutoFit/>
+          </a:bodyPr>
+          <a:lstStyle/>
+          <a:p>
+            <a:r>
+              <a:rPr lang="en-US" sz="1200" dirty="0"/>
+              <a:t>User can  select a problem to see more details </a:t>
             </a:r>
           </a:p>
         </p:txBody>
       </p:sp>
       <p:pic>
         <p:nvPicPr>
-          <p:cNvPr id="22" name="Picture 21">
-            <a:extLst>
-              <a:ext uri="{FF2B5EF4-FFF2-40B4-BE49-F238E27FC236}">
-                <a16:creationId xmlns:a16="http://schemas.microsoft.com/office/drawing/2014/main" id="{AE88762F-D061-9445-B5E2-5ACBE8B001E0}"/>
+          <p:cNvPr id="41" name="Picture 40" descr="A screenshot of a cell phone&#10;&#10;Description automatically generated">
+            <a:extLst>
+              <a:ext uri="{FF2B5EF4-FFF2-40B4-BE49-F238E27FC236}">
+                <a16:creationId xmlns:a16="http://schemas.microsoft.com/office/drawing/2014/main" id="{441FE40B-1A60-0348-B77F-7BB25ADB551D}"/>
               </a:ext>
             </a:extLst>
           </p:cNvPr>
@@ -3628,36 +3941,74 @@
         </p:blipFill>
         <p:spPr>
           <a:xfrm>
-            <a:off x="11041339" y="615490"/>
-            <a:ext cx="757238" cy="1346201"/>
+            <a:off x="8299919" y="2487854"/>
+            <a:ext cx="757350" cy="1346400"/>
           </a:xfrm>
           <a:prstGeom prst="rect">
             <a:avLst/>
           </a:prstGeom>
         </p:spPr>
       </p:pic>
+      <p:sp>
+        <p:nvSpPr>
+          <p:cNvPr id="44" name="TextBox 43">
+            <a:extLst>
+              <a:ext uri="{FF2B5EF4-FFF2-40B4-BE49-F238E27FC236}">
+                <a16:creationId xmlns:a16="http://schemas.microsoft.com/office/drawing/2014/main" id="{7131C3E3-2EFB-EB4B-A90E-D5576BE5403A}"/>
+              </a:ext>
+            </a:extLst>
+          </p:cNvPr>
+          <p:cNvSpPr txBox="1"/>
+          <p:nvPr/>
+        </p:nvSpPr>
+        <p:spPr>
+          <a:xfrm>
+            <a:off x="6162080" y="3576904"/>
+            <a:ext cx="2001886" cy="461665"/>
+          </a:xfrm>
+          <a:prstGeom prst="rect">
+            <a:avLst/>
+          </a:prstGeom>
+          <a:noFill/>
+        </p:spPr>
+        <p:txBody>
+          <a:bodyPr wrap="square" rtlCol="0">
+            <a:spAutoFit/>
+          </a:bodyPr>
+          <a:lstStyle/>
+          <a:p>
+            <a:r>
+              <a:rPr lang="en-US" sz="1200" dirty="0"/>
+              <a:t>User selects + in top right corner to add a new problem</a:t>
+            </a:r>
+          </a:p>
+        </p:txBody>
+      </p:sp>
       <p:cxnSp>
         <p:nvCxnSpPr>
-          <p:cNvPr id="25" name="Straight Arrow Connector 24">
-            <a:extLst>
-              <a:ext uri="{FF2B5EF4-FFF2-40B4-BE49-F238E27FC236}">
-                <a16:creationId xmlns:a16="http://schemas.microsoft.com/office/drawing/2014/main" id="{366441EC-8DD7-9142-9D95-62F6ED07EF1B}"/>
+          <p:cNvPr id="46" name="Elbow Connector 45">
+            <a:extLst>
+              <a:ext uri="{FF2B5EF4-FFF2-40B4-BE49-F238E27FC236}">
+                <a16:creationId xmlns:a16="http://schemas.microsoft.com/office/drawing/2014/main" id="{A82D116A-6D9B-7E43-B23B-0DA15EAF5722}"/>
               </a:ext>
             </a:extLst>
           </p:cNvPr>
           <p:cNvCxnSpPr>
-            <a:stCxn id="13" idx="1"/>
-            <a:endCxn id="22" idx="1"/>
+            <a:cxnSpLocks/>
+            <a:endCxn id="41" idx="2"/>
           </p:cNvCxnSpPr>
           <p:nvPr/>
         </p:nvCxnSpPr>
         <p:spPr>
           <a:xfrm>
-            <a:off x="10284101" y="1249348"/>
-            <a:ext cx="757238" cy="39243"/>
-          </a:xfrm>
-          <a:prstGeom prst="straightConnector1">
-            <a:avLst/>
+            <a:off x="6026117" y="3556272"/>
+            <a:ext cx="2652477" cy="277982"/>
+          </a:xfrm>
+          <a:prstGeom prst="bentConnector4">
+            <a:avLst>
+              <a:gd name="adj1" fmla="val 145"/>
+              <a:gd name="adj2" fmla="val 182236"/>
+            </a:avLst>
           </a:prstGeom>
           <a:ln>
             <a:tailEnd type="triangle"/>
@@ -3680,10 +4031,10 @@
       </p:cxnSp>
       <p:sp>
         <p:nvSpPr>
-          <p:cNvPr id="26" name="TextBox 25">
-            <a:extLst>
-              <a:ext uri="{FF2B5EF4-FFF2-40B4-BE49-F238E27FC236}">
-                <a16:creationId xmlns:a16="http://schemas.microsoft.com/office/drawing/2014/main" id="{2BBFF466-35CB-4449-BBCF-527FDB7CB063}"/>
+          <p:cNvPr id="53" name="TextBox 52">
+            <a:extLst>
+              <a:ext uri="{FF2B5EF4-FFF2-40B4-BE49-F238E27FC236}">
+                <a16:creationId xmlns:a16="http://schemas.microsoft.com/office/drawing/2014/main" id="{7BAF0C10-E375-1344-B05D-EAC60F371F84}"/>
               </a:ext>
             </a:extLst>
           </p:cNvPr>
@@ -3692,304 +4043,7 @@
         </p:nvSpPr>
         <p:spPr>
           <a:xfrm>
-            <a:off x="10284101" y="685726"/>
-            <a:ext cx="757238" cy="461665"/>
-          </a:xfrm>
-          <a:prstGeom prst="rect">
-            <a:avLst/>
-          </a:prstGeom>
-          <a:noFill/>
-        </p:spPr>
-        <p:txBody>
-          <a:bodyPr wrap="square" rtlCol="0">
-            <a:spAutoFit/>
-          </a:bodyPr>
-          <a:lstStyle/>
-          <a:p>
-            <a:r>
-              <a:rPr lang="en-US" sz="1200" dirty="0"/>
-              <a:t>Enters user ID</a:t>
-            </a:r>
-          </a:p>
-        </p:txBody>
-      </p:sp>
-      <p:cxnSp>
-        <p:nvCxnSpPr>
-          <p:cNvPr id="28" name="Straight Arrow Connector 27">
-            <a:extLst>
-              <a:ext uri="{FF2B5EF4-FFF2-40B4-BE49-F238E27FC236}">
-                <a16:creationId xmlns:a16="http://schemas.microsoft.com/office/drawing/2014/main" id="{DA8FB69E-592E-774A-B677-D586FA065425}"/>
-              </a:ext>
-            </a:extLst>
-          </p:cNvPr>
-          <p:cNvCxnSpPr>
-            <a:cxnSpLocks/>
-          </p:cNvCxnSpPr>
-          <p:nvPr/>
-        </p:nvCxnSpPr>
-        <p:spPr>
-          <a:xfrm>
-            <a:off x="5923722" y="1288591"/>
-            <a:ext cx="0" cy="546795"/>
-          </a:xfrm>
-          <a:prstGeom prst="straightConnector1">
-            <a:avLst/>
-          </a:prstGeom>
-          <a:ln>
-            <a:tailEnd type="triangle"/>
-          </a:ln>
-        </p:spPr>
-        <p:style>
-          <a:lnRef idx="1">
-            <a:schemeClr val="accent1"/>
-          </a:lnRef>
-          <a:fillRef idx="0">
-            <a:schemeClr val="accent1"/>
-          </a:fillRef>
-          <a:effectRef idx="0">
-            <a:schemeClr val="accent1"/>
-          </a:effectRef>
-          <a:fontRef idx="minor">
-            <a:schemeClr val="tx1"/>
-          </a:fontRef>
-        </p:style>
-      </p:cxnSp>
-      <p:sp>
-        <p:nvSpPr>
-          <p:cNvPr id="32" name="TextBox 31">
-            <a:extLst>
-              <a:ext uri="{FF2B5EF4-FFF2-40B4-BE49-F238E27FC236}">
-                <a16:creationId xmlns:a16="http://schemas.microsoft.com/office/drawing/2014/main" id="{3E504255-22F1-1245-BC1D-B8D3E150BDC1}"/>
-              </a:ext>
-            </a:extLst>
-          </p:cNvPr>
-          <p:cNvSpPr txBox="1"/>
-          <p:nvPr/>
-        </p:nvSpPr>
-        <p:spPr>
-          <a:xfrm>
-            <a:off x="5923722" y="1446977"/>
-            <a:ext cx="1577009" cy="646331"/>
-          </a:xfrm>
-          <a:prstGeom prst="rect">
-            <a:avLst/>
-          </a:prstGeom>
-          <a:noFill/>
-        </p:spPr>
-        <p:txBody>
-          <a:bodyPr wrap="square" rtlCol="0">
-            <a:spAutoFit/>
-          </a:bodyPr>
-          <a:lstStyle/>
-          <a:p>
-            <a:r>
-              <a:rPr lang="en-US" sz="1200" dirty="0"/>
-              <a:t>User is a patient and now logged in and sees problems </a:t>
-            </a:r>
-          </a:p>
-        </p:txBody>
-      </p:sp>
-      <p:cxnSp>
-        <p:nvCxnSpPr>
-          <p:cNvPr id="38" name="Straight Arrow Connector 37">
-            <a:extLst>
-              <a:ext uri="{FF2B5EF4-FFF2-40B4-BE49-F238E27FC236}">
-                <a16:creationId xmlns:a16="http://schemas.microsoft.com/office/drawing/2014/main" id="{D63EE598-3ED9-8B4C-918F-8DAC9249B13C}"/>
-              </a:ext>
-            </a:extLst>
-          </p:cNvPr>
-          <p:cNvCxnSpPr>
-            <a:cxnSpLocks/>
-          </p:cNvCxnSpPr>
-          <p:nvPr/>
-        </p:nvCxnSpPr>
-        <p:spPr>
-          <a:xfrm>
-            <a:off x="6329287" y="2784385"/>
-            <a:ext cx="1078679" cy="0"/>
-          </a:xfrm>
-          <a:prstGeom prst="straightConnector1">
-            <a:avLst/>
-          </a:prstGeom>
-          <a:ln>
-            <a:tailEnd type="triangle"/>
-          </a:ln>
-        </p:spPr>
-        <p:style>
-          <a:lnRef idx="1">
-            <a:schemeClr val="accent1"/>
-          </a:lnRef>
-          <a:fillRef idx="0">
-            <a:schemeClr val="accent1"/>
-          </a:fillRef>
-          <a:effectRef idx="0">
-            <a:schemeClr val="accent1"/>
-          </a:effectRef>
-          <a:fontRef idx="minor">
-            <a:schemeClr val="tx1"/>
-          </a:fontRef>
-        </p:style>
-      </p:cxnSp>
-      <p:sp>
-        <p:nvSpPr>
-          <p:cNvPr id="39" name="TextBox 38">
-            <a:extLst>
-              <a:ext uri="{FF2B5EF4-FFF2-40B4-BE49-F238E27FC236}">
-                <a16:creationId xmlns:a16="http://schemas.microsoft.com/office/drawing/2014/main" id="{E43401FB-374A-7A40-8DE9-53E18505EFF0}"/>
-              </a:ext>
-            </a:extLst>
-          </p:cNvPr>
-          <p:cNvSpPr txBox="1"/>
-          <p:nvPr/>
-        </p:nvSpPr>
-        <p:spPr>
-          <a:xfrm>
-            <a:off x="6254846" y="2807181"/>
-            <a:ext cx="1245886" cy="646331"/>
-          </a:xfrm>
-          <a:prstGeom prst="rect">
-            <a:avLst/>
-          </a:prstGeom>
-          <a:noFill/>
-        </p:spPr>
-        <p:txBody>
-          <a:bodyPr wrap="square" rtlCol="0">
-            <a:spAutoFit/>
-          </a:bodyPr>
-          <a:lstStyle/>
-          <a:p>
-            <a:r>
-              <a:rPr lang="en-US" sz="1200" dirty="0"/>
-              <a:t>User can  select a problem to see more details </a:t>
-            </a:r>
-          </a:p>
-        </p:txBody>
-      </p:sp>
-      <p:pic>
-        <p:nvPicPr>
-          <p:cNvPr id="41" name="Picture 40" descr="A screenshot of a cell phone&#10;&#10;Description automatically generated">
-            <a:extLst>
-              <a:ext uri="{FF2B5EF4-FFF2-40B4-BE49-F238E27FC236}">
-                <a16:creationId xmlns:a16="http://schemas.microsoft.com/office/drawing/2014/main" id="{441FE40B-1A60-0348-B77F-7BB25ADB551D}"/>
-              </a:ext>
-            </a:extLst>
-          </p:cNvPr>
-          <p:cNvPicPr>
-            <a:picLocks noChangeAspect="1"/>
-          </p:cNvPicPr>
-          <p:nvPr/>
-        </p:nvPicPr>
-        <p:blipFill>
-          <a:blip r:embed="rId5"/>
-          <a:stretch>
-            <a:fillRect/>
-          </a:stretch>
-        </p:blipFill>
-        <p:spPr>
-          <a:xfrm>
-            <a:off x="8435882" y="2508486"/>
-            <a:ext cx="757350" cy="1346400"/>
-          </a:xfrm>
-          <a:prstGeom prst="rect">
-            <a:avLst/>
-          </a:prstGeom>
-        </p:spPr>
-      </p:pic>
-      <p:sp>
-        <p:nvSpPr>
-          <p:cNvPr id="44" name="TextBox 43">
-            <a:extLst>
-              <a:ext uri="{FF2B5EF4-FFF2-40B4-BE49-F238E27FC236}">
-                <a16:creationId xmlns:a16="http://schemas.microsoft.com/office/drawing/2014/main" id="{7131C3E3-2EFB-EB4B-A90E-D5576BE5403A}"/>
-              </a:ext>
-            </a:extLst>
-          </p:cNvPr>
-          <p:cNvSpPr txBox="1"/>
-          <p:nvPr/>
-        </p:nvSpPr>
-        <p:spPr>
-          <a:xfrm>
-            <a:off x="6162080" y="3576904"/>
-            <a:ext cx="2001886" cy="461665"/>
-          </a:xfrm>
-          <a:prstGeom prst="rect">
-            <a:avLst/>
-          </a:prstGeom>
-          <a:noFill/>
-        </p:spPr>
-        <p:txBody>
-          <a:bodyPr wrap="square" rtlCol="0">
-            <a:spAutoFit/>
-          </a:bodyPr>
-          <a:lstStyle/>
-          <a:p>
-            <a:r>
-              <a:rPr lang="en-US" sz="1200" dirty="0"/>
-              <a:t>User selects + in top right corner to add a new problem</a:t>
-            </a:r>
-          </a:p>
-        </p:txBody>
-      </p:sp>
-      <p:cxnSp>
-        <p:nvCxnSpPr>
-          <p:cNvPr id="46" name="Elbow Connector 45">
-            <a:extLst>
-              <a:ext uri="{FF2B5EF4-FFF2-40B4-BE49-F238E27FC236}">
-                <a16:creationId xmlns:a16="http://schemas.microsoft.com/office/drawing/2014/main" id="{A82D116A-6D9B-7E43-B23B-0DA15EAF5722}"/>
-              </a:ext>
-            </a:extLst>
-          </p:cNvPr>
-          <p:cNvCxnSpPr>
-            <a:cxnSpLocks/>
-            <a:endCxn id="41" idx="2"/>
-          </p:cNvCxnSpPr>
-          <p:nvPr/>
-        </p:nvCxnSpPr>
-        <p:spPr>
-          <a:xfrm>
-            <a:off x="6162080" y="3576904"/>
-            <a:ext cx="2652477" cy="277982"/>
-          </a:xfrm>
-          <a:prstGeom prst="bentConnector4">
-            <a:avLst>
-              <a:gd name="adj1" fmla="val 145"/>
-              <a:gd name="adj2" fmla="val 182236"/>
-            </a:avLst>
-          </a:prstGeom>
-          <a:ln>
-            <a:tailEnd type="triangle"/>
-          </a:ln>
-        </p:spPr>
-        <p:style>
-          <a:lnRef idx="1">
-            <a:schemeClr val="accent1"/>
-          </a:lnRef>
-          <a:fillRef idx="0">
-            <a:schemeClr val="accent1"/>
-          </a:fillRef>
-          <a:effectRef idx="0">
-            <a:schemeClr val="accent1"/>
-          </a:effectRef>
-          <a:fontRef idx="minor">
-            <a:schemeClr val="tx1"/>
-          </a:fontRef>
-        </p:style>
-      </p:cxnSp>
-      <p:sp>
-        <p:nvSpPr>
-          <p:cNvPr id="53" name="TextBox 52">
-            <a:extLst>
-              <a:ext uri="{FF2B5EF4-FFF2-40B4-BE49-F238E27FC236}">
-                <a16:creationId xmlns:a16="http://schemas.microsoft.com/office/drawing/2014/main" id="{7BAF0C10-E375-1344-B05D-EAC60F371F84}"/>
-              </a:ext>
-            </a:extLst>
-          </p:cNvPr>
-          <p:cNvSpPr txBox="1"/>
-          <p:nvPr/>
-        </p:nvSpPr>
-        <p:spPr>
-          <a:xfrm>
-            <a:off x="6089284" y="4147463"/>
+            <a:off x="6060181" y="4227458"/>
             <a:ext cx="2875812" cy="276999"/>
           </a:xfrm>
           <a:prstGeom prst="rect">
@@ -4068,6 +4122,36 @@
           <p:nvPr/>
         </p:nvPicPr>
         <p:blipFill>
+          <a:blip r:embed="rId5"/>
+          <a:stretch>
+            <a:fillRect/>
+          </a:stretch>
+        </p:blipFill>
+        <p:spPr>
+          <a:xfrm>
+            <a:off x="5529469" y="2055241"/>
+            <a:ext cx="756000" cy="1344000"/>
+          </a:xfrm>
+          <a:prstGeom prst="rect">
+            <a:avLst/>
+          </a:prstGeom>
+        </p:spPr>
+      </p:pic>
+      <p:pic>
+        <p:nvPicPr>
+          <p:cNvPr id="75" name="Picture 74" descr="A screenshot of a cell phone&#10;&#10;Description automatically generated">
+            <a:extLst>
+              <a:ext uri="{FF2B5EF4-FFF2-40B4-BE49-F238E27FC236}">
+                <a16:creationId xmlns:a16="http://schemas.microsoft.com/office/drawing/2014/main" id="{8F5E72E0-C97E-3243-A9A2-ECDFE65BA5B3}"/>
+              </a:ext>
+            </a:extLst>
+          </p:cNvPr>
+          <p:cNvPicPr>
+            <a:picLocks noChangeAspect="1"/>
+          </p:cNvPicPr>
+          <p:nvPr/>
+        </p:nvPicPr>
+        <p:blipFill>
           <a:blip r:embed="rId6"/>
           <a:stretch>
             <a:fillRect/>
@@ -4075,7 +4159,7 @@
         </p:blipFill>
         <p:spPr>
           <a:xfrm>
-            <a:off x="5529469" y="2055241"/>
+            <a:off x="7478775" y="2066849"/>
             <a:ext cx="756000" cy="1344000"/>
           </a:xfrm>
           <a:prstGeom prst="rect">
@@ -4083,12 +4167,88 @@
           </a:prstGeom>
         </p:spPr>
       </p:pic>
+      <p:cxnSp>
+        <p:nvCxnSpPr>
+          <p:cNvPr id="79" name="Straight Arrow Connector 78">
+            <a:extLst>
+              <a:ext uri="{FF2B5EF4-FFF2-40B4-BE49-F238E27FC236}">
+                <a16:creationId xmlns:a16="http://schemas.microsoft.com/office/drawing/2014/main" id="{F1E8DC26-07D9-B348-A624-B8D9255B2CE8}"/>
+              </a:ext>
+            </a:extLst>
+          </p:cNvPr>
+          <p:cNvCxnSpPr>
+            <a:cxnSpLocks/>
+          </p:cNvCxnSpPr>
+          <p:nvPr/>
+        </p:nvCxnSpPr>
+        <p:spPr>
+          <a:xfrm>
+            <a:off x="5764696" y="3460187"/>
+            <a:ext cx="0" cy="1875406"/>
+          </a:xfrm>
+          <a:prstGeom prst="straightConnector1">
+            <a:avLst/>
+          </a:prstGeom>
+          <a:ln>
+            <a:tailEnd type="triangle"/>
+          </a:ln>
+        </p:spPr>
+        <p:style>
+          <a:lnRef idx="1">
+            <a:schemeClr val="accent1"/>
+          </a:lnRef>
+          <a:fillRef idx="0">
+            <a:schemeClr val="accent1"/>
+          </a:fillRef>
+          <a:effectRef idx="0">
+            <a:schemeClr val="accent1"/>
+          </a:effectRef>
+          <a:fontRef idx="minor">
+            <a:schemeClr val="tx1"/>
+          </a:fontRef>
+        </p:style>
+      </p:cxnSp>
+      <p:sp>
+        <p:nvSpPr>
+          <p:cNvPr id="80" name="TextBox 79">
+            <a:extLst>
+              <a:ext uri="{FF2B5EF4-FFF2-40B4-BE49-F238E27FC236}">
+                <a16:creationId xmlns:a16="http://schemas.microsoft.com/office/drawing/2014/main" id="{DE0DCF64-8FB1-CA45-8F82-1AD13394A2E7}"/>
+              </a:ext>
+            </a:extLst>
+          </p:cNvPr>
+          <p:cNvSpPr txBox="1"/>
+          <p:nvPr/>
+        </p:nvSpPr>
+        <p:spPr>
+          <a:xfrm>
+            <a:off x="5830957" y="4689262"/>
+            <a:ext cx="1577009" cy="646331"/>
+          </a:xfrm>
+          <a:prstGeom prst="rect">
+            <a:avLst/>
+          </a:prstGeom>
+          <a:noFill/>
+        </p:spPr>
+        <p:txBody>
+          <a:bodyPr wrap="square" rtlCol="0">
+            <a:spAutoFit/>
+          </a:bodyPr>
+          <a:lstStyle/>
+          <a:p>
+            <a:r>
+              <a:rPr lang="en-US" sz="1200" dirty="0"/>
+              <a:t>User selects + on bottom menu to add a new record </a:t>
+            </a:r>
+          </a:p>
+        </p:txBody>
+      </p:sp>
       <p:pic>
         <p:nvPicPr>
-          <p:cNvPr id="75" name="Picture 74" descr="A screenshot of a cell phone&#10;&#10;Description automatically generated">
-            <a:extLst>
-              <a:ext uri="{FF2B5EF4-FFF2-40B4-BE49-F238E27FC236}">
-                <a16:creationId xmlns:a16="http://schemas.microsoft.com/office/drawing/2014/main" id="{8F5E72E0-C97E-3243-A9A2-ECDFE65BA5B3}"/>
+          <p:cNvPr id="83" name="Picture 82" descr="A screenshot of a cell phone&#10;&#10;Description automatically generated">
+            <a:extLst>
+              <a:ext uri="{FF2B5EF4-FFF2-40B4-BE49-F238E27FC236}">
+                <a16:creationId xmlns:a16="http://schemas.microsoft.com/office/drawing/2014/main" id="{55E4E676-E17C-2748-836C-69936041931F}"/>
               </a:ext>
             </a:extLst>
           </p:cNvPr>
@@ -4105,8 +4265,8 @@
         </p:blipFill>
         <p:spPr>
           <a:xfrm>
-            <a:off x="7481419" y="2080734"/>
-            <a:ext cx="756000" cy="1344000"/>
+            <a:off x="5404730" y="5434567"/>
+            <a:ext cx="757350" cy="1346400"/>
           </a:xfrm>
           <a:prstGeom prst="rect">
             <a:avLst/>
@@ -4115,10 +4275,10 @@
       </p:pic>
       <p:cxnSp>
         <p:nvCxnSpPr>
-          <p:cNvPr id="79" name="Straight Arrow Connector 78">
-            <a:extLst>
-              <a:ext uri="{FF2B5EF4-FFF2-40B4-BE49-F238E27FC236}">
-                <a16:creationId xmlns:a16="http://schemas.microsoft.com/office/drawing/2014/main" id="{F1E8DC26-07D9-B348-A624-B8D9255B2CE8}"/>
+          <p:cNvPr id="96" name="Straight Arrow Connector 95">
+            <a:extLst>
+              <a:ext uri="{FF2B5EF4-FFF2-40B4-BE49-F238E27FC236}">
+                <a16:creationId xmlns:a16="http://schemas.microsoft.com/office/drawing/2014/main" id="{63D75926-5165-954B-B71E-A7A4884E86B1}"/>
               </a:ext>
             </a:extLst>
           </p:cNvPr>
@@ -4129,13 +4289,14 @@
         </p:nvCxnSpPr>
         <p:spPr>
           <a:xfrm>
-            <a:off x="5764696" y="3460187"/>
-            <a:ext cx="0" cy="1875406"/>
+            <a:off x="6254846" y="6127644"/>
+            <a:ext cx="641170" cy="9141"/>
           </a:xfrm>
           <a:prstGeom prst="straightConnector1">
             <a:avLst/>
           </a:prstGeom>
           <a:ln>
+            <a:headEnd type="triangle"/>
             <a:tailEnd type="triangle"/>
           </a:ln>
         </p:spPr>
@@ -4156,10 +4317,10 @@
       </p:cxnSp>
       <p:sp>
         <p:nvSpPr>
-          <p:cNvPr id="80" name="TextBox 79">
-            <a:extLst>
-              <a:ext uri="{FF2B5EF4-FFF2-40B4-BE49-F238E27FC236}">
-                <a16:creationId xmlns:a16="http://schemas.microsoft.com/office/drawing/2014/main" id="{DE0DCF64-8FB1-CA45-8F82-1AD13394A2E7}"/>
+          <p:cNvPr id="102" name="TextBox 101">
+            <a:extLst>
+              <a:ext uri="{FF2B5EF4-FFF2-40B4-BE49-F238E27FC236}">
+                <a16:creationId xmlns:a16="http://schemas.microsoft.com/office/drawing/2014/main" id="{22FF196C-876B-5348-97D7-AABEF684A4D9}"/>
               </a:ext>
             </a:extLst>
           </p:cNvPr>
@@ -4168,8 +4329,8 @@
         </p:nvSpPr>
         <p:spPr>
           <a:xfrm>
-            <a:off x="5830957" y="4689262"/>
-            <a:ext cx="1577009" cy="646331"/>
+            <a:off x="9403303" y="1523091"/>
+            <a:ext cx="1577009" cy="830997"/>
           </a:xfrm>
           <a:prstGeom prst="rect">
             <a:avLst/>
@@ -4184,17 +4345,17 @@
           <a:p>
             <a:r>
               <a:rPr lang="en-US" sz="1200" dirty="0"/>
-              <a:t>User selects + on bottom menu to add a new record </a:t>
+              <a:t>User selects the camera icon to launch the camera to add a photo to a record </a:t>
             </a:r>
           </a:p>
         </p:txBody>
       </p:sp>
       <p:pic>
         <p:nvPicPr>
-          <p:cNvPr id="83" name="Picture 82" descr="A screenshot of a cell phone&#10;&#10;Description automatically generated">
-            <a:extLst>
-              <a:ext uri="{FF2B5EF4-FFF2-40B4-BE49-F238E27FC236}">
-                <a16:creationId xmlns:a16="http://schemas.microsoft.com/office/drawing/2014/main" id="{55E4E676-E17C-2748-836C-69936041931F}"/>
+          <p:cNvPr id="104" name="Picture 103" descr="A picture containing text&#10;&#10;Description automatically generated">
+            <a:extLst>
+              <a:ext uri="{FF2B5EF4-FFF2-40B4-BE49-F238E27FC236}">
+                <a16:creationId xmlns:a16="http://schemas.microsoft.com/office/drawing/2014/main" id="{24DAA6CF-57ED-594F-B00A-74A36D3ECE86}"/>
               </a:ext>
             </a:extLst>
           </p:cNvPr>
@@ -4211,70 +4372,38 @@
         </p:blipFill>
         <p:spPr>
           <a:xfrm>
-            <a:off x="5404730" y="5434567"/>
-            <a:ext cx="757350" cy="1346400"/>
+            <a:off x="8916979" y="4134587"/>
+            <a:ext cx="756000" cy="1344000"/>
           </a:xfrm>
           <a:prstGeom prst="rect">
             <a:avLst/>
           </a:prstGeom>
         </p:spPr>
       </p:pic>
-      <p:sp>
-        <p:nvSpPr>
-          <p:cNvPr id="86" name="TextBox 85">
-            <a:extLst>
-              <a:ext uri="{FF2B5EF4-FFF2-40B4-BE49-F238E27FC236}">
-                <a16:creationId xmlns:a16="http://schemas.microsoft.com/office/drawing/2014/main" id="{1181A54E-FF81-2346-AB0A-A06AAA965003}"/>
-              </a:ext>
-            </a:extLst>
-          </p:cNvPr>
-          <p:cNvSpPr txBox="1"/>
-          <p:nvPr/>
-        </p:nvSpPr>
-        <p:spPr>
-          <a:xfrm>
-            <a:off x="7903856" y="5599935"/>
-            <a:ext cx="1344437" cy="1015663"/>
-          </a:xfrm>
-          <a:prstGeom prst="rect">
-            <a:avLst/>
-          </a:prstGeom>
-          <a:noFill/>
-        </p:spPr>
-        <p:txBody>
-          <a:bodyPr wrap="square" rtlCol="0">
-            <a:spAutoFit/>
-          </a:bodyPr>
-          <a:lstStyle/>
-          <a:p>
-            <a:r>
-              <a:rPr lang="en-US" sz="1200" dirty="0"/>
-              <a:t>User selects ‘problem name’ to select the problem to  add record to  </a:t>
-            </a:r>
-          </a:p>
-        </p:txBody>
-      </p:sp>
       <p:cxnSp>
         <p:nvCxnSpPr>
-          <p:cNvPr id="96" name="Straight Arrow Connector 95">
-            <a:extLst>
-              <a:ext uri="{FF2B5EF4-FFF2-40B4-BE49-F238E27FC236}">
-                <a16:creationId xmlns:a16="http://schemas.microsoft.com/office/drawing/2014/main" id="{63D75926-5165-954B-B71E-A7A4884E86B1}"/>
+          <p:cNvPr id="106" name="Elbow Connector 105">
+            <a:extLst>
+              <a:ext uri="{FF2B5EF4-FFF2-40B4-BE49-F238E27FC236}">
+                <a16:creationId xmlns:a16="http://schemas.microsoft.com/office/drawing/2014/main" id="{85BA0537-090F-2741-A755-D2573E77C359}"/>
               </a:ext>
             </a:extLst>
           </p:cNvPr>
           <p:cNvCxnSpPr>
             <a:cxnSpLocks/>
+            <a:endCxn id="104" idx="1"/>
           </p:cNvCxnSpPr>
           <p:nvPr/>
         </p:nvCxnSpPr>
         <p:spPr>
-          <a:xfrm>
-            <a:off x="6254846" y="6127644"/>
-            <a:ext cx="812653" cy="9142"/>
-          </a:xfrm>
-          <a:prstGeom prst="straightConnector1">
-            <a:avLst/>
+          <a:xfrm flipV="1">
+            <a:off x="6242085" y="4806587"/>
+            <a:ext cx="2674894" cy="770738"/>
+          </a:xfrm>
+          <a:prstGeom prst="bentConnector3">
+            <a:avLst>
+              <a:gd name="adj1" fmla="val 50000"/>
+            </a:avLst>
           </a:prstGeom>
           <a:ln>
             <a:headEnd type="triangle"/>
@@ -4296,27 +4425,66 @@
           </a:fontRef>
         </p:style>
       </p:cxnSp>
+      <p:sp>
+        <p:nvSpPr>
+          <p:cNvPr id="107" name="TextBox 106">
+            <a:extLst>
+              <a:ext uri="{FF2B5EF4-FFF2-40B4-BE49-F238E27FC236}">
+                <a16:creationId xmlns:a16="http://schemas.microsoft.com/office/drawing/2014/main" id="{CA3F3184-5E81-CD45-A938-D228ECE6F273}"/>
+              </a:ext>
+            </a:extLst>
+          </p:cNvPr>
+          <p:cNvSpPr txBox="1"/>
+          <p:nvPr/>
+        </p:nvSpPr>
+        <p:spPr>
+          <a:xfrm>
+            <a:off x="9637488" y="4429676"/>
+            <a:ext cx="1056584" cy="830997"/>
+          </a:xfrm>
+          <a:prstGeom prst="rect">
+            <a:avLst/>
+          </a:prstGeom>
+          <a:solidFill>
+            <a:schemeClr val="bg1">
+              <a:alpha val="61000"/>
+            </a:schemeClr>
+          </a:solidFill>
+        </p:spPr>
+        <p:txBody>
+          <a:bodyPr wrap="square" rtlCol="0">
+            <a:spAutoFit/>
+          </a:bodyPr>
+          <a:lstStyle/>
+          <a:p>
+            <a:r>
+              <a:rPr lang="en-US" sz="1200" dirty="0"/>
+              <a:t>User selects geo-location to add a location </a:t>
+            </a:r>
+          </a:p>
+        </p:txBody>
+      </p:sp>
       <p:cxnSp>
         <p:nvCxnSpPr>
-          <p:cNvPr id="98" name="Elbow Connector 97">
-            <a:extLst>
-              <a:ext uri="{FF2B5EF4-FFF2-40B4-BE49-F238E27FC236}">
-                <a16:creationId xmlns:a16="http://schemas.microsoft.com/office/drawing/2014/main" id="{70793C48-046D-9848-8CFA-7BFC6A8148A0}"/>
-              </a:ext>
-            </a:extLst>
-          </p:cNvPr>
-          <p:cNvCxnSpPr/>
+          <p:cNvPr id="112" name="Straight Arrow Connector 111">
+            <a:extLst>
+              <a:ext uri="{FF2B5EF4-FFF2-40B4-BE49-F238E27FC236}">
+                <a16:creationId xmlns:a16="http://schemas.microsoft.com/office/drawing/2014/main" id="{3EBB7964-AC65-0546-A404-25B8DC8086EE}"/>
+              </a:ext>
+            </a:extLst>
+          </p:cNvPr>
+          <p:cNvCxnSpPr>
+            <a:cxnSpLocks/>
+          </p:cNvCxnSpPr>
           <p:nvPr/>
         </p:nvCxnSpPr>
         <p:spPr>
-          <a:xfrm flipV="1">
-            <a:off x="6254846" y="3460187"/>
-            <a:ext cx="3555543" cy="2384022"/>
-          </a:xfrm>
-          <a:prstGeom prst="bentConnector3">
-            <a:avLst>
-              <a:gd name="adj1" fmla="val 88017"/>
-            </a:avLst>
+          <a:xfrm>
+            <a:off x="6285469" y="6721614"/>
+            <a:ext cx="3352019" cy="0"/>
+          </a:xfrm>
+          <a:prstGeom prst="straightConnector1">
+            <a:avLst/>
           </a:prstGeom>
           <a:ln>
             <a:headEnd type="triangle"/>
@@ -4340,10 +4508,10 @@
       </p:cxnSp>
       <p:sp>
         <p:nvSpPr>
-          <p:cNvPr id="102" name="TextBox 101">
-            <a:extLst>
-              <a:ext uri="{FF2B5EF4-FFF2-40B4-BE49-F238E27FC236}">
-                <a16:creationId xmlns:a16="http://schemas.microsoft.com/office/drawing/2014/main" id="{22FF196C-876B-5348-97D7-AABEF684A4D9}"/>
+          <p:cNvPr id="114" name="TextBox 113">
+            <a:extLst>
+              <a:ext uri="{FF2B5EF4-FFF2-40B4-BE49-F238E27FC236}">
+                <a16:creationId xmlns:a16="http://schemas.microsoft.com/office/drawing/2014/main" id="{728DFFEE-2DA6-7249-A201-835911EA10FA}"/>
               </a:ext>
             </a:extLst>
           </p:cNvPr>
@@ -4352,8 +4520,8 @@
         </p:nvSpPr>
         <p:spPr>
           <a:xfrm>
-            <a:off x="10662720" y="2807181"/>
-            <a:ext cx="1577009" cy="646331"/>
+            <a:off x="4049822" y="5255640"/>
+            <a:ext cx="1283298" cy="1569660"/>
           </a:xfrm>
           <a:prstGeom prst="rect">
             <a:avLst/>
@@ -4368,17 +4536,23 @@
           <a:p>
             <a:r>
               <a:rPr lang="en-US" sz="1200" dirty="0"/>
-              <a:t>User selects the camera icon to launch the camera </a:t>
+              <a:t>User can enter a title and description</a:t>
+            </a:r>
+          </a:p>
+          <a:p>
+            <a:r>
+              <a:rPr lang="en-US" sz="1200" dirty="0"/>
+              <a:t>User saves record by selecting save in the top right or add on the bottom  </a:t>
             </a:r>
           </a:p>
         </p:txBody>
       </p:sp>
       <p:pic>
         <p:nvPicPr>
-          <p:cNvPr id="104" name="Picture 103" descr="A picture containing text&#10;&#10;Description automatically generated">
-            <a:extLst>
-              <a:ext uri="{FF2B5EF4-FFF2-40B4-BE49-F238E27FC236}">
-                <a16:creationId xmlns:a16="http://schemas.microsoft.com/office/drawing/2014/main" id="{24DAA6CF-57ED-594F-B00A-74A36D3ECE86}"/>
+          <p:cNvPr id="116" name="Picture 115" descr="A group of people standing in a train station&#10;&#10;Description automatically generated">
+            <a:extLst>
+              <a:ext uri="{FF2B5EF4-FFF2-40B4-BE49-F238E27FC236}">
+                <a16:creationId xmlns:a16="http://schemas.microsoft.com/office/drawing/2014/main" id="{ABFC3477-6E7C-434A-AA79-2B4635CC2B39}"/>
               </a:ext>
             </a:extLst>
           </p:cNvPr>
@@ -4395,7 +4569,7 @@
         </p:blipFill>
         <p:spPr>
           <a:xfrm>
-            <a:off x="9813989" y="3918809"/>
+            <a:off x="8726763" y="1049410"/>
             <a:ext cx="756000" cy="1344000"/>
           </a:xfrm>
           <a:prstGeom prst="rect">
@@ -4403,12 +4577,122 @@
           </a:prstGeom>
         </p:spPr>
       </p:pic>
+      <p:grpSp>
+        <p:nvGrpSpPr>
+          <p:cNvPr id="78" name="Group 77">
+            <a:extLst>
+              <a:ext uri="{FF2B5EF4-FFF2-40B4-BE49-F238E27FC236}">
+                <a16:creationId xmlns:a16="http://schemas.microsoft.com/office/drawing/2014/main" id="{B648ECB2-CE52-0E46-A1F1-D53236275EF8}"/>
+              </a:ext>
+            </a:extLst>
+          </p:cNvPr>
+          <p:cNvGrpSpPr/>
+          <p:nvPr/>
+        </p:nvGrpSpPr>
+        <p:grpSpPr>
+          <a:xfrm>
+            <a:off x="6938034" y="5278503"/>
+            <a:ext cx="851837" cy="1403074"/>
+            <a:chOff x="7057302" y="5411023"/>
+            <a:chExt cx="851837" cy="1403074"/>
+          </a:xfrm>
+        </p:grpSpPr>
+        <p:sp>
+          <p:nvSpPr>
+            <p:cNvPr id="117" name="Rectangle 116">
+              <a:extLst>
+                <a:ext uri="{FF2B5EF4-FFF2-40B4-BE49-F238E27FC236}">
+                  <a16:creationId xmlns:a16="http://schemas.microsoft.com/office/drawing/2014/main" id="{BBFEA5F8-9436-0345-AD12-1AE7A8CAC3C3}"/>
+                </a:ext>
+              </a:extLst>
+            </p:cNvPr>
+            <p:cNvSpPr/>
+            <p:nvPr/>
+          </p:nvSpPr>
+          <p:spPr>
+            <a:xfrm>
+              <a:off x="7057302" y="5411023"/>
+              <a:ext cx="851837" cy="1369943"/>
+            </a:xfrm>
+            <a:prstGeom prst="rect">
+              <a:avLst/>
+            </a:prstGeom>
+            <a:solidFill>
+              <a:schemeClr val="lt1">
+                <a:alpha val="65000"/>
+              </a:schemeClr>
+            </a:solidFill>
+            <a:ln>
+              <a:solidFill>
+                <a:schemeClr val="tx1"/>
+              </a:solidFill>
+            </a:ln>
+          </p:spPr>
+          <p:style>
+            <a:lnRef idx="2">
+              <a:schemeClr val="accent6"/>
+            </a:lnRef>
+            <a:fillRef idx="1">
+              <a:schemeClr val="lt1"/>
+            </a:fillRef>
+            <a:effectRef idx="0">
+              <a:schemeClr val="accent6"/>
+            </a:effectRef>
+            <a:fontRef idx="minor">
+              <a:schemeClr val="dk1"/>
+            </a:fontRef>
+          </p:style>
+          <p:txBody>
+            <a:bodyPr rtlCol="0" anchor="ctr"/>
+            <a:lstStyle/>
+            <a:p>
+              <a:pPr algn="ctr"/>
+              <a:endParaRPr lang="en-US"/>
+            </a:p>
+          </p:txBody>
+        </p:sp>
+        <p:pic>
+          <p:nvPicPr>
+            <p:cNvPr id="88" name="Picture 87">
+              <a:extLst>
+                <a:ext uri="{FF2B5EF4-FFF2-40B4-BE49-F238E27FC236}">
+                  <a16:creationId xmlns:a16="http://schemas.microsoft.com/office/drawing/2014/main" id="{0F197B29-0E43-0A41-A985-24ACBFB4CE9D}"/>
+                </a:ext>
+              </a:extLst>
+            </p:cNvPr>
+            <p:cNvPicPr>
+              <a:picLocks noChangeAspect="1"/>
+            </p:cNvPicPr>
+            <p:nvPr/>
+          </p:nvPicPr>
+          <p:blipFill>
+            <a:blip r:embed="rId10"/>
+            <a:stretch>
+              <a:fillRect/>
+            </a:stretch>
+          </p:blipFill>
+          <p:spPr>
+            <a:xfrm>
+              <a:off x="7122056" y="5467697"/>
+              <a:ext cx="757350" cy="1346400"/>
+            </a:xfrm>
+            <a:prstGeom prst="rect">
+              <a:avLst/>
+            </a:prstGeom>
+            <a:solidFill>
+              <a:schemeClr val="bg1">
+                <a:alpha val="36000"/>
+              </a:schemeClr>
+            </a:solidFill>
+          </p:spPr>
+        </p:pic>
+      </p:grpSp>
       <p:cxnSp>
         <p:nvCxnSpPr>
-          <p:cNvPr id="106" name="Elbow Connector 105">
-            <a:extLst>
-              <a:ext uri="{FF2B5EF4-FFF2-40B4-BE49-F238E27FC236}">
-                <a16:creationId xmlns:a16="http://schemas.microsoft.com/office/drawing/2014/main" id="{85BA0537-090F-2741-A755-D2573E77C359}"/>
+          <p:cNvPr id="120" name="Straight Arrow Connector 119">
+            <a:extLst>
+              <a:ext uri="{FF2B5EF4-FFF2-40B4-BE49-F238E27FC236}">
+                <a16:creationId xmlns:a16="http://schemas.microsoft.com/office/drawing/2014/main" id="{10BB77DA-5127-C042-85FF-27DFD86B9B95}"/>
               </a:ext>
             </a:extLst>
           </p:cNvPr>
@@ -4419,349 +4703,7 @@
         </p:nvCxnSpPr>
         <p:spPr>
           <a:xfrm flipV="1">
-            <a:off x="6301409" y="4743533"/>
-            <a:ext cx="3508980" cy="856402"/>
-          </a:xfrm>
-          <a:prstGeom prst="bentConnector3">
-            <a:avLst/>
-          </a:prstGeom>
-          <a:ln>
-            <a:headEnd type="triangle"/>
-            <a:tailEnd type="triangle"/>
-          </a:ln>
-        </p:spPr>
-        <p:style>
-          <a:lnRef idx="1">
-            <a:schemeClr val="accent1"/>
-          </a:lnRef>
-          <a:fillRef idx="0">
-            <a:schemeClr val="accent1"/>
-          </a:fillRef>
-          <a:effectRef idx="0">
-            <a:schemeClr val="accent1"/>
-          </a:effectRef>
-          <a:fontRef idx="minor">
-            <a:schemeClr val="tx1"/>
-          </a:fontRef>
-        </p:style>
-      </p:cxnSp>
-      <p:sp>
-        <p:nvSpPr>
-          <p:cNvPr id="107" name="TextBox 106">
-            <a:extLst>
-              <a:ext uri="{FF2B5EF4-FFF2-40B4-BE49-F238E27FC236}">
-                <a16:creationId xmlns:a16="http://schemas.microsoft.com/office/drawing/2014/main" id="{CA3F3184-5E81-CD45-A938-D228ECE6F273}"/>
-              </a:ext>
-            </a:extLst>
-          </p:cNvPr>
-          <p:cNvSpPr txBox="1"/>
-          <p:nvPr/>
-        </p:nvSpPr>
-        <p:spPr>
-          <a:xfrm>
-            <a:off x="10572848" y="4325771"/>
-            <a:ext cx="1577009" cy="646331"/>
-          </a:xfrm>
-          <a:prstGeom prst="rect">
-            <a:avLst/>
-          </a:prstGeom>
-          <a:noFill/>
-        </p:spPr>
-        <p:txBody>
-          <a:bodyPr wrap="square" rtlCol="0">
-            <a:spAutoFit/>
-          </a:bodyPr>
-          <a:lstStyle/>
-          <a:p>
-            <a:r>
-              <a:rPr lang="en-US" sz="1200" dirty="0"/>
-              <a:t>User selects geo-location to add a location </a:t>
-            </a:r>
-          </a:p>
-        </p:txBody>
-      </p:sp>
-      <p:pic>
-        <p:nvPicPr>
-          <p:cNvPr id="110" name="Picture 109" descr="A close up of a person&#10;&#10;Description automatically generated">
-            <a:extLst>
-              <a:ext uri="{FF2B5EF4-FFF2-40B4-BE49-F238E27FC236}">
-                <a16:creationId xmlns:a16="http://schemas.microsoft.com/office/drawing/2014/main" id="{782AD1D6-4C45-E64D-A09C-FA14EA935FF6}"/>
-              </a:ext>
-            </a:extLst>
-          </p:cNvPr>
-          <p:cNvPicPr>
-            <a:picLocks noChangeAspect="1"/>
-          </p:cNvPicPr>
-          <p:nvPr/>
-        </p:nvPicPr>
-        <p:blipFill>
-          <a:blip r:embed="rId10"/>
-          <a:stretch>
-            <a:fillRect/>
-          </a:stretch>
-        </p:blipFill>
-        <p:spPr>
-          <a:xfrm>
-            <a:off x="9823150" y="5419337"/>
-            <a:ext cx="756000" cy="1344000"/>
-          </a:xfrm>
-          <a:prstGeom prst="rect">
-            <a:avLst/>
-          </a:prstGeom>
-        </p:spPr>
-      </p:pic>
-      <p:cxnSp>
-        <p:nvCxnSpPr>
-          <p:cNvPr id="112" name="Straight Arrow Connector 111">
-            <a:extLst>
-              <a:ext uri="{FF2B5EF4-FFF2-40B4-BE49-F238E27FC236}">
-                <a16:creationId xmlns:a16="http://schemas.microsoft.com/office/drawing/2014/main" id="{3EBB7964-AC65-0546-A404-25B8DC8086EE}"/>
-              </a:ext>
-            </a:extLst>
-          </p:cNvPr>
-          <p:cNvCxnSpPr/>
-          <p:nvPr/>
-        </p:nvCxnSpPr>
-        <p:spPr>
-          <a:xfrm>
-            <a:off x="6285469" y="6615598"/>
-            <a:ext cx="3524920" cy="0"/>
-          </a:xfrm>
-          <a:prstGeom prst="straightConnector1">
-            <a:avLst/>
-          </a:prstGeom>
-          <a:ln>
-            <a:headEnd type="triangle"/>
-            <a:tailEnd type="triangle"/>
-          </a:ln>
-        </p:spPr>
-        <p:style>
-          <a:lnRef idx="1">
-            <a:schemeClr val="accent1"/>
-          </a:lnRef>
-          <a:fillRef idx="0">
-            <a:schemeClr val="accent1"/>
-          </a:fillRef>
-          <a:effectRef idx="0">
-            <a:schemeClr val="accent1"/>
-          </a:effectRef>
-          <a:fontRef idx="minor">
-            <a:schemeClr val="tx1"/>
-          </a:fontRef>
-        </p:style>
-      </p:cxnSp>
-      <p:sp>
-        <p:nvSpPr>
-          <p:cNvPr id="113" name="TextBox 112">
-            <a:extLst>
-              <a:ext uri="{FF2B5EF4-FFF2-40B4-BE49-F238E27FC236}">
-                <a16:creationId xmlns:a16="http://schemas.microsoft.com/office/drawing/2014/main" id="{BADFCD50-AE38-854B-8D08-C933415D8AF9}"/>
-              </a:ext>
-            </a:extLst>
-          </p:cNvPr>
-          <p:cNvSpPr txBox="1"/>
-          <p:nvPr/>
-        </p:nvSpPr>
-        <p:spPr>
-          <a:xfrm>
-            <a:off x="10591911" y="5478289"/>
-            <a:ext cx="1577009" cy="830997"/>
-          </a:xfrm>
-          <a:prstGeom prst="rect">
-            <a:avLst/>
-          </a:prstGeom>
-          <a:noFill/>
-        </p:spPr>
-        <p:txBody>
-          <a:bodyPr wrap="square" rtlCol="0">
-            <a:spAutoFit/>
-          </a:bodyPr>
-          <a:lstStyle/>
-          <a:p>
-            <a:r>
-              <a:rPr lang="en-US" sz="1200" dirty="0"/>
-              <a:t>User selects body location to choose a body location on a body image </a:t>
-            </a:r>
-          </a:p>
-        </p:txBody>
-      </p:sp>
-      <p:sp>
-        <p:nvSpPr>
-          <p:cNvPr id="114" name="TextBox 113">
-            <a:extLst>
-              <a:ext uri="{FF2B5EF4-FFF2-40B4-BE49-F238E27FC236}">
-                <a16:creationId xmlns:a16="http://schemas.microsoft.com/office/drawing/2014/main" id="{728DFFEE-2DA6-7249-A201-835911EA10FA}"/>
-              </a:ext>
-            </a:extLst>
-          </p:cNvPr>
-          <p:cNvSpPr txBox="1"/>
-          <p:nvPr/>
-        </p:nvSpPr>
-        <p:spPr>
-          <a:xfrm>
-            <a:off x="4075050" y="5335593"/>
-            <a:ext cx="1283298" cy="1569660"/>
-          </a:xfrm>
-          <a:prstGeom prst="rect">
-            <a:avLst/>
-          </a:prstGeom>
-          <a:noFill/>
-        </p:spPr>
-        <p:txBody>
-          <a:bodyPr wrap="square" rtlCol="0">
-            <a:spAutoFit/>
-          </a:bodyPr>
-          <a:lstStyle/>
-          <a:p>
-            <a:r>
-              <a:rPr lang="en-US" sz="1200" dirty="0"/>
-              <a:t>User can enter a title and description</a:t>
-            </a:r>
-          </a:p>
-          <a:p>
-            <a:r>
-              <a:rPr lang="en-US" sz="1200" dirty="0"/>
-              <a:t>User saves record by selecting save in the top right or add on the bottom  </a:t>
-            </a:r>
-          </a:p>
-        </p:txBody>
-      </p:sp>
-      <p:sp>
-        <p:nvSpPr>
-          <p:cNvPr id="117" name="Rectangle 116">
-            <a:extLst>
-              <a:ext uri="{FF2B5EF4-FFF2-40B4-BE49-F238E27FC236}">
-                <a16:creationId xmlns:a16="http://schemas.microsoft.com/office/drawing/2014/main" id="{BBFEA5F8-9436-0345-AD12-1AE7A8CAC3C3}"/>
-              </a:ext>
-            </a:extLst>
-          </p:cNvPr>
-          <p:cNvSpPr/>
-          <p:nvPr/>
-        </p:nvSpPr>
-        <p:spPr>
-          <a:xfrm>
-            <a:off x="7100287" y="5434566"/>
-            <a:ext cx="795600" cy="1346400"/>
-          </a:xfrm>
-          <a:prstGeom prst="rect">
-            <a:avLst/>
-          </a:prstGeom>
-          <a:solidFill>
-            <a:schemeClr val="lt1">
-              <a:alpha val="65000"/>
-            </a:schemeClr>
-          </a:solidFill>
-          <a:ln>
-            <a:solidFill>
-              <a:schemeClr val="tx1"/>
-            </a:solidFill>
-          </a:ln>
-        </p:spPr>
-        <p:style>
-          <a:lnRef idx="2">
-            <a:schemeClr val="accent6"/>
-          </a:lnRef>
-          <a:fillRef idx="1">
-            <a:schemeClr val="lt1"/>
-          </a:fillRef>
-          <a:effectRef idx="0">
-            <a:schemeClr val="accent6"/>
-          </a:effectRef>
-          <a:fontRef idx="minor">
-            <a:schemeClr val="dk1"/>
-          </a:fontRef>
-        </p:style>
-        <p:txBody>
-          <a:bodyPr rtlCol="0" anchor="ctr"/>
-          <a:lstStyle/>
-          <a:p>
-            <a:pPr algn="ctr"/>
-            <a:endParaRPr lang="en-US"/>
-          </a:p>
-        </p:txBody>
-      </p:sp>
-      <p:pic>
-        <p:nvPicPr>
-          <p:cNvPr id="116" name="Picture 115" descr="A group of people standing in a train station&#10;&#10;Description automatically generated">
-            <a:extLst>
-              <a:ext uri="{FF2B5EF4-FFF2-40B4-BE49-F238E27FC236}">
-                <a16:creationId xmlns:a16="http://schemas.microsoft.com/office/drawing/2014/main" id="{ABFC3477-6E7C-434A-AA79-2B4635CC2B39}"/>
-              </a:ext>
-            </a:extLst>
-          </p:cNvPr>
-          <p:cNvPicPr>
-            <a:picLocks noChangeAspect="1"/>
-          </p:cNvPicPr>
-          <p:nvPr/>
-        </p:nvPicPr>
-        <p:blipFill>
-          <a:blip r:embed="rId11"/>
-          <a:stretch>
-            <a:fillRect/>
-          </a:stretch>
-        </p:blipFill>
-        <p:spPr>
-          <a:xfrm>
-            <a:off x="9835911" y="2428635"/>
-            <a:ext cx="756000" cy="1344000"/>
-          </a:xfrm>
-          <a:prstGeom prst="rect">
-            <a:avLst/>
-          </a:prstGeom>
-        </p:spPr>
-      </p:pic>
-      <p:pic>
-        <p:nvPicPr>
-          <p:cNvPr id="88" name="Picture 87">
-            <a:extLst>
-              <a:ext uri="{FF2B5EF4-FFF2-40B4-BE49-F238E27FC236}">
-                <a16:creationId xmlns:a16="http://schemas.microsoft.com/office/drawing/2014/main" id="{0F197B29-0E43-0A41-A985-24ACBFB4CE9D}"/>
-              </a:ext>
-            </a:extLst>
-          </p:cNvPr>
-          <p:cNvPicPr>
-            <a:picLocks noChangeAspect="1"/>
-          </p:cNvPicPr>
-          <p:nvPr/>
-        </p:nvPicPr>
-        <p:blipFill>
-          <a:blip r:embed="rId12"/>
-          <a:stretch>
-            <a:fillRect/>
-          </a:stretch>
-        </p:blipFill>
-        <p:spPr>
-          <a:xfrm>
-            <a:off x="7122056" y="5454445"/>
-            <a:ext cx="757350" cy="1346400"/>
-          </a:xfrm>
-          <a:prstGeom prst="rect">
-            <a:avLst/>
-          </a:prstGeom>
-          <a:solidFill>
-            <a:schemeClr val="bg1">
-              <a:alpha val="36000"/>
-            </a:schemeClr>
-          </a:solidFill>
-        </p:spPr>
-      </p:pic>
-      <p:cxnSp>
-        <p:nvCxnSpPr>
-          <p:cNvPr id="120" name="Straight Arrow Connector 119">
-            <a:extLst>
-              <a:ext uri="{FF2B5EF4-FFF2-40B4-BE49-F238E27FC236}">
-                <a16:creationId xmlns:a16="http://schemas.microsoft.com/office/drawing/2014/main" id="{10BB77DA-5127-C042-85FF-27DFD86B9B95}"/>
-              </a:ext>
-            </a:extLst>
-          </p:cNvPr>
-          <p:cNvCxnSpPr>
-            <a:stCxn id="114" idx="0"/>
-          </p:cNvCxnSpPr>
-          <p:nvPr/>
-        </p:nvCxnSpPr>
-        <p:spPr>
-          <a:xfrm flipV="1">
-            <a:off x="4716699" y="4743533"/>
+            <a:off x="4504142" y="4689262"/>
             <a:ext cx="0" cy="592060"/>
           </a:xfrm>
           <a:prstGeom prst="straightConnector1">
@@ -4801,14 +4743,14 @@
           <p:nvPr/>
         </p:nvPicPr>
         <p:blipFill>
-          <a:blip r:embed="rId13"/>
+          <a:blip r:embed="rId11"/>
           <a:stretch>
             <a:fillRect/>
           </a:stretch>
         </p:blipFill>
         <p:spPr>
           <a:xfrm>
-            <a:off x="4336899" y="3302756"/>
+            <a:off x="4030304" y="3202276"/>
             <a:ext cx="759600" cy="1346180"/>
           </a:xfrm>
           <a:prstGeom prst="rect">
@@ -4830,7 +4772,7 @@
         </p:nvSpPr>
         <p:spPr>
           <a:xfrm>
-            <a:off x="3701262" y="3394458"/>
+            <a:off x="3277753" y="3232270"/>
             <a:ext cx="728733" cy="1015663"/>
           </a:xfrm>
           <a:prstGeom prst="rect">
@@ -4866,7 +4808,7 @@
           <p:nvPr/>
         </p:nvPicPr>
         <p:blipFill>
-          <a:blip r:embed="rId14"/>
+          <a:blip r:embed="rId12"/>
           <a:stretch>
             <a:fillRect/>
           </a:stretch>
@@ -5009,7 +4951,7 @@
           <p:nvPr/>
         </p:nvPicPr>
         <p:blipFill>
-          <a:blip r:embed="rId15"/>
+          <a:blip r:embed="rId13"/>
           <a:stretch>
             <a:fillRect/>
           </a:stretch>
@@ -5113,7 +5055,7 @@
           <p:nvPr/>
         </p:nvPicPr>
         <p:blipFill>
-          <a:blip r:embed="rId16"/>
+          <a:blip r:embed="rId14"/>
           <a:stretch>
             <a:fillRect/>
           </a:stretch>
@@ -5220,8 +5162,8 @@
         </p:nvCxnSpPr>
         <p:spPr>
           <a:xfrm flipH="1" flipV="1">
-            <a:off x="3091238" y="3100635"/>
-            <a:ext cx="612743" cy="460428"/>
+            <a:off x="2343141" y="2680199"/>
+            <a:ext cx="1513338" cy="632412"/>
           </a:xfrm>
           <a:prstGeom prst="straightConnector1">
             <a:avLst/>
@@ -5259,7 +5201,7 @@
         </p:nvSpPr>
         <p:spPr>
           <a:xfrm>
-            <a:off x="1098377" y="1925312"/>
+            <a:off x="488776" y="1925312"/>
             <a:ext cx="1072660" cy="1200329"/>
           </a:xfrm>
           <a:prstGeom prst="rect">
@@ -5295,14 +5237,14 @@
           <p:nvPr/>
         </p:nvPicPr>
         <p:blipFill>
-          <a:blip r:embed="rId17"/>
+          <a:blip r:embed="rId15"/>
           <a:stretch>
             <a:fillRect/>
           </a:stretch>
         </p:blipFill>
         <p:spPr>
           <a:xfrm>
-            <a:off x="2115534" y="1870037"/>
+            <a:off x="1505933" y="1870037"/>
             <a:ext cx="759600" cy="1346180"/>
           </a:xfrm>
           <a:prstGeom prst="rect">
@@ -5324,7 +5266,7 @@
         </p:nvCxnSpPr>
         <p:spPr>
           <a:xfrm flipH="1">
-            <a:off x="2894376" y="3896294"/>
+            <a:off x="2372580" y="4038569"/>
             <a:ext cx="793097" cy="0"/>
           </a:xfrm>
           <a:prstGeom prst="straightConnector1">
@@ -5364,14 +5306,14 @@
           <p:nvPr/>
         </p:nvPicPr>
         <p:blipFill>
-          <a:blip r:embed="rId18"/>
+          <a:blip r:embed="rId16"/>
           <a:stretch>
             <a:fillRect/>
           </a:stretch>
         </p:blipFill>
         <p:spPr>
           <a:xfrm>
-            <a:off x="2115255" y="3346587"/>
+            <a:off x="1505654" y="3346587"/>
             <a:ext cx="759600" cy="1346180"/>
           </a:xfrm>
           <a:prstGeom prst="rect">
@@ -5393,7 +5335,7 @@
         </p:nvSpPr>
         <p:spPr>
           <a:xfrm>
-            <a:off x="865805" y="3453512"/>
+            <a:off x="256204" y="3453512"/>
             <a:ext cx="1235661" cy="1200329"/>
           </a:xfrm>
           <a:prstGeom prst="rect">
@@ -5468,6 +5410,175 @@
           <p:nvPr/>
         </p:nvPicPr>
         <p:blipFill>
+          <a:blip r:embed="rId17"/>
+          <a:stretch>
+            <a:fillRect/>
+          </a:stretch>
+        </p:blipFill>
+        <p:spPr>
+          <a:xfrm>
+            <a:off x="2729106" y="4855163"/>
+            <a:ext cx="756000" cy="1344000"/>
+          </a:xfrm>
+          <a:prstGeom prst="rect">
+            <a:avLst/>
+          </a:prstGeom>
+        </p:spPr>
+      </p:pic>
+      <p:sp>
+        <p:nvSpPr>
+          <p:cNvPr id="157" name="TextBox 156">
+            <a:extLst>
+              <a:ext uri="{FF2B5EF4-FFF2-40B4-BE49-F238E27FC236}">
+                <a16:creationId xmlns:a16="http://schemas.microsoft.com/office/drawing/2014/main" id="{499D1BCB-60DD-BE4A-92FD-22A69A2E5ED3}"/>
+              </a:ext>
+            </a:extLst>
+          </p:cNvPr>
+          <p:cNvSpPr txBox="1"/>
+          <p:nvPr/>
+        </p:nvSpPr>
+        <p:spPr>
+          <a:xfrm>
+            <a:off x="2276446" y="6224266"/>
+            <a:ext cx="1636692" cy="461665"/>
+          </a:xfrm>
+          <a:prstGeom prst="rect">
+            <a:avLst/>
+          </a:prstGeom>
+          <a:noFill/>
+        </p:spPr>
+        <p:txBody>
+          <a:bodyPr wrap="square" rtlCol="0">
+            <a:spAutoFit/>
+          </a:bodyPr>
+          <a:lstStyle/>
+          <a:p>
+            <a:r>
+              <a:rPr lang="en-US" sz="1200" dirty="0"/>
+              <a:t>User selects profile icon in bottom menu </a:t>
+            </a:r>
+          </a:p>
+        </p:txBody>
+      </p:sp>
+      <p:pic>
+        <p:nvPicPr>
+          <p:cNvPr id="159" name="Picture 158">
+            <a:extLst>
+              <a:ext uri="{FF2B5EF4-FFF2-40B4-BE49-F238E27FC236}">
+                <a16:creationId xmlns:a16="http://schemas.microsoft.com/office/drawing/2014/main" id="{1DDC6D98-2D22-7648-ABA6-61B98AD52215}"/>
+              </a:ext>
+            </a:extLst>
+          </p:cNvPr>
+          <p:cNvPicPr>
+            <a:picLocks noChangeAspect="1"/>
+          </p:cNvPicPr>
+          <p:nvPr/>
+        </p:nvPicPr>
+        <p:blipFill>
+          <a:blip r:embed="rId18"/>
+          <a:stretch>
+            <a:fillRect/>
+          </a:stretch>
+        </p:blipFill>
+        <p:spPr>
+          <a:xfrm>
+            <a:off x="1276474" y="4855163"/>
+            <a:ext cx="756000" cy="1344000"/>
+          </a:xfrm>
+          <a:prstGeom prst="rect">
+            <a:avLst/>
+          </a:prstGeom>
+        </p:spPr>
+      </p:pic>
+      <p:cxnSp>
+        <p:nvCxnSpPr>
+          <p:cNvPr id="161" name="Straight Arrow Connector 160">
+            <a:extLst>
+              <a:ext uri="{FF2B5EF4-FFF2-40B4-BE49-F238E27FC236}">
+                <a16:creationId xmlns:a16="http://schemas.microsoft.com/office/drawing/2014/main" id="{AF9C71A5-2C2B-2A42-A7D4-35F36590F9B0}"/>
+              </a:ext>
+            </a:extLst>
+          </p:cNvPr>
+          <p:cNvCxnSpPr/>
+          <p:nvPr/>
+        </p:nvCxnSpPr>
+        <p:spPr>
+          <a:xfrm flipH="1">
+            <a:off x="2115255" y="5527163"/>
+            <a:ext cx="490462" cy="0"/>
+          </a:xfrm>
+          <a:prstGeom prst="straightConnector1">
+            <a:avLst/>
+          </a:prstGeom>
+          <a:ln>
+            <a:tailEnd type="triangle"/>
+          </a:ln>
+        </p:spPr>
+        <p:style>
+          <a:lnRef idx="1">
+            <a:schemeClr val="accent1"/>
+          </a:lnRef>
+          <a:fillRef idx="0">
+            <a:schemeClr val="accent1"/>
+          </a:fillRef>
+          <a:effectRef idx="0">
+            <a:schemeClr val="accent1"/>
+          </a:effectRef>
+          <a:fontRef idx="minor">
+            <a:schemeClr val="tx1"/>
+          </a:fontRef>
+        </p:style>
+      </p:cxnSp>
+      <p:sp>
+        <p:nvSpPr>
+          <p:cNvPr id="162" name="TextBox 161">
+            <a:extLst>
+              <a:ext uri="{FF2B5EF4-FFF2-40B4-BE49-F238E27FC236}">
+                <a16:creationId xmlns:a16="http://schemas.microsoft.com/office/drawing/2014/main" id="{DB37ABEA-01BD-0643-8DC0-8FF0A92FD29B}"/>
+              </a:ext>
+            </a:extLst>
+          </p:cNvPr>
+          <p:cNvSpPr txBox="1"/>
+          <p:nvPr/>
+        </p:nvSpPr>
+        <p:spPr>
+          <a:xfrm>
+            <a:off x="143605" y="4907437"/>
+            <a:ext cx="1235661" cy="830997"/>
+          </a:xfrm>
+          <a:prstGeom prst="rect">
+            <a:avLst/>
+          </a:prstGeom>
+          <a:noFill/>
+        </p:spPr>
+        <p:txBody>
+          <a:bodyPr wrap="square" rtlCol="0">
+            <a:spAutoFit/>
+          </a:bodyPr>
+          <a:lstStyle/>
+          <a:p>
+            <a:r>
+              <a:rPr lang="en-US" sz="1200" dirty="0"/>
+              <a:t>User selects pencil icon to edit name, phone or email </a:t>
+            </a:r>
+          </a:p>
+        </p:txBody>
+      </p:sp>
+      <p:pic>
+        <p:nvPicPr>
+          <p:cNvPr id="165" name="Picture 164" descr="A close up of a map&#10;&#10;Description automatically generated">
+            <a:extLst>
+              <a:ext uri="{FF2B5EF4-FFF2-40B4-BE49-F238E27FC236}">
+                <a16:creationId xmlns:a16="http://schemas.microsoft.com/office/drawing/2014/main" id="{78FE25CF-11FB-A143-B915-595148CB5534}"/>
+              </a:ext>
+            </a:extLst>
+          </p:cNvPr>
+          <p:cNvPicPr>
+            <a:picLocks noChangeAspect="1"/>
+          </p:cNvPicPr>
+          <p:nvPr/>
+        </p:nvPicPr>
+        <p:blipFill>
           <a:blip r:embed="rId19"/>
           <a:stretch>
             <a:fillRect/>
@@ -5475,7 +5586,7 @@
         </p:blipFill>
         <p:spPr>
           <a:xfrm>
-            <a:off x="2729106" y="4855163"/>
+            <a:off x="3709270" y="96811"/>
             <a:ext cx="756000" cy="1344000"/>
           </a:xfrm>
           <a:prstGeom prst="rect">
@@ -5483,12 +5594,55 @@
           </a:prstGeom>
         </p:spPr>
       </p:pic>
-      <p:sp>
-        <p:nvSpPr>
-          <p:cNvPr id="157" name="TextBox 156">
-            <a:extLst>
-              <a:ext uri="{FF2B5EF4-FFF2-40B4-BE49-F238E27FC236}">
-                <a16:creationId xmlns:a16="http://schemas.microsoft.com/office/drawing/2014/main" id="{499D1BCB-60DD-BE4A-92FD-22A69A2E5ED3}"/>
+      <p:cxnSp>
+        <p:nvCxnSpPr>
+          <p:cNvPr id="167" name="Elbow Connector 166">
+            <a:extLst>
+              <a:ext uri="{FF2B5EF4-FFF2-40B4-BE49-F238E27FC236}">
+                <a16:creationId xmlns:a16="http://schemas.microsoft.com/office/drawing/2014/main" id="{DCF30EC3-451F-474C-B55C-893644138E20}"/>
+              </a:ext>
+            </a:extLst>
+          </p:cNvPr>
+          <p:cNvCxnSpPr>
+            <a:cxnSpLocks/>
+          </p:cNvCxnSpPr>
+          <p:nvPr/>
+        </p:nvCxnSpPr>
+        <p:spPr>
+          <a:xfrm rot="10800000">
+            <a:off x="4530445" y="1147395"/>
+            <a:ext cx="999024" cy="983768"/>
+          </a:xfrm>
+          <a:prstGeom prst="bentConnector3">
+            <a:avLst>
+              <a:gd name="adj1" fmla="val 23579"/>
+            </a:avLst>
+          </a:prstGeom>
+          <a:ln>
+            <a:tailEnd type="triangle"/>
+          </a:ln>
+        </p:spPr>
+        <p:style>
+          <a:lnRef idx="1">
+            <a:schemeClr val="accent1"/>
+          </a:lnRef>
+          <a:fillRef idx="0">
+            <a:schemeClr val="accent1"/>
+          </a:fillRef>
+          <a:effectRef idx="0">
+            <a:schemeClr val="accent1"/>
+          </a:effectRef>
+          <a:fontRef idx="minor">
+            <a:schemeClr val="tx1"/>
+          </a:fontRef>
+        </p:style>
+      </p:cxnSp>
+      <p:sp>
+        <p:nvSpPr>
+          <p:cNvPr id="175" name="TextBox 174">
+            <a:extLst>
+              <a:ext uri="{FF2B5EF4-FFF2-40B4-BE49-F238E27FC236}">
+                <a16:creationId xmlns:a16="http://schemas.microsoft.com/office/drawing/2014/main" id="{4453FFBF-A1F3-6542-BF1C-7AB9413C989C}"/>
               </a:ext>
             </a:extLst>
           </p:cNvPr>
@@ -5497,8 +5651,8 @@
         </p:nvSpPr>
         <p:spPr>
           <a:xfrm>
-            <a:off x="2276446" y="6224266"/>
-            <a:ext cx="1636692" cy="461665"/>
+            <a:off x="4484051" y="-6306"/>
+            <a:ext cx="874297" cy="1384995"/>
           </a:xfrm>
           <a:prstGeom prst="rect">
             <a:avLst/>
@@ -5513,17 +5667,17 @@
           <a:p>
             <a:r>
               <a:rPr lang="en-US" sz="1200" dirty="0"/>
-              <a:t>User selects profile icon in bottom menu </a:t>
+              <a:t>User selects map icon in top left to view all records on a map </a:t>
             </a:r>
           </a:p>
         </p:txBody>
       </p:sp>
       <p:pic>
         <p:nvPicPr>
-          <p:cNvPr id="159" name="Picture 158">
-            <a:extLst>
-              <a:ext uri="{FF2B5EF4-FFF2-40B4-BE49-F238E27FC236}">
-                <a16:creationId xmlns:a16="http://schemas.microsoft.com/office/drawing/2014/main" id="{1DDC6D98-2D22-7648-ABA6-61B98AD52215}"/>
+          <p:cNvPr id="12" name="Picture 11" descr="A screenshot of a cell phone&#13;&#10;&#13;&#10;Description automatically generated">
+            <a:extLst>
+              <a:ext uri="{FF2B5EF4-FFF2-40B4-BE49-F238E27FC236}">
+                <a16:creationId xmlns:a16="http://schemas.microsoft.com/office/drawing/2014/main" id="{B93AE0F1-058D-1940-A869-A5850307EC64}"/>
               </a:ext>
             </a:extLst>
           </p:cNvPr>
@@ -5540,8 +5694,8 @@
         </p:blipFill>
         <p:spPr>
           <a:xfrm>
-            <a:off x="1276474" y="4855163"/>
-            <a:ext cx="756000" cy="1344000"/>
+            <a:off x="5587479" y="45994"/>
+            <a:ext cx="692550" cy="1231200"/>
           </a:xfrm>
           <a:prstGeom prst="rect">
             <a:avLst/>
@@ -5550,25 +5704,32 @@
       </p:pic>
       <p:cxnSp>
         <p:nvCxnSpPr>
-          <p:cNvPr id="161" name="Straight Arrow Connector 160">
-            <a:extLst>
-              <a:ext uri="{FF2B5EF4-FFF2-40B4-BE49-F238E27FC236}">
-                <a16:creationId xmlns:a16="http://schemas.microsoft.com/office/drawing/2014/main" id="{AF9C71A5-2C2B-2A42-A7D4-35F36590F9B0}"/>
-              </a:ext>
-            </a:extLst>
-          </p:cNvPr>
-          <p:cNvCxnSpPr/>
+          <p:cNvPr id="54" name="Elbow Connector 53">
+            <a:extLst>
+              <a:ext uri="{FF2B5EF4-FFF2-40B4-BE49-F238E27FC236}">
+                <a16:creationId xmlns:a16="http://schemas.microsoft.com/office/drawing/2014/main" id="{7954A515-F9E7-7242-B172-12E2D55F1FA8}"/>
+              </a:ext>
+            </a:extLst>
+          </p:cNvPr>
+          <p:cNvCxnSpPr>
+            <a:cxnSpLocks/>
+            <a:stCxn id="74" idx="3"/>
+            <a:endCxn id="56" idx="1"/>
+          </p:cNvCxnSpPr>
           <p:nvPr/>
         </p:nvCxnSpPr>
         <p:spPr>
-          <a:xfrm flipH="1">
-            <a:off x="2115255" y="5527163"/>
-            <a:ext cx="490462" cy="0"/>
-          </a:xfrm>
-          <a:prstGeom prst="straightConnector1">
-            <a:avLst/>
+          <a:xfrm flipV="1">
+            <a:off x="10376650" y="6151787"/>
+            <a:ext cx="259903" cy="2992"/>
+          </a:xfrm>
+          <a:prstGeom prst="bentConnector3">
+            <a:avLst>
+              <a:gd name="adj1" fmla="val 50000"/>
+            </a:avLst>
           </a:prstGeom>
           <a:ln>
+            <a:headEnd type="triangle"/>
             <a:tailEnd type="triangle"/>
           </a:ln>
         </p:spPr>
@@ -5587,47 +5748,12 @@
           </a:fontRef>
         </p:style>
       </p:cxnSp>
-      <p:sp>
-        <p:nvSpPr>
-          <p:cNvPr id="162" name="TextBox 161">
-            <a:extLst>
-              <a:ext uri="{FF2B5EF4-FFF2-40B4-BE49-F238E27FC236}">
-                <a16:creationId xmlns:a16="http://schemas.microsoft.com/office/drawing/2014/main" id="{DB37ABEA-01BD-0643-8DC0-8FF0A92FD29B}"/>
-              </a:ext>
-            </a:extLst>
-          </p:cNvPr>
-          <p:cNvSpPr txBox="1"/>
-          <p:nvPr/>
-        </p:nvSpPr>
-        <p:spPr>
-          <a:xfrm>
-            <a:off x="143605" y="4907437"/>
-            <a:ext cx="1235661" cy="830997"/>
-          </a:xfrm>
-          <a:prstGeom prst="rect">
-            <a:avLst/>
-          </a:prstGeom>
-          <a:noFill/>
-        </p:spPr>
-        <p:txBody>
-          <a:bodyPr wrap="square" rtlCol="0">
-            <a:spAutoFit/>
-          </a:bodyPr>
-          <a:lstStyle/>
-          <a:p>
-            <a:r>
-              <a:rPr lang="en-US" sz="1200" dirty="0"/>
-              <a:t>User selects pencil icon to edit name, phone or email </a:t>
-            </a:r>
-          </a:p>
-        </p:txBody>
-      </p:sp>
       <p:pic>
         <p:nvPicPr>
-          <p:cNvPr id="165" name="Picture 164" descr="A close up of a map&#10;&#10;Description automatically generated">
-            <a:extLst>
-              <a:ext uri="{FF2B5EF4-FFF2-40B4-BE49-F238E27FC236}">
-                <a16:creationId xmlns:a16="http://schemas.microsoft.com/office/drawing/2014/main" id="{78FE25CF-11FB-A143-B915-595148CB5534}"/>
+          <p:cNvPr id="56" name="Picture 55" descr="A close up of a person&#13;&#10;&#13;&#10;Description automatically generated">
+            <a:extLst>
+              <a:ext uri="{FF2B5EF4-FFF2-40B4-BE49-F238E27FC236}">
+                <a16:creationId xmlns:a16="http://schemas.microsoft.com/office/drawing/2014/main" id="{B1DA7CD5-35C3-0845-B3D9-E882B01D6065}"/>
               </a:ext>
             </a:extLst>
           </p:cNvPr>
@@ -5644,7 +5770,72 @@
         </p:blipFill>
         <p:spPr>
           <a:xfrm>
-            <a:off x="3709270" y="96811"/>
+            <a:off x="10636553" y="5478587"/>
+            <a:ext cx="757350" cy="1346400"/>
+          </a:xfrm>
+          <a:prstGeom prst="rect">
+            <a:avLst/>
+          </a:prstGeom>
+        </p:spPr>
+      </p:pic>
+      <p:sp>
+        <p:nvSpPr>
+          <p:cNvPr id="105" name="TextBox 104">
+            <a:extLst>
+              <a:ext uri="{FF2B5EF4-FFF2-40B4-BE49-F238E27FC236}">
+                <a16:creationId xmlns:a16="http://schemas.microsoft.com/office/drawing/2014/main" id="{D3EC1DFA-0702-3B46-89E3-75312AE247F2}"/>
+              </a:ext>
+            </a:extLst>
+          </p:cNvPr>
+          <p:cNvSpPr txBox="1"/>
+          <p:nvPr/>
+        </p:nvSpPr>
+        <p:spPr>
+          <a:xfrm>
+            <a:off x="11369213" y="5470918"/>
+            <a:ext cx="798111" cy="1384995"/>
+          </a:xfrm>
+          <a:prstGeom prst="rect">
+            <a:avLst/>
+          </a:prstGeom>
+          <a:noFill/>
+        </p:spPr>
+        <p:txBody>
+          <a:bodyPr wrap="square" rtlCol="0">
+            <a:spAutoFit/>
+          </a:bodyPr>
+          <a:lstStyle/>
+          <a:p>
+            <a:r>
+              <a:rPr lang="en-US" sz="1200" dirty="0"/>
+              <a:t>User selects location on default body photo </a:t>
+            </a:r>
+          </a:p>
+        </p:txBody>
+      </p:sp>
+      <p:pic>
+        <p:nvPicPr>
+          <p:cNvPr id="68" name="Picture 67" descr="A picture containing monitor, person, holding, screen&#13;&#10;&#13;&#10;Description automatically generated">
+            <a:extLst>
+              <a:ext uri="{FF2B5EF4-FFF2-40B4-BE49-F238E27FC236}">
+                <a16:creationId xmlns:a16="http://schemas.microsoft.com/office/drawing/2014/main" id="{4D76FE5D-9ECB-0C4D-A15E-ECCA1FECDD8A}"/>
+              </a:ext>
+            </a:extLst>
+          </p:cNvPr>
+          <p:cNvPicPr>
+            <a:picLocks noChangeAspect="1"/>
+          </p:cNvPicPr>
+          <p:nvPr/>
+        </p:nvPicPr>
+        <p:blipFill>
+          <a:blip r:embed="rId22"/>
+          <a:stretch>
+            <a:fillRect/>
+          </a:stretch>
+        </p:blipFill>
+        <p:spPr>
+          <a:xfrm>
+            <a:off x="10640010" y="4036837"/>
             <a:ext cx="756000" cy="1344000"/>
           </a:xfrm>
           <a:prstGeom prst="rect">
@@ -5652,31 +5843,132 @@
           </a:prstGeom>
         </p:spPr>
       </p:pic>
+      <p:pic>
+        <p:nvPicPr>
+          <p:cNvPr id="74" name="Picture 73" descr="A close up of a person&#13;&#10;&#13;&#10;Description automatically generated">
+            <a:extLst>
+              <a:ext uri="{FF2B5EF4-FFF2-40B4-BE49-F238E27FC236}">
+                <a16:creationId xmlns:a16="http://schemas.microsoft.com/office/drawing/2014/main" id="{3ABE5E71-7B96-7C4A-B998-3BA66BDFB191}"/>
+              </a:ext>
+            </a:extLst>
+          </p:cNvPr>
+          <p:cNvPicPr>
+            <a:picLocks noChangeAspect="1"/>
+          </p:cNvPicPr>
+          <p:nvPr/>
+        </p:nvPicPr>
+        <p:blipFill>
+          <a:blip r:embed="rId23"/>
+          <a:stretch>
+            <a:fillRect/>
+          </a:stretch>
+        </p:blipFill>
+        <p:spPr>
+          <a:xfrm>
+            <a:off x="9619300" y="5481579"/>
+            <a:ext cx="757350" cy="1346400"/>
+          </a:xfrm>
+          <a:prstGeom prst="rect">
+            <a:avLst/>
+          </a:prstGeom>
+        </p:spPr>
+      </p:pic>
+      <p:sp>
+        <p:nvSpPr>
+          <p:cNvPr id="124" name="TextBox 123">
+            <a:extLst>
+              <a:ext uri="{FF2B5EF4-FFF2-40B4-BE49-F238E27FC236}">
+                <a16:creationId xmlns:a16="http://schemas.microsoft.com/office/drawing/2014/main" id="{9C0FFA14-7CAE-B847-8CAC-517D621413A3}"/>
+              </a:ext>
+            </a:extLst>
+          </p:cNvPr>
+          <p:cNvSpPr txBox="1"/>
+          <p:nvPr/>
+        </p:nvSpPr>
+        <p:spPr>
+          <a:xfrm>
+            <a:off x="11369213" y="3995842"/>
+            <a:ext cx="910380" cy="1384995"/>
+          </a:xfrm>
+          <a:prstGeom prst="rect">
+            <a:avLst/>
+          </a:prstGeom>
+          <a:noFill/>
+        </p:spPr>
+        <p:txBody>
+          <a:bodyPr wrap="square" rtlCol="0">
+            <a:spAutoFit/>
+          </a:bodyPr>
+          <a:lstStyle/>
+          <a:p>
+            <a:r>
+              <a:rPr lang="en-US" sz="1200" dirty="0"/>
+              <a:t>User selects a point on a previous body location photo</a:t>
+            </a:r>
+          </a:p>
+        </p:txBody>
+      </p:sp>
+      <p:sp>
+        <p:nvSpPr>
+          <p:cNvPr id="86" name="TextBox 85">
+            <a:extLst>
+              <a:ext uri="{FF2B5EF4-FFF2-40B4-BE49-F238E27FC236}">
+                <a16:creationId xmlns:a16="http://schemas.microsoft.com/office/drawing/2014/main" id="{1181A54E-FF81-2346-AB0A-A06AAA965003}"/>
+              </a:ext>
+            </a:extLst>
+          </p:cNvPr>
+          <p:cNvSpPr txBox="1"/>
+          <p:nvPr/>
+        </p:nvSpPr>
+        <p:spPr>
+          <a:xfrm>
+            <a:off x="6902015" y="6008108"/>
+            <a:ext cx="1810104" cy="646331"/>
+          </a:xfrm>
+          <a:prstGeom prst="rect">
+            <a:avLst/>
+          </a:prstGeom>
+          <a:solidFill>
+            <a:schemeClr val="bg1">
+              <a:alpha val="54000"/>
+            </a:schemeClr>
+          </a:solidFill>
+        </p:spPr>
+        <p:txBody>
+          <a:bodyPr wrap="square" rtlCol="0">
+            <a:spAutoFit/>
+          </a:bodyPr>
+          <a:lstStyle/>
+          <a:p>
+            <a:r>
+              <a:rPr lang="en-US" sz="1200" dirty="0"/>
+              <a:t>User selects ‘problem name’ to select the problem to  add record to  </a:t>
+            </a:r>
+          </a:p>
+        </p:txBody>
+      </p:sp>
       <p:cxnSp>
         <p:nvCxnSpPr>
-          <p:cNvPr id="167" name="Elbow Connector 166">
-            <a:extLst>
-              <a:ext uri="{FF2B5EF4-FFF2-40B4-BE49-F238E27FC236}">
-                <a16:creationId xmlns:a16="http://schemas.microsoft.com/office/drawing/2014/main" id="{DCF30EC3-451F-474C-B55C-893644138E20}"/>
-              </a:ext>
-            </a:extLst>
-          </p:cNvPr>
-          <p:cNvCxnSpPr>
-            <a:cxnSpLocks/>
-          </p:cNvCxnSpPr>
+          <p:cNvPr id="94" name="Straight Arrow Connector 93">
+            <a:extLst>
+              <a:ext uri="{FF2B5EF4-FFF2-40B4-BE49-F238E27FC236}">
+                <a16:creationId xmlns:a16="http://schemas.microsoft.com/office/drawing/2014/main" id="{9F1C4A3B-BCC0-C34D-8629-2AB48F198347}"/>
+              </a:ext>
+            </a:extLst>
+          </p:cNvPr>
+          <p:cNvCxnSpPr/>
           <p:nvPr/>
         </p:nvCxnSpPr>
         <p:spPr>
-          <a:xfrm rot="10800000">
-            <a:off x="4530445" y="1147395"/>
-            <a:ext cx="999024" cy="983768"/>
-          </a:xfrm>
-          <a:prstGeom prst="bentConnector3">
-            <a:avLst>
-              <a:gd name="adj1" fmla="val 23579"/>
-            </a:avLst>
+          <a:xfrm flipV="1">
+            <a:off x="10376650" y="5012427"/>
+            <a:ext cx="232499" cy="422140"/>
+          </a:xfrm>
+          <a:prstGeom prst="straightConnector1">
+            <a:avLst/>
           </a:prstGeom>
           <a:ln>
+            <a:headEnd type="triangle"/>
             <a:tailEnd type="triangle"/>
           </a:ln>
         </p:spPr>
@@ -5695,12 +5987,84 @@
           </a:fontRef>
         </p:style>
       </p:cxnSp>
-      <p:sp>
-        <p:nvSpPr>
-          <p:cNvPr id="175" name="TextBox 174">
-            <a:extLst>
-              <a:ext uri="{FF2B5EF4-FFF2-40B4-BE49-F238E27FC236}">
-                <a16:creationId xmlns:a16="http://schemas.microsoft.com/office/drawing/2014/main" id="{4453FFBF-A1F3-6542-BF1C-7AB9413C989C}"/>
+      <p:pic>
+        <p:nvPicPr>
+          <p:cNvPr id="142" name="Picture 141" descr="A group of people standing in a train station&#10;&#10;Description automatically generated">
+            <a:extLst>
+              <a:ext uri="{FF2B5EF4-FFF2-40B4-BE49-F238E27FC236}">
+                <a16:creationId xmlns:a16="http://schemas.microsoft.com/office/drawing/2014/main" id="{CBAC7C3D-8DC9-A444-BE96-46093C919F03}"/>
+              </a:ext>
+            </a:extLst>
+          </p:cNvPr>
+          <p:cNvPicPr>
+            <a:picLocks noChangeAspect="1"/>
+          </p:cNvPicPr>
+          <p:nvPr/>
+        </p:nvPicPr>
+        <p:blipFill>
+          <a:blip r:embed="rId9"/>
+          <a:stretch>
+            <a:fillRect/>
+          </a:stretch>
+        </p:blipFill>
+        <p:spPr>
+          <a:xfrm>
+            <a:off x="9341682" y="2595439"/>
+            <a:ext cx="756000" cy="1344000"/>
+          </a:xfrm>
+          <a:prstGeom prst="rect">
+            <a:avLst/>
+          </a:prstGeom>
+        </p:spPr>
+      </p:pic>
+      <p:cxnSp>
+        <p:nvCxnSpPr>
+          <p:cNvPr id="119" name="Elbow Connector 118">
+            <a:extLst>
+              <a:ext uri="{FF2B5EF4-FFF2-40B4-BE49-F238E27FC236}">
+                <a16:creationId xmlns:a16="http://schemas.microsoft.com/office/drawing/2014/main" id="{512DF6B2-67DF-A74B-9D9B-BB1C186AA44F}"/>
+              </a:ext>
+            </a:extLst>
+          </p:cNvPr>
+          <p:cNvCxnSpPr>
+            <a:cxnSpLocks/>
+          </p:cNvCxnSpPr>
+          <p:nvPr/>
+        </p:nvCxnSpPr>
+        <p:spPr>
+          <a:xfrm flipV="1">
+            <a:off x="6162080" y="2254264"/>
+            <a:ext cx="2942683" cy="3714357"/>
+          </a:xfrm>
+          <a:prstGeom prst="bentConnector2">
+            <a:avLst/>
+          </a:prstGeom>
+          <a:ln>
+            <a:headEnd type="triangle"/>
+            <a:tailEnd type="triangle"/>
+          </a:ln>
+        </p:spPr>
+        <p:style>
+          <a:lnRef idx="1">
+            <a:schemeClr val="accent1"/>
+          </a:lnRef>
+          <a:fillRef idx="0">
+            <a:schemeClr val="accent1"/>
+          </a:fillRef>
+          <a:effectRef idx="0">
+            <a:schemeClr val="accent1"/>
+          </a:effectRef>
+          <a:fontRef idx="minor">
+            <a:schemeClr val="tx1"/>
+          </a:fontRef>
+        </p:style>
+      </p:cxnSp>
+      <p:sp>
+        <p:nvSpPr>
+          <p:cNvPr id="113" name="TextBox 112">
+            <a:extLst>
+              <a:ext uri="{FF2B5EF4-FFF2-40B4-BE49-F238E27FC236}">
+                <a16:creationId xmlns:a16="http://schemas.microsoft.com/office/drawing/2014/main" id="{BADFCD50-AE38-854B-8D08-C933415D8AF9}"/>
               </a:ext>
             </a:extLst>
           </p:cNvPr>
@@ -5709,13 +6073,17 @@
         </p:nvSpPr>
         <p:spPr>
           <a:xfrm>
-            <a:off x="4484051" y="-6306"/>
-            <a:ext cx="874297" cy="1384995"/>
-          </a:xfrm>
-          <a:prstGeom prst="rect">
-            <a:avLst/>
-          </a:prstGeom>
-          <a:noFill/>
+            <a:off x="8669824" y="5531768"/>
+            <a:ext cx="1009959" cy="1384995"/>
+          </a:xfrm>
+          <a:prstGeom prst="rect">
+            <a:avLst/>
+          </a:prstGeom>
+          <a:solidFill>
+            <a:schemeClr val="bg1">
+              <a:alpha val="39000"/>
+            </a:schemeClr>
+          </a:solidFill>
         </p:spPr>
         <p:txBody>
           <a:bodyPr wrap="square" rtlCol="0">
@@ -5725,11 +6093,158 @@
           <a:p>
             <a:r>
               <a:rPr lang="en-US" sz="1200" dirty="0"/>
-              <a:t>User selects map icon in top left to view all records on a map </a:t>
-            </a:r>
-          </a:p>
-        </p:txBody>
-      </p:sp>
+              <a:t>User selects body location to create a body location photo</a:t>
+            </a:r>
+          </a:p>
+        </p:txBody>
+      </p:sp>
+      <p:sp>
+        <p:nvSpPr>
+          <p:cNvPr id="153" name="TextBox 152">
+            <a:extLst>
+              <a:ext uri="{FF2B5EF4-FFF2-40B4-BE49-F238E27FC236}">
+                <a16:creationId xmlns:a16="http://schemas.microsoft.com/office/drawing/2014/main" id="{48903102-699D-DF46-93A6-165D08A097EA}"/>
+              </a:ext>
+            </a:extLst>
+          </p:cNvPr>
+          <p:cNvSpPr txBox="1"/>
+          <p:nvPr/>
+        </p:nvSpPr>
+        <p:spPr>
+          <a:xfrm>
+            <a:off x="10104313" y="2501406"/>
+            <a:ext cx="717482" cy="1569660"/>
+          </a:xfrm>
+          <a:prstGeom prst="rect">
+            <a:avLst/>
+          </a:prstGeom>
+          <a:solidFill>
+            <a:schemeClr val="bg1">
+              <a:alpha val="63000"/>
+            </a:schemeClr>
+          </a:solidFill>
+        </p:spPr>
+        <p:txBody>
+          <a:bodyPr wrap="square" rtlCol="0">
+            <a:spAutoFit/>
+          </a:bodyPr>
+          <a:lstStyle/>
+          <a:p>
+            <a:r>
+              <a:rPr lang="en-US" sz="1200" dirty="0"/>
+              <a:t>User selects camera to take new body location photo</a:t>
+            </a:r>
+          </a:p>
+        </p:txBody>
+      </p:sp>
+      <p:pic>
+        <p:nvPicPr>
+          <p:cNvPr id="131" name="Picture 130" descr="A person in a suit and tie&#13;&#10;&#13;&#10;Description automatically generated">
+            <a:extLst>
+              <a:ext uri="{FF2B5EF4-FFF2-40B4-BE49-F238E27FC236}">
+                <a16:creationId xmlns:a16="http://schemas.microsoft.com/office/drawing/2014/main" id="{93228E5D-B246-6844-B6BC-92DA2BDD8F1C}"/>
+              </a:ext>
+            </a:extLst>
+          </p:cNvPr>
+          <p:cNvPicPr>
+            <a:picLocks noChangeAspect="1"/>
+          </p:cNvPicPr>
+          <p:nvPr/>
+        </p:nvPicPr>
+        <p:blipFill>
+          <a:blip r:embed="rId24"/>
+          <a:stretch>
+            <a:fillRect/>
+          </a:stretch>
+        </p:blipFill>
+        <p:spPr>
+          <a:xfrm>
+            <a:off x="10752555" y="2612161"/>
+            <a:ext cx="757350" cy="1346400"/>
+          </a:xfrm>
+          <a:prstGeom prst="rect">
+            <a:avLst/>
+          </a:prstGeom>
+        </p:spPr>
+      </p:pic>
+      <p:sp>
+        <p:nvSpPr>
+          <p:cNvPr id="155" name="TextBox 154">
+            <a:extLst>
+              <a:ext uri="{FF2B5EF4-FFF2-40B4-BE49-F238E27FC236}">
+                <a16:creationId xmlns:a16="http://schemas.microsoft.com/office/drawing/2014/main" id="{F02F2009-DE79-324C-AFE0-BE32F40EAAF5}"/>
+              </a:ext>
+            </a:extLst>
+          </p:cNvPr>
+          <p:cNvSpPr txBox="1"/>
+          <p:nvPr/>
+        </p:nvSpPr>
+        <p:spPr>
+          <a:xfrm>
+            <a:off x="11456510" y="2579852"/>
+            <a:ext cx="823083" cy="1015663"/>
+          </a:xfrm>
+          <a:prstGeom prst="rect">
+            <a:avLst/>
+          </a:prstGeom>
+          <a:noFill/>
+        </p:spPr>
+        <p:txBody>
+          <a:bodyPr wrap="square" rtlCol="0">
+            <a:spAutoFit/>
+          </a:bodyPr>
+          <a:lstStyle/>
+          <a:p>
+            <a:r>
+              <a:rPr lang="en-US" sz="1200" dirty="0"/>
+              <a:t>User selects point on new photo</a:t>
+            </a:r>
+          </a:p>
+        </p:txBody>
+      </p:sp>
+      <p:cxnSp>
+        <p:nvCxnSpPr>
+          <p:cNvPr id="139" name="Straight Arrow Connector 138">
+            <a:extLst>
+              <a:ext uri="{FF2B5EF4-FFF2-40B4-BE49-F238E27FC236}">
+                <a16:creationId xmlns:a16="http://schemas.microsoft.com/office/drawing/2014/main" id="{1B64CB83-D952-3A4D-87C0-31ACEC5C017D}"/>
+              </a:ext>
+            </a:extLst>
+          </p:cNvPr>
+          <p:cNvCxnSpPr>
+            <a:cxnSpLocks/>
+            <a:stCxn id="153" idx="1"/>
+            <a:endCxn id="131" idx="1"/>
+          </p:cNvCxnSpPr>
+          <p:nvPr/>
+        </p:nvCxnSpPr>
+        <p:spPr>
+          <a:xfrm flipV="1">
+            <a:off x="10104313" y="3285361"/>
+            <a:ext cx="648242" cy="875"/>
+          </a:xfrm>
+          <a:prstGeom prst="straightConnector1">
+            <a:avLst/>
+          </a:prstGeom>
+          <a:ln>
+            <a:tailEnd type="triangle"/>
+          </a:ln>
+        </p:spPr>
+        <p:style>
+          <a:lnRef idx="1">
+            <a:schemeClr val="accent1"/>
+          </a:lnRef>
+          <a:fillRef idx="0">
+            <a:schemeClr val="accent1"/>
+          </a:fillRef>
+          <a:effectRef idx="0">
+            <a:schemeClr val="accent1"/>
+          </a:effectRef>
+          <a:fontRef idx="minor">
+            <a:schemeClr val="tx1"/>
+          </a:fontRef>
+        </p:style>
+      </p:cxnSp>
     </p:spTree>
     <p:extLst>
       <p:ext uri="{BB962C8B-B14F-4D97-AF65-F5344CB8AC3E}">

--- a/UI_flow.pptx
+++ b/UI_flow.pptx
@@ -260,7 +260,7 @@
           <a:p>
             <a:fld id="{4D19C019-5B1A-6048-8365-758FE9161DE6}" type="datetimeFigureOut">
               <a:rPr lang="en-US" smtClean="0"/>
-              <a:t>11/12/18</a:t>
+              <a:t>11/19/18</a:t>
             </a:fld>
             <a:endParaRPr lang="en-US"/>
           </a:p>
@@ -458,7 +458,7 @@
           <a:p>
             <a:fld id="{4D19C019-5B1A-6048-8365-758FE9161DE6}" type="datetimeFigureOut">
               <a:rPr lang="en-US" smtClean="0"/>
-              <a:t>11/12/18</a:t>
+              <a:t>11/19/18</a:t>
             </a:fld>
             <a:endParaRPr lang="en-US"/>
           </a:p>
@@ -666,7 +666,7 @@
           <a:p>
             <a:fld id="{4D19C019-5B1A-6048-8365-758FE9161DE6}" type="datetimeFigureOut">
               <a:rPr lang="en-US" smtClean="0"/>
-              <a:t>11/12/18</a:t>
+              <a:t>11/19/18</a:t>
             </a:fld>
             <a:endParaRPr lang="en-US"/>
           </a:p>
@@ -864,7 +864,7 @@
           <a:p>
             <a:fld id="{4D19C019-5B1A-6048-8365-758FE9161DE6}" type="datetimeFigureOut">
               <a:rPr lang="en-US" smtClean="0"/>
-              <a:t>11/12/18</a:t>
+              <a:t>11/19/18</a:t>
             </a:fld>
             <a:endParaRPr lang="en-US"/>
           </a:p>
@@ -1139,7 +1139,7 @@
           <a:p>
             <a:fld id="{4D19C019-5B1A-6048-8365-758FE9161DE6}" type="datetimeFigureOut">
               <a:rPr lang="en-US" smtClean="0"/>
-              <a:t>11/12/18</a:t>
+              <a:t>11/19/18</a:t>
             </a:fld>
             <a:endParaRPr lang="en-US"/>
           </a:p>
@@ -1404,7 +1404,7 @@
           <a:p>
             <a:fld id="{4D19C019-5B1A-6048-8365-758FE9161DE6}" type="datetimeFigureOut">
               <a:rPr lang="en-US" smtClean="0"/>
-              <a:t>11/12/18</a:t>
+              <a:t>11/19/18</a:t>
             </a:fld>
             <a:endParaRPr lang="en-US"/>
           </a:p>
@@ -1816,7 +1816,7 @@
           <a:p>
             <a:fld id="{4D19C019-5B1A-6048-8365-758FE9161DE6}" type="datetimeFigureOut">
               <a:rPr lang="en-US" smtClean="0"/>
-              <a:t>11/12/18</a:t>
+              <a:t>11/19/18</a:t>
             </a:fld>
             <a:endParaRPr lang="en-US"/>
           </a:p>
@@ -1957,7 +1957,7 @@
           <a:p>
             <a:fld id="{4D19C019-5B1A-6048-8365-758FE9161DE6}" type="datetimeFigureOut">
               <a:rPr lang="en-US" smtClean="0"/>
-              <a:t>11/12/18</a:t>
+              <a:t>11/19/18</a:t>
             </a:fld>
             <a:endParaRPr lang="en-US"/>
           </a:p>
@@ -2070,7 +2070,7 @@
           <a:p>
             <a:fld id="{4D19C019-5B1A-6048-8365-758FE9161DE6}" type="datetimeFigureOut">
               <a:rPr lang="en-US" smtClean="0"/>
-              <a:t>11/12/18</a:t>
+              <a:t>11/19/18</a:t>
             </a:fld>
             <a:endParaRPr lang="en-US"/>
           </a:p>
@@ -2381,7 +2381,7 @@
           <a:p>
             <a:fld id="{4D19C019-5B1A-6048-8365-758FE9161DE6}" type="datetimeFigureOut">
               <a:rPr lang="en-US" smtClean="0"/>
-              <a:t>11/12/18</a:t>
+              <a:t>11/19/18</a:t>
             </a:fld>
             <a:endParaRPr lang="en-US"/>
           </a:p>
@@ -2669,7 +2669,7 @@
           <a:p>
             <a:fld id="{4D19C019-5B1A-6048-8365-758FE9161DE6}" type="datetimeFigureOut">
               <a:rPr lang="en-US" smtClean="0"/>
-              <a:t>11/12/18</a:t>
+              <a:t>11/19/18</a:t>
             </a:fld>
             <a:endParaRPr lang="en-US"/>
           </a:p>
@@ -2910,7 +2910,7 @@
           <a:p>
             <a:fld id="{4D19C019-5B1A-6048-8365-758FE9161DE6}" type="datetimeFigureOut">
               <a:rPr lang="en-US" smtClean="0"/>
-              <a:t>11/12/18</a:t>
+              <a:t>11/19/18</a:t>
             </a:fld>
             <a:endParaRPr lang="en-US"/>
           </a:p>
@@ -6634,10 +6634,10 @@
       </p:pic>
       <p:pic>
         <p:nvPicPr>
-          <p:cNvPr id="89" name="Picture 88">
-            <a:extLst>
-              <a:ext uri="{FF2B5EF4-FFF2-40B4-BE49-F238E27FC236}">
-                <a16:creationId xmlns:a16="http://schemas.microsoft.com/office/drawing/2014/main" id="{BB6F9DC5-EC1B-428D-8F5E-19A39F94C45D}"/>
+          <p:cNvPr id="91" name="Picture 90">
+            <a:extLst>
+              <a:ext uri="{FF2B5EF4-FFF2-40B4-BE49-F238E27FC236}">
+                <a16:creationId xmlns:a16="http://schemas.microsoft.com/office/drawing/2014/main" id="{1B1F7CE4-463A-4467-99C6-BAC35342375E}"/>
               </a:ext>
             </a:extLst>
           </p:cNvPr>
@@ -6646,15 +6646,44 @@
           </p:cNvPicPr>
           <p:nvPr/>
         </p:nvPicPr>
+        <p:blipFill rotWithShape="1">
+          <a:blip r:embed="rId14"/>
+          <a:srcRect b="21664"/>
+          <a:stretch/>
+        </p:blipFill>
+        <p:spPr>
+          <a:xfrm>
+            <a:off x="2474571" y="1403926"/>
+            <a:ext cx="746633" cy="1327350"/>
+          </a:xfrm>
+          <a:prstGeom prst="rect">
+            <a:avLst/>
+          </a:prstGeom>
+        </p:spPr>
+      </p:pic>
+      <p:pic>
+        <p:nvPicPr>
+          <p:cNvPr id="93" name="Picture 92">
+            <a:extLst>
+              <a:ext uri="{FF2B5EF4-FFF2-40B4-BE49-F238E27FC236}">
+                <a16:creationId xmlns:a16="http://schemas.microsoft.com/office/drawing/2014/main" id="{F0700AB4-FDF7-491C-9AFF-E08D03C57388}"/>
+              </a:ext>
+            </a:extLst>
+          </p:cNvPr>
+          <p:cNvPicPr>
+            <a:picLocks noChangeAspect="1"/>
+          </p:cNvPicPr>
+          <p:nvPr/>
+        </p:nvPicPr>
         <p:blipFill>
-          <a:blip r:embed="rId14"/>
+          <a:blip r:embed="rId15"/>
           <a:stretch>
             <a:fillRect/>
           </a:stretch>
         </p:blipFill>
         <p:spPr>
           <a:xfrm>
-            <a:off x="2406463" y="4770276"/>
+            <a:off x="10440074" y="2496838"/>
             <a:ext cx="746634" cy="1327350"/>
           </a:xfrm>
           <a:prstGeom prst="rect">
@@ -6664,39 +6693,10 @@
       </p:pic>
       <p:pic>
         <p:nvPicPr>
-          <p:cNvPr id="91" name="Picture 90">
-            <a:extLst>
-              <a:ext uri="{FF2B5EF4-FFF2-40B4-BE49-F238E27FC236}">
-                <a16:creationId xmlns:a16="http://schemas.microsoft.com/office/drawing/2014/main" id="{1B1F7CE4-463A-4467-99C6-BAC35342375E}"/>
-              </a:ext>
-            </a:extLst>
-          </p:cNvPr>
-          <p:cNvPicPr>
-            <a:picLocks noChangeAspect="1"/>
-          </p:cNvPicPr>
-          <p:nvPr/>
-        </p:nvPicPr>
-        <p:blipFill rotWithShape="1">
-          <a:blip r:embed="rId15"/>
-          <a:srcRect b="21664"/>
-          <a:stretch/>
-        </p:blipFill>
-        <p:spPr>
-          <a:xfrm>
-            <a:off x="2474571" y="1403926"/>
-            <a:ext cx="746633" cy="1327350"/>
-          </a:xfrm>
-          <a:prstGeom prst="rect">
-            <a:avLst/>
-          </a:prstGeom>
-        </p:spPr>
-      </p:pic>
-      <p:pic>
-        <p:nvPicPr>
-          <p:cNvPr id="93" name="Picture 92">
-            <a:extLst>
-              <a:ext uri="{FF2B5EF4-FFF2-40B4-BE49-F238E27FC236}">
-                <a16:creationId xmlns:a16="http://schemas.microsoft.com/office/drawing/2014/main" id="{F0700AB4-FDF7-491C-9AFF-E08D03C57388}"/>
+          <p:cNvPr id="95" name="Picture 94">
+            <a:extLst>
+              <a:ext uri="{FF2B5EF4-FFF2-40B4-BE49-F238E27FC236}">
+                <a16:creationId xmlns:a16="http://schemas.microsoft.com/office/drawing/2014/main" id="{7DFD9D82-BCB9-4CAE-80B4-C564A6DEDD5C}"/>
               </a:ext>
             </a:extLst>
           </p:cNvPr>
@@ -6713,36 +6713,6 @@
         </p:blipFill>
         <p:spPr>
           <a:xfrm>
-            <a:off x="10440074" y="2496838"/>
-            <a:ext cx="746634" cy="1327350"/>
-          </a:xfrm>
-          <a:prstGeom prst="rect">
-            <a:avLst/>
-          </a:prstGeom>
-        </p:spPr>
-      </p:pic>
-      <p:pic>
-        <p:nvPicPr>
-          <p:cNvPr id="95" name="Picture 94">
-            <a:extLst>
-              <a:ext uri="{FF2B5EF4-FFF2-40B4-BE49-F238E27FC236}">
-                <a16:creationId xmlns:a16="http://schemas.microsoft.com/office/drawing/2014/main" id="{7DFD9D82-BCB9-4CAE-80B4-C564A6DEDD5C}"/>
-              </a:ext>
-            </a:extLst>
-          </p:cNvPr>
-          <p:cNvPicPr>
-            <a:picLocks noChangeAspect="1"/>
-          </p:cNvPicPr>
-          <p:nvPr/>
-        </p:nvPicPr>
-        <p:blipFill>
-          <a:blip r:embed="rId17"/>
-          <a:stretch>
-            <a:fillRect/>
-          </a:stretch>
-        </p:blipFill>
-        <p:spPr>
-          <a:xfrm>
             <a:off x="10440073" y="358464"/>
             <a:ext cx="746634" cy="1327350"/>
           </a:xfrm>
@@ -6766,7 +6736,7 @@
           <p:nvPr/>
         </p:nvPicPr>
         <p:blipFill rotWithShape="1">
-          <a:blip r:embed="rId18"/>
+          <a:blip r:embed="rId17"/>
           <a:srcRect b="34959"/>
           <a:stretch/>
         </p:blipFill>
@@ -7002,12 +6972,117 @@
           </a:p>
         </p:txBody>
       </p:sp>
+      <p:sp>
+        <p:nvSpPr>
+          <p:cNvPr id="114" name="TextBox 113">
+            <a:extLst>
+              <a:ext uri="{FF2B5EF4-FFF2-40B4-BE49-F238E27FC236}">
+                <a16:creationId xmlns:a16="http://schemas.microsoft.com/office/drawing/2014/main" id="{B27D8734-FC45-46AF-B4E4-429F4C82FD62}"/>
+              </a:ext>
+            </a:extLst>
+          </p:cNvPr>
+          <p:cNvSpPr txBox="1"/>
+          <p:nvPr/>
+        </p:nvSpPr>
+        <p:spPr>
+          <a:xfrm>
+            <a:off x="1615641" y="819242"/>
+            <a:ext cx="1030139" cy="276999"/>
+          </a:xfrm>
+          <a:prstGeom prst="rect">
+            <a:avLst/>
+          </a:prstGeom>
+          <a:noFill/>
+        </p:spPr>
+        <p:txBody>
+          <a:bodyPr wrap="square" rtlCol="0">
+            <a:spAutoFit/>
+          </a:bodyPr>
+          <a:lstStyle/>
+          <a:p>
+            <a:r>
+              <a:rPr lang="en-CA" sz="1200" dirty="0"/>
+              <a:t>User logs in.</a:t>
+            </a:r>
+          </a:p>
+        </p:txBody>
+      </p:sp>
+      <p:sp>
+        <p:nvSpPr>
+          <p:cNvPr id="115" name="TextBox 114">
+            <a:extLst>
+              <a:ext uri="{FF2B5EF4-FFF2-40B4-BE49-F238E27FC236}">
+                <a16:creationId xmlns:a16="http://schemas.microsoft.com/office/drawing/2014/main" id="{E8820B13-E79D-4FA7-B017-BC8FE329B029}"/>
+              </a:ext>
+            </a:extLst>
+          </p:cNvPr>
+          <p:cNvSpPr txBox="1"/>
+          <p:nvPr/>
+        </p:nvSpPr>
+        <p:spPr>
+          <a:xfrm>
+            <a:off x="3590654" y="4966061"/>
+            <a:ext cx="1030139" cy="830997"/>
+          </a:xfrm>
+          <a:prstGeom prst="rect">
+            <a:avLst/>
+          </a:prstGeom>
+          <a:noFill/>
+        </p:spPr>
+        <p:txBody>
+          <a:bodyPr wrap="square" rtlCol="0">
+            <a:spAutoFit/>
+          </a:bodyPr>
+          <a:lstStyle/>
+          <a:p>
+            <a:r>
+              <a:rPr lang="en-CA" sz="1200" dirty="0"/>
+              <a:t>User adds patient by clicking the plus.</a:t>
+            </a:r>
+          </a:p>
+        </p:txBody>
+      </p:sp>
+      <p:sp>
+        <p:nvSpPr>
+          <p:cNvPr id="116" name="TextBox 115">
+            <a:extLst>
+              <a:ext uri="{FF2B5EF4-FFF2-40B4-BE49-F238E27FC236}">
+                <a16:creationId xmlns:a16="http://schemas.microsoft.com/office/drawing/2014/main" id="{1071AC6C-8F10-4BA2-9060-6C75679C4B12}"/>
+              </a:ext>
+            </a:extLst>
+          </p:cNvPr>
+          <p:cNvSpPr txBox="1"/>
+          <p:nvPr/>
+        </p:nvSpPr>
+        <p:spPr>
+          <a:xfrm>
+            <a:off x="3676571" y="1806451"/>
+            <a:ext cx="1030139" cy="830997"/>
+          </a:xfrm>
+          <a:prstGeom prst="rect">
+            <a:avLst/>
+          </a:prstGeom>
+          <a:noFill/>
+        </p:spPr>
+        <p:txBody>
+          <a:bodyPr wrap="square" rtlCol="0">
+            <a:spAutoFit/>
+          </a:bodyPr>
+          <a:lstStyle/>
+          <a:p>
+            <a:r>
+              <a:rPr lang="en-CA" sz="1200" dirty="0"/>
+              <a:t>User adds patient by clicking the plus.</a:t>
+            </a:r>
+          </a:p>
+        </p:txBody>
+      </p:sp>
       <p:cxnSp>
         <p:nvCxnSpPr>
-          <p:cNvPr id="106" name="Straight Arrow Connector 105">
-            <a:extLst>
-              <a:ext uri="{FF2B5EF4-FFF2-40B4-BE49-F238E27FC236}">
-                <a16:creationId xmlns:a16="http://schemas.microsoft.com/office/drawing/2014/main" id="{BA81ABD4-10F3-4A1C-BF23-E8966F0ABD05}"/>
+          <p:cNvPr id="124" name="Connector: Elbow 123">
+            <a:extLst>
+              <a:ext uri="{FF2B5EF4-FFF2-40B4-BE49-F238E27FC236}">
+                <a16:creationId xmlns:a16="http://schemas.microsoft.com/office/drawing/2014/main" id="{49DBB975-A403-47FE-88EE-5A4B940C2EAA}"/>
               </a:ext>
             </a:extLst>
           </p:cNvPr>
@@ -7017,12 +7092,14 @@
           <p:nvPr/>
         </p:nvCxnSpPr>
         <p:spPr>
-          <a:xfrm>
-            <a:off x="1398295" y="5401620"/>
-            <a:ext cx="850577" cy="0"/>
-          </a:xfrm>
-          <a:prstGeom prst="straightConnector1">
-            <a:avLst/>
+          <a:xfrm rot="16200000" flipV="1">
+            <a:off x="2722094" y="2923075"/>
+            <a:ext cx="794664" cy="557981"/>
+          </a:xfrm>
+          <a:prstGeom prst="bentConnector3">
+            <a:avLst>
+              <a:gd name="adj1" fmla="val 685"/>
+            </a:avLst>
           </a:prstGeom>
           <a:ln>
             <a:tailEnd type="triangle"/>
@@ -7045,10 +7122,10 @@
       </p:cxnSp>
       <p:sp>
         <p:nvSpPr>
-          <p:cNvPr id="110" name="TextBox 109">
-            <a:extLst>
-              <a:ext uri="{FF2B5EF4-FFF2-40B4-BE49-F238E27FC236}">
-                <a16:creationId xmlns:a16="http://schemas.microsoft.com/office/drawing/2014/main" id="{193B6D65-F3F2-4019-B900-8FC0C210378C}"/>
+          <p:cNvPr id="128" name="TextBox 127">
+            <a:extLst>
+              <a:ext uri="{FF2B5EF4-FFF2-40B4-BE49-F238E27FC236}">
+                <a16:creationId xmlns:a16="http://schemas.microsoft.com/office/drawing/2014/main" id="{80E5E407-7ECA-49C4-B102-01680696DEAE}"/>
               </a:ext>
             </a:extLst>
           </p:cNvPr>
@@ -7057,190 +7134,7 @@
         </p:nvSpPr>
         <p:spPr>
           <a:xfrm>
-            <a:off x="2248872" y="6093854"/>
-            <a:ext cx="1255586" cy="461665"/>
-          </a:xfrm>
-          <a:prstGeom prst="rect">
-            <a:avLst/>
-          </a:prstGeom>
-          <a:noFill/>
-        </p:spPr>
-        <p:txBody>
-          <a:bodyPr wrap="square" rtlCol="0">
-            <a:spAutoFit/>
-          </a:bodyPr>
-          <a:lstStyle/>
-          <a:p>
-            <a:r>
-              <a:rPr lang="en-CA" sz="1200" dirty="0"/>
-              <a:t>User sees empty list of problems.</a:t>
-            </a:r>
-          </a:p>
-        </p:txBody>
-      </p:sp>
-      <p:sp>
-        <p:nvSpPr>
-          <p:cNvPr id="114" name="TextBox 113">
-            <a:extLst>
-              <a:ext uri="{FF2B5EF4-FFF2-40B4-BE49-F238E27FC236}">
-                <a16:creationId xmlns:a16="http://schemas.microsoft.com/office/drawing/2014/main" id="{B27D8734-FC45-46AF-B4E4-429F4C82FD62}"/>
-              </a:ext>
-            </a:extLst>
-          </p:cNvPr>
-          <p:cNvSpPr txBox="1"/>
-          <p:nvPr/>
-        </p:nvSpPr>
-        <p:spPr>
-          <a:xfrm>
-            <a:off x="1615641" y="819242"/>
-            <a:ext cx="1030139" cy="276999"/>
-          </a:xfrm>
-          <a:prstGeom prst="rect">
-            <a:avLst/>
-          </a:prstGeom>
-          <a:noFill/>
-        </p:spPr>
-        <p:txBody>
-          <a:bodyPr wrap="square" rtlCol="0">
-            <a:spAutoFit/>
-          </a:bodyPr>
-          <a:lstStyle/>
-          <a:p>
-            <a:r>
-              <a:rPr lang="en-CA" sz="1200" dirty="0"/>
-              <a:t>User logs in.</a:t>
-            </a:r>
-          </a:p>
-        </p:txBody>
-      </p:sp>
-      <p:sp>
-        <p:nvSpPr>
-          <p:cNvPr id="115" name="TextBox 114">
-            <a:extLst>
-              <a:ext uri="{FF2B5EF4-FFF2-40B4-BE49-F238E27FC236}">
-                <a16:creationId xmlns:a16="http://schemas.microsoft.com/office/drawing/2014/main" id="{E8820B13-E79D-4FA7-B017-BC8FE329B029}"/>
-              </a:ext>
-            </a:extLst>
-          </p:cNvPr>
-          <p:cNvSpPr txBox="1"/>
-          <p:nvPr/>
-        </p:nvSpPr>
-        <p:spPr>
-          <a:xfrm>
-            <a:off x="3590654" y="4966061"/>
-            <a:ext cx="1030139" cy="830997"/>
-          </a:xfrm>
-          <a:prstGeom prst="rect">
-            <a:avLst/>
-          </a:prstGeom>
-          <a:noFill/>
-        </p:spPr>
-        <p:txBody>
-          <a:bodyPr wrap="square" rtlCol="0">
-            <a:spAutoFit/>
-          </a:bodyPr>
-          <a:lstStyle/>
-          <a:p>
-            <a:r>
-              <a:rPr lang="en-CA" sz="1200" dirty="0"/>
-              <a:t>User adds patient by clicking the plus.</a:t>
-            </a:r>
-          </a:p>
-        </p:txBody>
-      </p:sp>
-      <p:sp>
-        <p:nvSpPr>
-          <p:cNvPr id="116" name="TextBox 115">
-            <a:extLst>
-              <a:ext uri="{FF2B5EF4-FFF2-40B4-BE49-F238E27FC236}">
-                <a16:creationId xmlns:a16="http://schemas.microsoft.com/office/drawing/2014/main" id="{1071AC6C-8F10-4BA2-9060-6C75679C4B12}"/>
-              </a:ext>
-            </a:extLst>
-          </p:cNvPr>
-          <p:cNvSpPr txBox="1"/>
-          <p:nvPr/>
-        </p:nvSpPr>
-        <p:spPr>
-          <a:xfrm>
-            <a:off x="3676571" y="1806451"/>
-            <a:ext cx="1030139" cy="830997"/>
-          </a:xfrm>
-          <a:prstGeom prst="rect">
-            <a:avLst/>
-          </a:prstGeom>
-          <a:noFill/>
-        </p:spPr>
-        <p:txBody>
-          <a:bodyPr wrap="square" rtlCol="0">
-            <a:spAutoFit/>
-          </a:bodyPr>
-          <a:lstStyle/>
-          <a:p>
-            <a:r>
-              <a:rPr lang="en-CA" sz="1200" dirty="0"/>
-              <a:t>User adds patient by clicking the plus.</a:t>
-            </a:r>
-          </a:p>
-        </p:txBody>
-      </p:sp>
-      <p:cxnSp>
-        <p:nvCxnSpPr>
-          <p:cNvPr id="124" name="Connector: Elbow 123">
-            <a:extLst>
-              <a:ext uri="{FF2B5EF4-FFF2-40B4-BE49-F238E27FC236}">
-                <a16:creationId xmlns:a16="http://schemas.microsoft.com/office/drawing/2014/main" id="{49DBB975-A403-47FE-88EE-5A4B940C2EAA}"/>
-              </a:ext>
-            </a:extLst>
-          </p:cNvPr>
-          <p:cNvCxnSpPr>
-            <a:cxnSpLocks/>
-          </p:cNvCxnSpPr>
-          <p:nvPr/>
-        </p:nvCxnSpPr>
-        <p:spPr>
-          <a:xfrm rot="16200000" flipV="1">
-            <a:off x="2722094" y="2923075"/>
-            <a:ext cx="794664" cy="557981"/>
-          </a:xfrm>
-          <a:prstGeom prst="bentConnector3">
-            <a:avLst>
-              <a:gd name="adj1" fmla="val 685"/>
-            </a:avLst>
-          </a:prstGeom>
-          <a:ln>
-            <a:tailEnd type="triangle"/>
-          </a:ln>
-        </p:spPr>
-        <p:style>
-          <a:lnRef idx="1">
-            <a:schemeClr val="accent1"/>
-          </a:lnRef>
-          <a:fillRef idx="0">
-            <a:schemeClr val="accent1"/>
-          </a:fillRef>
-          <a:effectRef idx="0">
-            <a:schemeClr val="accent1"/>
-          </a:effectRef>
-          <a:fontRef idx="minor">
-            <a:schemeClr val="tx1"/>
-          </a:fontRef>
-        </p:style>
-      </p:cxnSp>
-      <p:sp>
-        <p:nvSpPr>
-          <p:cNvPr id="128" name="TextBox 127">
-            <a:extLst>
-              <a:ext uri="{FF2B5EF4-FFF2-40B4-BE49-F238E27FC236}">
-                <a16:creationId xmlns:a16="http://schemas.microsoft.com/office/drawing/2014/main" id="{80E5E407-7ECA-49C4-B102-01680696DEAE}"/>
-              </a:ext>
-            </a:extLst>
-          </p:cNvPr>
-          <p:cNvSpPr txBox="1"/>
-          <p:nvPr/>
-        </p:nvSpPr>
-        <p:spPr>
-          <a:xfrm>
-            <a:off x="1754820" y="2886401"/>
+            <a:off x="1640462" y="2749872"/>
             <a:ext cx="1189328" cy="830997"/>
           </a:xfrm>
           <a:prstGeom prst="rect">
@@ -8235,6 +8129,47 @@
             <a:avLst>
               <a:gd name="adj1" fmla="val 99895"/>
             </a:avLst>
+          </a:prstGeom>
+          <a:ln>
+            <a:tailEnd type="triangle"/>
+          </a:ln>
+        </p:spPr>
+        <p:style>
+          <a:lnRef idx="1">
+            <a:schemeClr val="accent1"/>
+          </a:lnRef>
+          <a:fillRef idx="0">
+            <a:schemeClr val="accent1"/>
+          </a:fillRef>
+          <a:effectRef idx="0">
+            <a:schemeClr val="accent1"/>
+          </a:effectRef>
+          <a:fontRef idx="minor">
+            <a:schemeClr val="tx1"/>
+          </a:fontRef>
+        </p:style>
+      </p:cxnSp>
+      <p:cxnSp>
+        <p:nvCxnSpPr>
+          <p:cNvPr id="3" name="Elbow Connector 2">
+            <a:extLst>
+              <a:ext uri="{FF2B5EF4-FFF2-40B4-BE49-F238E27FC236}">
+                <a16:creationId xmlns:a16="http://schemas.microsoft.com/office/drawing/2014/main" id="{80ACA702-0DF3-DD4A-B59B-04DEE5F1398F}"/>
+              </a:ext>
+            </a:extLst>
+          </p:cNvPr>
+          <p:cNvCxnSpPr>
+            <a:stCxn id="73" idx="3"/>
+          </p:cNvCxnSpPr>
+          <p:nvPr/>
+        </p:nvCxnSpPr>
+        <p:spPr>
+          <a:xfrm flipV="1">
+            <a:off x="1269348" y="2804733"/>
+            <a:ext cx="1409780" cy="2459261"/>
+          </a:xfrm>
+          <a:prstGeom prst="bentConnector2">
+            <a:avLst/>
           </a:prstGeom>
           <a:ln>
             <a:tailEnd type="triangle"/>

--- a/UI_flow.pptx
+++ b/UI_flow.pptx
@@ -7009,41 +7009,6 @@
       </p:sp>
       <p:sp>
         <p:nvSpPr>
-          <p:cNvPr id="115" name="TextBox 114">
-            <a:extLst>
-              <a:ext uri="{FF2B5EF4-FFF2-40B4-BE49-F238E27FC236}">
-                <a16:creationId xmlns:a16="http://schemas.microsoft.com/office/drawing/2014/main" id="{E8820B13-E79D-4FA7-B017-BC8FE329B029}"/>
-              </a:ext>
-            </a:extLst>
-          </p:cNvPr>
-          <p:cNvSpPr txBox="1"/>
-          <p:nvPr/>
-        </p:nvSpPr>
-        <p:spPr>
-          <a:xfrm>
-            <a:off x="3590654" y="4966061"/>
-            <a:ext cx="1030139" cy="830997"/>
-          </a:xfrm>
-          <a:prstGeom prst="rect">
-            <a:avLst/>
-          </a:prstGeom>
-          <a:noFill/>
-        </p:spPr>
-        <p:txBody>
-          <a:bodyPr wrap="square" rtlCol="0">
-            <a:spAutoFit/>
-          </a:bodyPr>
-          <a:lstStyle/>
-          <a:p>
-            <a:r>
-              <a:rPr lang="en-CA" sz="1200" dirty="0"/>
-              <a:t>User adds patient by clicking the plus.</a:t>
-            </a:r>
-          </a:p>
-        </p:txBody>
-      </p:sp>
-      <p:sp>
-        <p:nvSpPr>
           <p:cNvPr id="116" name="TextBox 115">
             <a:extLst>
               <a:ext uri="{FF2B5EF4-FFF2-40B4-BE49-F238E27FC236}">
@@ -8044,49 +8009,6 @@
           <a:prstGeom prst="bentConnector3">
             <a:avLst>
               <a:gd name="adj1" fmla="val 824"/>
-            </a:avLst>
-          </a:prstGeom>
-          <a:ln>
-            <a:tailEnd type="triangle"/>
-          </a:ln>
-        </p:spPr>
-        <p:style>
-          <a:lnRef idx="1">
-            <a:schemeClr val="accent1"/>
-          </a:lnRef>
-          <a:fillRef idx="0">
-            <a:schemeClr val="accent1"/>
-          </a:fillRef>
-          <a:effectRef idx="0">
-            <a:schemeClr val="accent1"/>
-          </a:effectRef>
-          <a:fontRef idx="minor">
-            <a:schemeClr val="tx1"/>
-          </a:fontRef>
-        </p:style>
-      </p:cxnSp>
-      <p:cxnSp>
-        <p:nvCxnSpPr>
-          <p:cNvPr id="257" name="Connector: Elbow 256">
-            <a:extLst>
-              <a:ext uri="{FF2B5EF4-FFF2-40B4-BE49-F238E27FC236}">
-                <a16:creationId xmlns:a16="http://schemas.microsoft.com/office/drawing/2014/main" id="{427CE05D-881A-403D-8216-9483C7914282}"/>
-              </a:ext>
-            </a:extLst>
-          </p:cNvPr>
-          <p:cNvCxnSpPr>
-            <a:cxnSpLocks/>
-          </p:cNvCxnSpPr>
-          <p:nvPr/>
-        </p:nvCxnSpPr>
-        <p:spPr>
-          <a:xfrm flipV="1">
-            <a:off x="3221204" y="4554903"/>
-            <a:ext cx="440981" cy="380752"/>
-          </a:xfrm>
-          <a:prstGeom prst="bentConnector3">
-            <a:avLst>
-              <a:gd name="adj1" fmla="val 101345"/>
             </a:avLst>
           </a:prstGeom>
           <a:ln>
